--- a/TallerGrupoMYungaOsolisEmaldonado.pptx
+++ b/TallerGrupoMYungaOsolisEmaldonado.pptx
@@ -1,20 +1,1138 @@
 
 <file path=ppt/presentation.xml><?xml version="1.0" encoding="utf-8"?>
-<p:presentation xmlns:a="http://schemas.openxmlformats.org/drawingml/2006/main" xmlns:p="http://schemas.openxmlformats.org/presentationml/2006/main" xmlns:r="http://schemas.openxmlformats.org/officeDocument/2006/relationships" xmlns:p14="http://schemas.microsoft.com/office/powerpoint/2010/main" xmlns:p15="http://schemas.microsoft.com/office/powerpoint/2012/main" xmlns:mc="http://schemas.openxmlformats.org/markup-compatibility/2006">
+<p:presentation xmlns:a="http://schemas.openxmlformats.org/drawingml/2006/main" xmlns:r="http://schemas.openxmlformats.org/officeDocument/2006/relationships" xmlns:p="http://schemas.openxmlformats.org/presentationml/2006/main">
   <p:sldMasterIdLst>
-    <p:sldMasterId id="2147483648" r:id="rId2"/>
+    <p:sldMasterId id="2147483648" r:id="rId1"/>
   </p:sldMasterIdLst>
+  <p:notesMasterIdLst>
+    <p:notesMasterId r:id="rId8"/>
+  </p:notesMasterIdLst>
   <p:sldIdLst>
-    <p:sldId id="256" r:id="rId3"/>
-    <p:sldId id="257" r:id="rId4"/>
+    <p:sldId id="258" r:id="rId2"/>
+    <p:sldId id="259" r:id="rId3"/>
+    <p:sldId id="260" r:id="rId4"/>
+    <p:sldId id="261" r:id="rId5"/>
+    <p:sldId id="262" r:id="rId6"/>
+    <p:sldId id="263" r:id="rId7"/>
   </p:sldIdLst>
   <p:sldSz cx="10080625" cy="5670550"/>
-  <p:notesSz cx="7559675" cy="10691812"/>
+  <p:notesSz cx="7559675" cy="10691813"/>
+  <p:defaultTextStyle>
+    <a:defPPr>
+      <a:defRPr lang="en-US"/>
+    </a:defPPr>
+    <a:lvl1pPr marL="0" algn="l" defTabSz="914400" rtl="0" eaLnBrk="1" latinLnBrk="0" hangingPunct="1">
+      <a:defRPr sz="1800" kern="1200">
+        <a:solidFill>
+          <a:schemeClr val="tx1"/>
+        </a:solidFill>
+        <a:latin typeface="+mn-lt"/>
+        <a:ea typeface="+mn-ea"/>
+        <a:cs typeface="+mn-cs"/>
+      </a:defRPr>
+    </a:lvl1pPr>
+    <a:lvl2pPr marL="457200" algn="l" defTabSz="914400" rtl="0" eaLnBrk="1" latinLnBrk="0" hangingPunct="1">
+      <a:defRPr sz="1800" kern="1200">
+        <a:solidFill>
+          <a:schemeClr val="tx1"/>
+        </a:solidFill>
+        <a:latin typeface="+mn-lt"/>
+        <a:ea typeface="+mn-ea"/>
+        <a:cs typeface="+mn-cs"/>
+      </a:defRPr>
+    </a:lvl2pPr>
+    <a:lvl3pPr marL="914400" algn="l" defTabSz="914400" rtl="0" eaLnBrk="1" latinLnBrk="0" hangingPunct="1">
+      <a:defRPr sz="1800" kern="1200">
+        <a:solidFill>
+          <a:schemeClr val="tx1"/>
+        </a:solidFill>
+        <a:latin typeface="+mn-lt"/>
+        <a:ea typeface="+mn-ea"/>
+        <a:cs typeface="+mn-cs"/>
+      </a:defRPr>
+    </a:lvl3pPr>
+    <a:lvl4pPr marL="1371600" algn="l" defTabSz="914400" rtl="0" eaLnBrk="1" latinLnBrk="0" hangingPunct="1">
+      <a:defRPr sz="1800" kern="1200">
+        <a:solidFill>
+          <a:schemeClr val="tx1"/>
+        </a:solidFill>
+        <a:latin typeface="+mn-lt"/>
+        <a:ea typeface="+mn-ea"/>
+        <a:cs typeface="+mn-cs"/>
+      </a:defRPr>
+    </a:lvl4pPr>
+    <a:lvl5pPr marL="1828800" algn="l" defTabSz="914400" rtl="0" eaLnBrk="1" latinLnBrk="0" hangingPunct="1">
+      <a:defRPr sz="1800" kern="1200">
+        <a:solidFill>
+          <a:schemeClr val="tx1"/>
+        </a:solidFill>
+        <a:latin typeface="+mn-lt"/>
+        <a:ea typeface="+mn-ea"/>
+        <a:cs typeface="+mn-cs"/>
+      </a:defRPr>
+    </a:lvl5pPr>
+    <a:lvl6pPr marL="2286000" algn="l" defTabSz="914400" rtl="0" eaLnBrk="1" latinLnBrk="0" hangingPunct="1">
+      <a:defRPr sz="1800" kern="1200">
+        <a:solidFill>
+          <a:schemeClr val="tx1"/>
+        </a:solidFill>
+        <a:latin typeface="+mn-lt"/>
+        <a:ea typeface="+mn-ea"/>
+        <a:cs typeface="+mn-cs"/>
+      </a:defRPr>
+    </a:lvl6pPr>
+    <a:lvl7pPr marL="2743200" algn="l" defTabSz="914400" rtl="0" eaLnBrk="1" latinLnBrk="0" hangingPunct="1">
+      <a:defRPr sz="1800" kern="1200">
+        <a:solidFill>
+          <a:schemeClr val="tx1"/>
+        </a:solidFill>
+        <a:latin typeface="+mn-lt"/>
+        <a:ea typeface="+mn-ea"/>
+        <a:cs typeface="+mn-cs"/>
+      </a:defRPr>
+    </a:lvl7pPr>
+    <a:lvl8pPr marL="3200400" algn="l" defTabSz="914400" rtl="0" eaLnBrk="1" latinLnBrk="0" hangingPunct="1">
+      <a:defRPr sz="1800" kern="1200">
+        <a:solidFill>
+          <a:schemeClr val="tx1"/>
+        </a:solidFill>
+        <a:latin typeface="+mn-lt"/>
+        <a:ea typeface="+mn-ea"/>
+        <a:cs typeface="+mn-cs"/>
+      </a:defRPr>
+    </a:lvl8pPr>
+    <a:lvl9pPr marL="3657600" algn="l" defTabSz="914400" rtl="0" eaLnBrk="1" latinLnBrk="0" hangingPunct="1">
+      <a:defRPr sz="1800" kern="1200">
+        <a:solidFill>
+          <a:schemeClr val="tx1"/>
+        </a:solidFill>
+        <a:latin typeface="+mn-lt"/>
+        <a:ea typeface="+mn-ea"/>
+        <a:cs typeface="+mn-cs"/>
+      </a:defRPr>
+    </a:lvl9pPr>
+  </p:defaultTextStyle>
 </p:presentation>
 </file>
 
+<file path=ppt/notesMasters/notesMaster1.xml><?xml version="1.0" encoding="utf-8"?>
+<p:notesMaster xmlns:a="http://schemas.openxmlformats.org/drawingml/2006/main" xmlns:r="http://schemas.openxmlformats.org/officeDocument/2006/relationships" xmlns:p="http://schemas.openxmlformats.org/presentationml/2006/main">
+  <p:cSld>
+    <p:bg>
+      <p:bgRef idx="1001">
+        <a:schemeClr val="bg1"/>
+      </p:bgRef>
+    </p:bg>
+    <p:spTree>
+      <p:nvGrpSpPr>
+        <p:cNvPr id="1" name=""/>
+        <p:cNvGrpSpPr/>
+        <p:nvPr/>
+      </p:nvGrpSpPr>
+      <p:grpSpPr>
+        <a:xfrm>
+          <a:off x="0" y="0"/>
+          <a:ext cx="0" cy="0"/>
+          <a:chOff x="0" y="0"/>
+          <a:chExt cx="0" cy="0"/>
+        </a:xfrm>
+      </p:grpSpPr>
+      <p:sp>
+        <p:nvSpPr>
+          <p:cNvPr id="2" name="Marcador de encabezado 1"/>
+          <p:cNvSpPr>
+            <a:spLocks noGrp="1"/>
+          </p:cNvSpPr>
+          <p:nvPr>
+            <p:ph type="hdr" sz="quarter"/>
+          </p:nvPr>
+        </p:nvSpPr>
+        <p:spPr>
+          <a:xfrm>
+            <a:off x="0" y="0"/>
+            <a:ext cx="3276600" cy="536575"/>
+          </a:xfrm>
+          <a:prstGeom prst="rect">
+            <a:avLst/>
+          </a:prstGeom>
+        </p:spPr>
+        <p:txBody>
+          <a:bodyPr vert="horz" lIns="91440" tIns="45720" rIns="91440" bIns="45720" rtlCol="0"/>
+          <a:lstStyle>
+            <a:lvl1pPr algn="l">
+              <a:defRPr sz="1200"/>
+            </a:lvl1pPr>
+          </a:lstStyle>
+          <a:p>
+            <a:endParaRPr lang="en-US"/>
+          </a:p>
+        </p:txBody>
+      </p:sp>
+      <p:sp>
+        <p:nvSpPr>
+          <p:cNvPr id="3" name="Marcador de fecha 2"/>
+          <p:cNvSpPr>
+            <a:spLocks noGrp="1"/>
+          </p:cNvSpPr>
+          <p:nvPr>
+            <p:ph type="dt" idx="1"/>
+          </p:nvPr>
+        </p:nvSpPr>
+        <p:spPr>
+          <a:xfrm>
+            <a:off x="4281488" y="0"/>
+            <a:ext cx="3276600" cy="536575"/>
+          </a:xfrm>
+          <a:prstGeom prst="rect">
+            <a:avLst/>
+          </a:prstGeom>
+        </p:spPr>
+        <p:txBody>
+          <a:bodyPr vert="horz" lIns="91440" tIns="45720" rIns="91440" bIns="45720" rtlCol="0"/>
+          <a:lstStyle>
+            <a:lvl1pPr algn="r">
+              <a:defRPr sz="1200"/>
+            </a:lvl1pPr>
+          </a:lstStyle>
+          <a:p>
+            <a:fld id="{3E2751F8-5C42-4AD4-91D4-5BC2A96F14B3}" type="datetimeFigureOut">
+              <a:rPr lang="en-US" smtClean="0"/>
+              <a:t>2018-03-17</a:t>
+            </a:fld>
+            <a:endParaRPr lang="en-US"/>
+          </a:p>
+        </p:txBody>
+      </p:sp>
+      <p:sp>
+        <p:nvSpPr>
+          <p:cNvPr id="4" name="Marcador de imagen de diapositiva 3"/>
+          <p:cNvSpPr>
+            <a:spLocks noGrp="1" noRot="1" noChangeAspect="1"/>
+          </p:cNvSpPr>
+          <p:nvPr>
+            <p:ph type="sldImg" idx="2"/>
+          </p:nvPr>
+        </p:nvSpPr>
+        <p:spPr>
+          <a:xfrm>
+            <a:off x="573088" y="1336675"/>
+            <a:ext cx="6413500" cy="3608388"/>
+          </a:xfrm>
+          <a:prstGeom prst="rect">
+            <a:avLst/>
+          </a:prstGeom>
+          <a:noFill/>
+          <a:ln w="12700">
+            <a:solidFill>
+              <a:prstClr val="black"/>
+            </a:solidFill>
+          </a:ln>
+        </p:spPr>
+        <p:txBody>
+          <a:bodyPr vert="horz" lIns="91440" tIns="45720" rIns="91440" bIns="45720" rtlCol="0" anchor="ctr"/>
+          <a:lstStyle/>
+          <a:p>
+            <a:endParaRPr lang="en-US"/>
+          </a:p>
+        </p:txBody>
+      </p:sp>
+      <p:sp>
+        <p:nvSpPr>
+          <p:cNvPr id="5" name="Marcador de notas 4"/>
+          <p:cNvSpPr>
+            <a:spLocks noGrp="1"/>
+          </p:cNvSpPr>
+          <p:nvPr>
+            <p:ph type="body" sz="quarter" idx="3"/>
+          </p:nvPr>
+        </p:nvSpPr>
+        <p:spPr>
+          <a:xfrm>
+            <a:off x="755650" y="5145088"/>
+            <a:ext cx="6048375" cy="4210050"/>
+          </a:xfrm>
+          <a:prstGeom prst="rect">
+            <a:avLst/>
+          </a:prstGeom>
+        </p:spPr>
+        <p:txBody>
+          <a:bodyPr vert="horz" lIns="91440" tIns="45720" rIns="91440" bIns="45720" rtlCol="0"/>
+          <a:lstStyle/>
+          <a:p>
+            <a:pPr lvl="0"/>
+            <a:r>
+              <a:rPr lang="es-ES" smtClean="0"/>
+              <a:t>Editar el estilo de texto del patrón</a:t>
+            </a:r>
+          </a:p>
+          <a:p>
+            <a:pPr lvl="1"/>
+            <a:r>
+              <a:rPr lang="es-ES" smtClean="0"/>
+              <a:t>Segundo nivel</a:t>
+            </a:r>
+          </a:p>
+          <a:p>
+            <a:pPr lvl="2"/>
+            <a:r>
+              <a:rPr lang="es-ES" smtClean="0"/>
+              <a:t>Tercer nivel</a:t>
+            </a:r>
+          </a:p>
+          <a:p>
+            <a:pPr lvl="3"/>
+            <a:r>
+              <a:rPr lang="es-ES" smtClean="0"/>
+              <a:t>Cuarto nivel</a:t>
+            </a:r>
+          </a:p>
+          <a:p>
+            <a:pPr lvl="4"/>
+            <a:r>
+              <a:rPr lang="es-ES" smtClean="0"/>
+              <a:t>Quinto nivel</a:t>
+            </a:r>
+            <a:endParaRPr lang="en-US"/>
+          </a:p>
+        </p:txBody>
+      </p:sp>
+      <p:sp>
+        <p:nvSpPr>
+          <p:cNvPr id="6" name="Marcador de pie de página 5"/>
+          <p:cNvSpPr>
+            <a:spLocks noGrp="1"/>
+          </p:cNvSpPr>
+          <p:nvPr>
+            <p:ph type="ftr" sz="quarter" idx="4"/>
+          </p:nvPr>
+        </p:nvSpPr>
+        <p:spPr>
+          <a:xfrm>
+            <a:off x="0" y="10155238"/>
+            <a:ext cx="3276600" cy="536575"/>
+          </a:xfrm>
+          <a:prstGeom prst="rect">
+            <a:avLst/>
+          </a:prstGeom>
+        </p:spPr>
+        <p:txBody>
+          <a:bodyPr vert="horz" lIns="91440" tIns="45720" rIns="91440" bIns="45720" rtlCol="0" anchor="b"/>
+          <a:lstStyle>
+            <a:lvl1pPr algn="l">
+              <a:defRPr sz="1200"/>
+            </a:lvl1pPr>
+          </a:lstStyle>
+          <a:p>
+            <a:endParaRPr lang="en-US"/>
+          </a:p>
+        </p:txBody>
+      </p:sp>
+      <p:sp>
+        <p:nvSpPr>
+          <p:cNvPr id="7" name="Marcador de número de diapositiva 6"/>
+          <p:cNvSpPr>
+            <a:spLocks noGrp="1"/>
+          </p:cNvSpPr>
+          <p:nvPr>
+            <p:ph type="sldNum" sz="quarter" idx="5"/>
+          </p:nvPr>
+        </p:nvSpPr>
+        <p:spPr>
+          <a:xfrm>
+            <a:off x="4281488" y="10155238"/>
+            <a:ext cx="3276600" cy="536575"/>
+          </a:xfrm>
+          <a:prstGeom prst="rect">
+            <a:avLst/>
+          </a:prstGeom>
+        </p:spPr>
+        <p:txBody>
+          <a:bodyPr vert="horz" lIns="91440" tIns="45720" rIns="91440" bIns="45720" rtlCol="0" anchor="b"/>
+          <a:lstStyle>
+            <a:lvl1pPr algn="r">
+              <a:defRPr sz="1200"/>
+            </a:lvl1pPr>
+          </a:lstStyle>
+          <a:p>
+            <a:fld id="{8ECEBC57-8460-4A8B-8469-7A97EF24882B}" type="slidenum">
+              <a:rPr lang="en-US" smtClean="0"/>
+              <a:t>‹Nº›</a:t>
+            </a:fld>
+            <a:endParaRPr lang="en-US"/>
+          </a:p>
+        </p:txBody>
+      </p:sp>
+    </p:spTree>
+    <p:extLst>
+      <p:ext uri="{BB962C8B-B14F-4D97-AF65-F5344CB8AC3E}">
+        <p14:creationId xmlns:p14="http://schemas.microsoft.com/office/powerpoint/2010/main" val="3022413858"/>
+      </p:ext>
+    </p:extLst>
+  </p:cSld>
+  <p:clrMap bg1="lt1" tx1="dk1" bg2="lt2" tx2="dk2" accent1="accent1" accent2="accent2" accent3="accent3" accent4="accent4" accent5="accent5" accent6="accent6" hlink="hlink" folHlink="folHlink"/>
+  <p:notesStyle>
+    <a:lvl1pPr marL="0" algn="l" defTabSz="914400" rtl="0" eaLnBrk="1" latinLnBrk="0" hangingPunct="1">
+      <a:defRPr sz="1200" kern="1200">
+        <a:solidFill>
+          <a:schemeClr val="tx1"/>
+        </a:solidFill>
+        <a:latin typeface="+mn-lt"/>
+        <a:ea typeface="+mn-ea"/>
+        <a:cs typeface="+mn-cs"/>
+      </a:defRPr>
+    </a:lvl1pPr>
+    <a:lvl2pPr marL="457200" algn="l" defTabSz="914400" rtl="0" eaLnBrk="1" latinLnBrk="0" hangingPunct="1">
+      <a:defRPr sz="1200" kern="1200">
+        <a:solidFill>
+          <a:schemeClr val="tx1"/>
+        </a:solidFill>
+        <a:latin typeface="+mn-lt"/>
+        <a:ea typeface="+mn-ea"/>
+        <a:cs typeface="+mn-cs"/>
+      </a:defRPr>
+    </a:lvl2pPr>
+    <a:lvl3pPr marL="914400" algn="l" defTabSz="914400" rtl="0" eaLnBrk="1" latinLnBrk="0" hangingPunct="1">
+      <a:defRPr sz="1200" kern="1200">
+        <a:solidFill>
+          <a:schemeClr val="tx1"/>
+        </a:solidFill>
+        <a:latin typeface="+mn-lt"/>
+        <a:ea typeface="+mn-ea"/>
+        <a:cs typeface="+mn-cs"/>
+      </a:defRPr>
+    </a:lvl3pPr>
+    <a:lvl4pPr marL="1371600" algn="l" defTabSz="914400" rtl="0" eaLnBrk="1" latinLnBrk="0" hangingPunct="1">
+      <a:defRPr sz="1200" kern="1200">
+        <a:solidFill>
+          <a:schemeClr val="tx1"/>
+        </a:solidFill>
+        <a:latin typeface="+mn-lt"/>
+        <a:ea typeface="+mn-ea"/>
+        <a:cs typeface="+mn-cs"/>
+      </a:defRPr>
+    </a:lvl4pPr>
+    <a:lvl5pPr marL="1828800" algn="l" defTabSz="914400" rtl="0" eaLnBrk="1" latinLnBrk="0" hangingPunct="1">
+      <a:defRPr sz="1200" kern="1200">
+        <a:solidFill>
+          <a:schemeClr val="tx1"/>
+        </a:solidFill>
+        <a:latin typeface="+mn-lt"/>
+        <a:ea typeface="+mn-ea"/>
+        <a:cs typeface="+mn-cs"/>
+      </a:defRPr>
+    </a:lvl5pPr>
+    <a:lvl6pPr marL="2286000" algn="l" defTabSz="914400" rtl="0" eaLnBrk="1" latinLnBrk="0" hangingPunct="1">
+      <a:defRPr sz="1200" kern="1200">
+        <a:solidFill>
+          <a:schemeClr val="tx1"/>
+        </a:solidFill>
+        <a:latin typeface="+mn-lt"/>
+        <a:ea typeface="+mn-ea"/>
+        <a:cs typeface="+mn-cs"/>
+      </a:defRPr>
+    </a:lvl6pPr>
+    <a:lvl7pPr marL="2743200" algn="l" defTabSz="914400" rtl="0" eaLnBrk="1" latinLnBrk="0" hangingPunct="1">
+      <a:defRPr sz="1200" kern="1200">
+        <a:solidFill>
+          <a:schemeClr val="tx1"/>
+        </a:solidFill>
+        <a:latin typeface="+mn-lt"/>
+        <a:ea typeface="+mn-ea"/>
+        <a:cs typeface="+mn-cs"/>
+      </a:defRPr>
+    </a:lvl7pPr>
+    <a:lvl8pPr marL="3200400" algn="l" defTabSz="914400" rtl="0" eaLnBrk="1" latinLnBrk="0" hangingPunct="1">
+      <a:defRPr sz="1200" kern="1200">
+        <a:solidFill>
+          <a:schemeClr val="tx1"/>
+        </a:solidFill>
+        <a:latin typeface="+mn-lt"/>
+        <a:ea typeface="+mn-ea"/>
+        <a:cs typeface="+mn-cs"/>
+      </a:defRPr>
+    </a:lvl8pPr>
+    <a:lvl9pPr marL="3657600" algn="l" defTabSz="914400" rtl="0" eaLnBrk="1" latinLnBrk="0" hangingPunct="1">
+      <a:defRPr sz="1200" kern="1200">
+        <a:solidFill>
+          <a:schemeClr val="tx1"/>
+        </a:solidFill>
+        <a:latin typeface="+mn-lt"/>
+        <a:ea typeface="+mn-ea"/>
+        <a:cs typeface="+mn-cs"/>
+      </a:defRPr>
+    </a:lvl9pPr>
+  </p:notesStyle>
+</p:notesMaster>
+</file>
+
+<file path=ppt/notesSlides/notesSlide1.xml><?xml version="1.0" encoding="utf-8"?>
+<p:notes xmlns:a="http://schemas.openxmlformats.org/drawingml/2006/main" xmlns:r="http://schemas.openxmlformats.org/officeDocument/2006/relationships" xmlns:p="http://schemas.openxmlformats.org/presentationml/2006/main" showMasterSp="0" showMasterPhAnim="0">
+  <p:cSld>
+    <p:spTree>
+      <p:nvGrpSpPr>
+        <p:cNvPr id="1" name="Shape 60"/>
+        <p:cNvGrpSpPr/>
+        <p:nvPr/>
+      </p:nvGrpSpPr>
+      <p:grpSpPr>
+        <a:xfrm>
+          <a:off x="0" y="0"/>
+          <a:ext cx="0" cy="0"/>
+          <a:chOff x="0" y="0"/>
+          <a:chExt cx="0" cy="0"/>
+        </a:xfrm>
+      </p:grpSpPr>
+      <p:sp>
+        <p:nvSpPr>
+          <p:cNvPr id="61" name="Shape 61"/>
+          <p:cNvSpPr txBox="1">
+            <a:spLocks noGrp="1"/>
+          </p:cNvSpPr>
+          <p:nvPr>
+            <p:ph type="body" idx="1"/>
+          </p:nvPr>
+        </p:nvSpPr>
+        <p:spPr>
+          <a:xfrm>
+            <a:off x="755950" y="5078600"/>
+            <a:ext cx="6047725" cy="4811300"/>
+          </a:xfrm>
+          <a:prstGeom prst="rect">
+            <a:avLst/>
+          </a:prstGeom>
+          <a:noFill/>
+          <a:ln>
+            <a:noFill/>
+          </a:ln>
+        </p:spPr>
+        <p:txBody>
+          <a:bodyPr spcFirstLastPara="1" wrap="square" lIns="91425" tIns="91425" rIns="91425" bIns="91425" anchor="ctr" anchorCtr="0">
+            <a:noAutofit/>
+          </a:bodyPr>
+          <a:lstStyle/>
+          <a:p>
+            <a:pPr marL="0" lvl="0" indent="0">
+              <a:spcBef>
+                <a:spcPts val="0"/>
+              </a:spcBef>
+              <a:spcAft>
+                <a:spcPts val="0"/>
+              </a:spcAft>
+              <a:buNone/>
+            </a:pPr>
+            <a:endParaRPr/>
+          </a:p>
+        </p:txBody>
+      </p:sp>
+      <p:sp>
+        <p:nvSpPr>
+          <p:cNvPr id="62" name="Shape 62"/>
+          <p:cNvSpPr>
+            <a:spLocks noGrp="1" noRot="1" noChangeAspect="1"/>
+          </p:cNvSpPr>
+          <p:nvPr>
+            <p:ph type="sldImg" idx="2"/>
+          </p:nvPr>
+        </p:nvSpPr>
+        <p:spPr>
+          <a:xfrm>
+            <a:off x="217488" y="801688"/>
+            <a:ext cx="7126287" cy="4010025"/>
+          </a:xfrm>
+          <a:custGeom>
+            <a:avLst/>
+            <a:gdLst/>
+            <a:ahLst/>
+            <a:cxnLst/>
+            <a:rect l="0" t="0" r="0" b="0"/>
+            <a:pathLst>
+              <a:path w="120000" h="120000" extrusionOk="0">
+                <a:moveTo>
+                  <a:pt x="0" y="0"/>
+                </a:moveTo>
+                <a:lnTo>
+                  <a:pt x="120000" y="0"/>
+                </a:lnTo>
+                <a:lnTo>
+                  <a:pt x="120000" y="120000"/>
+                </a:lnTo>
+                <a:lnTo>
+                  <a:pt x="0" y="120000"/>
+                </a:lnTo>
+                <a:close/>
+              </a:path>
+            </a:pathLst>
+          </a:custGeom>
+        </p:spPr>
+      </p:sp>
+    </p:spTree>
+    <p:extLst>
+      <p:ext uri="{BB962C8B-B14F-4D97-AF65-F5344CB8AC3E}">
+        <p14:creationId xmlns:p14="http://schemas.microsoft.com/office/powerpoint/2010/main" val="4263440223"/>
+      </p:ext>
+    </p:extLst>
+  </p:cSld>
+  <p:clrMapOvr>
+    <a:masterClrMapping/>
+  </p:clrMapOvr>
+</p:notes>
+</file>
+
+<file path=ppt/notesSlides/notesSlide2.xml><?xml version="1.0" encoding="utf-8"?>
+<p:notes xmlns:a="http://schemas.openxmlformats.org/drawingml/2006/main" xmlns:r="http://schemas.openxmlformats.org/officeDocument/2006/relationships" xmlns:p="http://schemas.openxmlformats.org/presentationml/2006/main" showMasterSp="0" showMasterPhAnim="0">
+  <p:cSld>
+    <p:spTree>
+      <p:nvGrpSpPr>
+        <p:cNvPr id="1" name="Shape 66"/>
+        <p:cNvGrpSpPr/>
+        <p:nvPr/>
+      </p:nvGrpSpPr>
+      <p:grpSpPr>
+        <a:xfrm>
+          <a:off x="0" y="0"/>
+          <a:ext cx="0" cy="0"/>
+          <a:chOff x="0" y="0"/>
+          <a:chExt cx="0" cy="0"/>
+        </a:xfrm>
+      </p:grpSpPr>
+      <p:sp>
+        <p:nvSpPr>
+          <p:cNvPr id="67" name="Shape 67"/>
+          <p:cNvSpPr txBox="1">
+            <a:spLocks noGrp="1"/>
+          </p:cNvSpPr>
+          <p:nvPr>
+            <p:ph type="body" idx="1"/>
+          </p:nvPr>
+        </p:nvSpPr>
+        <p:spPr>
+          <a:xfrm>
+            <a:off x="755950" y="5078600"/>
+            <a:ext cx="6047725" cy="4811300"/>
+          </a:xfrm>
+          <a:prstGeom prst="rect">
+            <a:avLst/>
+          </a:prstGeom>
+          <a:noFill/>
+          <a:ln>
+            <a:noFill/>
+          </a:ln>
+        </p:spPr>
+        <p:txBody>
+          <a:bodyPr spcFirstLastPara="1" wrap="square" lIns="91425" tIns="91425" rIns="91425" bIns="91425" anchor="ctr" anchorCtr="0">
+            <a:noAutofit/>
+          </a:bodyPr>
+          <a:lstStyle/>
+          <a:p>
+            <a:pPr marL="0" lvl="0" indent="0">
+              <a:spcBef>
+                <a:spcPts val="0"/>
+              </a:spcBef>
+              <a:spcAft>
+                <a:spcPts val="0"/>
+              </a:spcAft>
+              <a:buNone/>
+            </a:pPr>
+            <a:endParaRPr/>
+          </a:p>
+        </p:txBody>
+      </p:sp>
+      <p:sp>
+        <p:nvSpPr>
+          <p:cNvPr id="68" name="Shape 68"/>
+          <p:cNvSpPr>
+            <a:spLocks noGrp="1" noRot="1" noChangeAspect="1"/>
+          </p:cNvSpPr>
+          <p:nvPr>
+            <p:ph type="sldImg" idx="2"/>
+          </p:nvPr>
+        </p:nvSpPr>
+        <p:spPr>
+          <a:xfrm>
+            <a:off x="217488" y="801688"/>
+            <a:ext cx="7126287" cy="4010025"/>
+          </a:xfrm>
+          <a:custGeom>
+            <a:avLst/>
+            <a:gdLst/>
+            <a:ahLst/>
+            <a:cxnLst/>
+            <a:rect l="0" t="0" r="0" b="0"/>
+            <a:pathLst>
+              <a:path w="120000" h="120000" extrusionOk="0">
+                <a:moveTo>
+                  <a:pt x="0" y="0"/>
+                </a:moveTo>
+                <a:lnTo>
+                  <a:pt x="120000" y="0"/>
+                </a:lnTo>
+                <a:lnTo>
+                  <a:pt x="120000" y="120000"/>
+                </a:lnTo>
+                <a:lnTo>
+                  <a:pt x="0" y="120000"/>
+                </a:lnTo>
+                <a:close/>
+              </a:path>
+            </a:pathLst>
+          </a:custGeom>
+        </p:spPr>
+      </p:sp>
+    </p:spTree>
+    <p:extLst>
+      <p:ext uri="{BB962C8B-B14F-4D97-AF65-F5344CB8AC3E}">
+        <p14:creationId xmlns:p14="http://schemas.microsoft.com/office/powerpoint/2010/main" val="1791669374"/>
+      </p:ext>
+    </p:extLst>
+  </p:cSld>
+  <p:clrMapOvr>
+    <a:masterClrMapping/>
+  </p:clrMapOvr>
+</p:notes>
+</file>
+
+<file path=ppt/notesSlides/notesSlide3.xml><?xml version="1.0" encoding="utf-8"?>
+<p:notes xmlns:a="http://schemas.openxmlformats.org/drawingml/2006/main" xmlns:r="http://schemas.openxmlformats.org/officeDocument/2006/relationships" xmlns:p="http://schemas.openxmlformats.org/presentationml/2006/main" showMasterSp="0" showMasterPhAnim="0">
+  <p:cSld>
+    <p:spTree>
+      <p:nvGrpSpPr>
+        <p:cNvPr id="1" name="Shape 72"/>
+        <p:cNvGrpSpPr/>
+        <p:nvPr/>
+      </p:nvGrpSpPr>
+      <p:grpSpPr>
+        <a:xfrm>
+          <a:off x="0" y="0"/>
+          <a:ext cx="0" cy="0"/>
+          <a:chOff x="0" y="0"/>
+          <a:chExt cx="0" cy="0"/>
+        </a:xfrm>
+      </p:grpSpPr>
+      <p:sp>
+        <p:nvSpPr>
+          <p:cNvPr id="73" name="Shape 73"/>
+          <p:cNvSpPr txBox="1">
+            <a:spLocks noGrp="1"/>
+          </p:cNvSpPr>
+          <p:nvPr>
+            <p:ph type="body" idx="1"/>
+          </p:nvPr>
+        </p:nvSpPr>
+        <p:spPr>
+          <a:xfrm>
+            <a:off x="755950" y="5078600"/>
+            <a:ext cx="6047700" cy="4811400"/>
+          </a:xfrm>
+          <a:prstGeom prst="rect">
+            <a:avLst/>
+          </a:prstGeom>
+          <a:noFill/>
+          <a:ln>
+            <a:noFill/>
+          </a:ln>
+        </p:spPr>
+        <p:txBody>
+          <a:bodyPr spcFirstLastPara="1" wrap="square" lIns="91425" tIns="91425" rIns="91425" bIns="91425" anchor="ctr" anchorCtr="0">
+            <a:noAutofit/>
+          </a:bodyPr>
+          <a:lstStyle/>
+          <a:p>
+            <a:pPr marL="0" lvl="0" indent="0" rtl="0">
+              <a:spcBef>
+                <a:spcPts val="0"/>
+              </a:spcBef>
+              <a:spcAft>
+                <a:spcPts val="0"/>
+              </a:spcAft>
+              <a:buNone/>
+            </a:pPr>
+            <a:endParaRPr/>
+          </a:p>
+        </p:txBody>
+      </p:sp>
+      <p:sp>
+        <p:nvSpPr>
+          <p:cNvPr id="74" name="Shape 74"/>
+          <p:cNvSpPr>
+            <a:spLocks noGrp="1" noRot="1" noChangeAspect="1"/>
+          </p:cNvSpPr>
+          <p:nvPr>
+            <p:ph type="sldImg" idx="2"/>
+          </p:nvPr>
+        </p:nvSpPr>
+        <p:spPr>
+          <a:xfrm>
+            <a:off x="217488" y="801688"/>
+            <a:ext cx="7126287" cy="4010025"/>
+          </a:xfrm>
+          <a:custGeom>
+            <a:avLst/>
+            <a:gdLst/>
+            <a:ahLst/>
+            <a:cxnLst/>
+            <a:rect l="0" t="0" r="0" b="0"/>
+            <a:pathLst>
+              <a:path w="120000" h="120000" extrusionOk="0">
+                <a:moveTo>
+                  <a:pt x="0" y="0"/>
+                </a:moveTo>
+                <a:lnTo>
+                  <a:pt x="120000" y="0"/>
+                </a:lnTo>
+                <a:lnTo>
+                  <a:pt x="120000" y="120000"/>
+                </a:lnTo>
+                <a:lnTo>
+                  <a:pt x="0" y="120000"/>
+                </a:lnTo>
+                <a:close/>
+              </a:path>
+            </a:pathLst>
+          </a:custGeom>
+        </p:spPr>
+      </p:sp>
+    </p:spTree>
+    <p:extLst>
+      <p:ext uri="{BB962C8B-B14F-4D97-AF65-F5344CB8AC3E}">
+        <p14:creationId xmlns:p14="http://schemas.microsoft.com/office/powerpoint/2010/main" val="2443883529"/>
+      </p:ext>
+    </p:extLst>
+  </p:cSld>
+  <p:clrMapOvr>
+    <a:masterClrMapping/>
+  </p:clrMapOvr>
+</p:notes>
+</file>
+
+<file path=ppt/notesSlides/notesSlide4.xml><?xml version="1.0" encoding="utf-8"?>
+<p:notes xmlns:a="http://schemas.openxmlformats.org/drawingml/2006/main" xmlns:r="http://schemas.openxmlformats.org/officeDocument/2006/relationships" xmlns:p="http://schemas.openxmlformats.org/presentationml/2006/main" showMasterSp="0" showMasterPhAnim="0">
+  <p:cSld>
+    <p:spTree>
+      <p:nvGrpSpPr>
+        <p:cNvPr id="1" name="Shape 78"/>
+        <p:cNvGrpSpPr/>
+        <p:nvPr/>
+      </p:nvGrpSpPr>
+      <p:grpSpPr>
+        <a:xfrm>
+          <a:off x="0" y="0"/>
+          <a:ext cx="0" cy="0"/>
+          <a:chOff x="0" y="0"/>
+          <a:chExt cx="0" cy="0"/>
+        </a:xfrm>
+      </p:grpSpPr>
+      <p:sp>
+        <p:nvSpPr>
+          <p:cNvPr id="79" name="Shape 79"/>
+          <p:cNvSpPr>
+            <a:spLocks noGrp="1" noRot="1" noChangeAspect="1"/>
+          </p:cNvSpPr>
+          <p:nvPr>
+            <p:ph type="sldImg" idx="2"/>
+          </p:nvPr>
+        </p:nvSpPr>
+        <p:spPr>
+          <a:xfrm>
+            <a:off x="217488" y="801688"/>
+            <a:ext cx="7126287" cy="4010025"/>
+          </a:xfrm>
+          <a:custGeom>
+            <a:avLst/>
+            <a:gdLst/>
+            <a:ahLst/>
+            <a:cxnLst/>
+            <a:rect l="0" t="0" r="0" b="0"/>
+            <a:pathLst>
+              <a:path w="120000" h="120000" extrusionOk="0">
+                <a:moveTo>
+                  <a:pt x="0" y="0"/>
+                </a:moveTo>
+                <a:lnTo>
+                  <a:pt x="120000" y="0"/>
+                </a:lnTo>
+                <a:lnTo>
+                  <a:pt x="120000" y="120000"/>
+                </a:lnTo>
+                <a:lnTo>
+                  <a:pt x="0" y="120000"/>
+                </a:lnTo>
+                <a:close/>
+              </a:path>
+            </a:pathLst>
+          </a:custGeom>
+        </p:spPr>
+      </p:sp>
+      <p:sp>
+        <p:nvSpPr>
+          <p:cNvPr id="80" name="Shape 80"/>
+          <p:cNvSpPr txBox="1">
+            <a:spLocks noGrp="1"/>
+          </p:cNvSpPr>
+          <p:nvPr>
+            <p:ph type="body" idx="1"/>
+          </p:nvPr>
+        </p:nvSpPr>
+        <p:spPr>
+          <a:xfrm>
+            <a:off x="755950" y="5078600"/>
+            <a:ext cx="6047700" cy="4811400"/>
+          </a:xfrm>
+          <a:prstGeom prst="rect">
+            <a:avLst/>
+          </a:prstGeom>
+        </p:spPr>
+        <p:txBody>
+          <a:bodyPr spcFirstLastPara="1" wrap="square" lIns="91425" tIns="91425" rIns="91425" bIns="91425" anchor="t" anchorCtr="0">
+            <a:noAutofit/>
+          </a:bodyPr>
+          <a:lstStyle/>
+          <a:p>
+            <a:pPr marL="0" lvl="0" indent="0">
+              <a:spcBef>
+                <a:spcPts val="0"/>
+              </a:spcBef>
+              <a:spcAft>
+                <a:spcPts val="0"/>
+              </a:spcAft>
+              <a:buNone/>
+            </a:pPr>
+            <a:endParaRPr/>
+          </a:p>
+        </p:txBody>
+      </p:sp>
+    </p:spTree>
+    <p:extLst>
+      <p:ext uri="{BB962C8B-B14F-4D97-AF65-F5344CB8AC3E}">
+        <p14:creationId xmlns:p14="http://schemas.microsoft.com/office/powerpoint/2010/main" val="1337196222"/>
+      </p:ext>
+    </p:extLst>
+  </p:cSld>
+  <p:clrMapOvr>
+    <a:masterClrMapping/>
+  </p:clrMapOvr>
+</p:notes>
+</file>
+
+<file path=ppt/notesSlides/notesSlide5.xml><?xml version="1.0" encoding="utf-8"?>
+<p:notes xmlns:a="http://schemas.openxmlformats.org/drawingml/2006/main" xmlns:r="http://schemas.openxmlformats.org/officeDocument/2006/relationships" xmlns:p="http://schemas.openxmlformats.org/presentationml/2006/main" showMasterSp="0" showMasterPhAnim="0">
+  <p:cSld>
+    <p:spTree>
+      <p:nvGrpSpPr>
+        <p:cNvPr id="1" name="Shape 84"/>
+        <p:cNvGrpSpPr/>
+        <p:nvPr/>
+      </p:nvGrpSpPr>
+      <p:grpSpPr>
+        <a:xfrm>
+          <a:off x="0" y="0"/>
+          <a:ext cx="0" cy="0"/>
+          <a:chOff x="0" y="0"/>
+          <a:chExt cx="0" cy="0"/>
+        </a:xfrm>
+      </p:grpSpPr>
+      <p:sp>
+        <p:nvSpPr>
+          <p:cNvPr id="85" name="Shape 85"/>
+          <p:cNvSpPr>
+            <a:spLocks noGrp="1" noRot="1" noChangeAspect="1"/>
+          </p:cNvSpPr>
+          <p:nvPr>
+            <p:ph type="sldImg" idx="2"/>
+          </p:nvPr>
+        </p:nvSpPr>
+        <p:spPr>
+          <a:xfrm>
+            <a:off x="217488" y="801688"/>
+            <a:ext cx="7126287" cy="4010025"/>
+          </a:xfrm>
+          <a:custGeom>
+            <a:avLst/>
+            <a:gdLst/>
+            <a:ahLst/>
+            <a:cxnLst/>
+            <a:rect l="0" t="0" r="0" b="0"/>
+            <a:pathLst>
+              <a:path w="120000" h="120000" extrusionOk="0">
+                <a:moveTo>
+                  <a:pt x="0" y="0"/>
+                </a:moveTo>
+                <a:lnTo>
+                  <a:pt x="120000" y="0"/>
+                </a:lnTo>
+                <a:lnTo>
+                  <a:pt x="120000" y="120000"/>
+                </a:lnTo>
+                <a:lnTo>
+                  <a:pt x="0" y="120000"/>
+                </a:lnTo>
+                <a:close/>
+              </a:path>
+            </a:pathLst>
+          </a:custGeom>
+        </p:spPr>
+      </p:sp>
+      <p:sp>
+        <p:nvSpPr>
+          <p:cNvPr id="86" name="Shape 86"/>
+          <p:cNvSpPr txBox="1">
+            <a:spLocks noGrp="1"/>
+          </p:cNvSpPr>
+          <p:nvPr>
+            <p:ph type="body" idx="1"/>
+          </p:nvPr>
+        </p:nvSpPr>
+        <p:spPr>
+          <a:xfrm>
+            <a:off x="755950" y="5078600"/>
+            <a:ext cx="6047700" cy="4811400"/>
+          </a:xfrm>
+          <a:prstGeom prst="rect">
+            <a:avLst/>
+          </a:prstGeom>
+        </p:spPr>
+        <p:txBody>
+          <a:bodyPr spcFirstLastPara="1" wrap="square" lIns="91425" tIns="91425" rIns="91425" bIns="91425" anchor="t" anchorCtr="0">
+            <a:noAutofit/>
+          </a:bodyPr>
+          <a:lstStyle/>
+          <a:p>
+            <a:pPr marL="0" lvl="0" indent="0">
+              <a:spcBef>
+                <a:spcPts val="0"/>
+              </a:spcBef>
+              <a:spcAft>
+                <a:spcPts val="0"/>
+              </a:spcAft>
+              <a:buNone/>
+            </a:pPr>
+            <a:endParaRPr/>
+          </a:p>
+        </p:txBody>
+      </p:sp>
+    </p:spTree>
+    <p:extLst>
+      <p:ext uri="{BB962C8B-B14F-4D97-AF65-F5344CB8AC3E}">
+        <p14:creationId xmlns:p14="http://schemas.microsoft.com/office/powerpoint/2010/main" val="2156928160"/>
+      </p:ext>
+    </p:extLst>
+  </p:cSld>
+  <p:clrMapOvr>
+    <a:masterClrMapping/>
+  </p:clrMapOvr>
+</p:notes>
+</file>
+
+<file path=ppt/notesSlides/notesSlide6.xml><?xml version="1.0" encoding="utf-8"?>
+<p:notes xmlns:a="http://schemas.openxmlformats.org/drawingml/2006/main" xmlns:r="http://schemas.openxmlformats.org/officeDocument/2006/relationships" xmlns:p="http://schemas.openxmlformats.org/presentationml/2006/main" showMasterSp="0" showMasterPhAnim="0">
+  <p:cSld>
+    <p:spTree>
+      <p:nvGrpSpPr>
+        <p:cNvPr id="1" name="Shape 90"/>
+        <p:cNvGrpSpPr/>
+        <p:nvPr/>
+      </p:nvGrpSpPr>
+      <p:grpSpPr>
+        <a:xfrm>
+          <a:off x="0" y="0"/>
+          <a:ext cx="0" cy="0"/>
+          <a:chOff x="0" y="0"/>
+          <a:chExt cx="0" cy="0"/>
+        </a:xfrm>
+      </p:grpSpPr>
+      <p:sp>
+        <p:nvSpPr>
+          <p:cNvPr id="91" name="Shape 91"/>
+          <p:cNvSpPr>
+            <a:spLocks noGrp="1" noRot="1" noChangeAspect="1"/>
+          </p:cNvSpPr>
+          <p:nvPr>
+            <p:ph type="sldImg" idx="2"/>
+          </p:nvPr>
+        </p:nvSpPr>
+        <p:spPr>
+          <a:xfrm>
+            <a:off x="217488" y="801688"/>
+            <a:ext cx="7126287" cy="4010025"/>
+          </a:xfrm>
+          <a:custGeom>
+            <a:avLst/>
+            <a:gdLst/>
+            <a:ahLst/>
+            <a:cxnLst/>
+            <a:rect l="0" t="0" r="0" b="0"/>
+            <a:pathLst>
+              <a:path w="120000" h="120000" extrusionOk="0">
+                <a:moveTo>
+                  <a:pt x="0" y="0"/>
+                </a:moveTo>
+                <a:lnTo>
+                  <a:pt x="120000" y="0"/>
+                </a:lnTo>
+                <a:lnTo>
+                  <a:pt x="120000" y="120000"/>
+                </a:lnTo>
+                <a:lnTo>
+                  <a:pt x="0" y="120000"/>
+                </a:lnTo>
+                <a:close/>
+              </a:path>
+            </a:pathLst>
+          </a:custGeom>
+        </p:spPr>
+      </p:sp>
+      <p:sp>
+        <p:nvSpPr>
+          <p:cNvPr id="92" name="Shape 92"/>
+          <p:cNvSpPr txBox="1">
+            <a:spLocks noGrp="1"/>
+          </p:cNvSpPr>
+          <p:nvPr>
+            <p:ph type="body" idx="1"/>
+          </p:nvPr>
+        </p:nvSpPr>
+        <p:spPr>
+          <a:xfrm>
+            <a:off x="755950" y="5078600"/>
+            <a:ext cx="6047700" cy="4811400"/>
+          </a:xfrm>
+          <a:prstGeom prst="rect">
+            <a:avLst/>
+          </a:prstGeom>
+        </p:spPr>
+        <p:txBody>
+          <a:bodyPr spcFirstLastPara="1" wrap="square" lIns="91425" tIns="91425" rIns="91425" bIns="91425" anchor="t" anchorCtr="0">
+            <a:noAutofit/>
+          </a:bodyPr>
+          <a:lstStyle/>
+          <a:p>
+            <a:pPr marL="0" lvl="0" indent="0">
+              <a:spcBef>
+                <a:spcPts val="0"/>
+              </a:spcBef>
+              <a:spcAft>
+                <a:spcPts val="0"/>
+              </a:spcAft>
+              <a:buNone/>
+            </a:pPr>
+            <a:endParaRPr/>
+          </a:p>
+        </p:txBody>
+      </p:sp>
+    </p:spTree>
+    <p:extLst>
+      <p:ext uri="{BB962C8B-B14F-4D97-AF65-F5344CB8AC3E}">
+        <p14:creationId xmlns:p14="http://schemas.microsoft.com/office/powerpoint/2010/main" val="3602421673"/>
+      </p:ext>
+    </p:extLst>
+  </p:cSld>
+  <p:clrMapOvr>
+    <a:masterClrMapping/>
+  </p:clrMapOvr>
+</p:notes>
+</file>
+
 <file path=ppt/slideLayouts/slideLayout1.xml><?xml version="1.0" encoding="utf-8"?>
-<p:sldLayout xmlns:a="http://schemas.openxmlformats.org/drawingml/2006/main" xmlns:p="http://schemas.openxmlformats.org/presentationml/2006/main" xmlns:r="http://schemas.openxmlformats.org/officeDocument/2006/relationships" xmlns:p14="http://schemas.microsoft.com/office/powerpoint/2010/main" xmlns:p15="http://schemas.microsoft.com/office/powerpoint/2012/main" xmlns:mc="http://schemas.openxmlformats.org/markup-compatibility/2006" type="blank" preserve="1">
+<p:sldLayout xmlns:a="http://schemas.openxmlformats.org/drawingml/2006/main" xmlns:r="http://schemas.openxmlformats.org/officeDocument/2006/relationships" xmlns:p="http://schemas.openxmlformats.org/presentationml/2006/main" type="blank" preserve="1">
   <p:cSld name="Blank Slide">
     <p:spTree>
       <p:nvGrpSpPr>
@@ -32,11 +1150,14 @@
       </p:grpSpPr>
     </p:spTree>
   </p:cSld>
+  <p:clrMapOvr>
+    <a:masterClrMapping/>
+  </p:clrMapOvr>
 </p:sldLayout>
 </file>
 
 <file path=ppt/slideLayouts/slideLayout10.xml><?xml version="1.0" encoding="utf-8"?>
-<p:sldLayout xmlns:a="http://schemas.openxmlformats.org/drawingml/2006/main" xmlns:p="http://schemas.openxmlformats.org/presentationml/2006/main" xmlns:r="http://schemas.openxmlformats.org/officeDocument/2006/relationships" xmlns:p14="http://schemas.microsoft.com/office/powerpoint/2010/main" xmlns:p15="http://schemas.microsoft.com/office/powerpoint/2012/main" xmlns:mc="http://schemas.openxmlformats.org/markup-compatibility/2006" type="objOverTx" preserve="1">
+<p:sldLayout xmlns:a="http://schemas.openxmlformats.org/drawingml/2006/main" xmlns:r="http://schemas.openxmlformats.org/officeDocument/2006/relationships" xmlns:p="http://schemas.openxmlformats.org/presentationml/2006/main" type="objOverTx" preserve="1">
   <p:cSld name="Title, Content over Content">
     <p:spTree>
       <p:nvGrpSpPr>
@@ -72,11 +1193,12 @@
           </a:prstGeom>
         </p:spPr>
         <p:txBody>
-          <a:bodyPr lIns="0" rIns="0" tIns="0" bIns="0" anchor="ctr"/>
-          <a:p>
-            <a:endParaRPr b="0" lang="es-EC" sz="3570" spc="-1" strike="noStrike">
+          <a:bodyPr lIns="0" tIns="0" rIns="0" bIns="0" anchor="ctr"/>
+          <a:lstStyle/>
+          <a:p>
+            <a:endParaRPr lang="es-EC" sz="3570" b="0" strike="noStrike" spc="-1">
               <a:solidFill>
-                <a:srgbClr val="ffffff"/>
+                <a:srgbClr val="FFFFFF"/>
               </a:solidFill>
               <a:latin typeface="Arial"/>
             </a:endParaRPr>
@@ -103,11 +1225,12 @@
           </a:prstGeom>
         </p:spPr>
         <p:txBody>
-          <a:bodyPr lIns="0" rIns="0" tIns="0" bIns="0">
+          <a:bodyPr lIns="0" tIns="0" rIns="0" bIns="0">
             <a:normAutofit/>
           </a:bodyPr>
-          <a:p>
-            <a:endParaRPr b="0" lang="es-EC" sz="2600" spc="-1" strike="noStrike">
+          <a:lstStyle/>
+          <a:p>
+            <a:endParaRPr lang="es-EC" sz="2600" b="0" strike="noStrike" spc="-1">
               <a:latin typeface="Arial"/>
             </a:endParaRPr>
           </a:p>
@@ -133,11 +1256,12 @@
           </a:prstGeom>
         </p:spPr>
         <p:txBody>
-          <a:bodyPr lIns="0" rIns="0" tIns="0" bIns="0">
+          <a:bodyPr lIns="0" tIns="0" rIns="0" bIns="0">
             <a:normAutofit/>
           </a:bodyPr>
-          <a:p>
-            <a:endParaRPr b="0" lang="es-EC" sz="2600" spc="-1" strike="noStrike">
+          <a:lstStyle/>
+          <a:p>
+            <a:endParaRPr lang="es-EC" sz="2600" b="0" strike="noStrike" spc="-1">
               <a:latin typeface="Arial"/>
             </a:endParaRPr>
           </a:p>
@@ -145,11 +1269,14 @@
       </p:sp>
     </p:spTree>
   </p:cSld>
+  <p:clrMapOvr>
+    <a:masterClrMapping/>
+  </p:clrMapOvr>
 </p:sldLayout>
 </file>
 
 <file path=ppt/slideLayouts/slideLayout11.xml><?xml version="1.0" encoding="utf-8"?>
-<p:sldLayout xmlns:a="http://schemas.openxmlformats.org/drawingml/2006/main" xmlns:p="http://schemas.openxmlformats.org/presentationml/2006/main" xmlns:r="http://schemas.openxmlformats.org/officeDocument/2006/relationships" xmlns:p14="http://schemas.microsoft.com/office/powerpoint/2010/main" xmlns:p15="http://schemas.microsoft.com/office/powerpoint/2012/main" xmlns:mc="http://schemas.openxmlformats.org/markup-compatibility/2006" type="fourObj" preserve="1">
+<p:sldLayout xmlns:a="http://schemas.openxmlformats.org/drawingml/2006/main" xmlns:r="http://schemas.openxmlformats.org/officeDocument/2006/relationships" xmlns:p="http://schemas.openxmlformats.org/presentationml/2006/main" type="fourObj" preserve="1">
   <p:cSld name="Title, 4 Content">
     <p:spTree>
       <p:nvGrpSpPr>
@@ -185,11 +1312,12 @@
           </a:prstGeom>
         </p:spPr>
         <p:txBody>
-          <a:bodyPr lIns="0" rIns="0" tIns="0" bIns="0" anchor="ctr"/>
-          <a:p>
-            <a:endParaRPr b="0" lang="es-EC" sz="3570" spc="-1" strike="noStrike">
+          <a:bodyPr lIns="0" tIns="0" rIns="0" bIns="0" anchor="ctr"/>
+          <a:lstStyle/>
+          <a:p>
+            <a:endParaRPr lang="es-EC" sz="3570" b="0" strike="noStrike" spc="-1">
               <a:solidFill>
-                <a:srgbClr val="ffffff"/>
+                <a:srgbClr val="FFFFFF"/>
               </a:solidFill>
               <a:latin typeface="Arial"/>
             </a:endParaRPr>
@@ -216,11 +1344,12 @@
           </a:prstGeom>
         </p:spPr>
         <p:txBody>
-          <a:bodyPr lIns="0" rIns="0" tIns="0" bIns="0">
+          <a:bodyPr lIns="0" tIns="0" rIns="0" bIns="0">
             <a:normAutofit/>
           </a:bodyPr>
-          <a:p>
-            <a:endParaRPr b="0" lang="es-EC" sz="2600" spc="-1" strike="noStrike">
+          <a:lstStyle/>
+          <a:p>
+            <a:endParaRPr lang="es-EC" sz="2600" b="0" strike="noStrike" spc="-1">
               <a:latin typeface="Arial"/>
             </a:endParaRPr>
           </a:p>
@@ -246,11 +1375,12 @@
           </a:prstGeom>
         </p:spPr>
         <p:txBody>
-          <a:bodyPr lIns="0" rIns="0" tIns="0" bIns="0">
+          <a:bodyPr lIns="0" tIns="0" rIns="0" bIns="0">
             <a:normAutofit/>
           </a:bodyPr>
-          <a:p>
-            <a:endParaRPr b="0" lang="es-EC" sz="2600" spc="-1" strike="noStrike">
+          <a:lstStyle/>
+          <a:p>
+            <a:endParaRPr lang="es-EC" sz="2600" b="0" strike="noStrike" spc="-1">
               <a:latin typeface="Arial"/>
             </a:endParaRPr>
           </a:p>
@@ -276,11 +1406,12 @@
           </a:prstGeom>
         </p:spPr>
         <p:txBody>
-          <a:bodyPr lIns="0" rIns="0" tIns="0" bIns="0">
+          <a:bodyPr lIns="0" tIns="0" rIns="0" bIns="0">
             <a:normAutofit/>
           </a:bodyPr>
-          <a:p>
-            <a:endParaRPr b="0" lang="es-EC" sz="2600" spc="-1" strike="noStrike">
+          <a:lstStyle/>
+          <a:p>
+            <a:endParaRPr lang="es-EC" sz="2600" b="0" strike="noStrike" spc="-1">
               <a:latin typeface="Arial"/>
             </a:endParaRPr>
           </a:p>
@@ -306,11 +1437,12 @@
           </a:prstGeom>
         </p:spPr>
         <p:txBody>
-          <a:bodyPr lIns="0" rIns="0" tIns="0" bIns="0">
+          <a:bodyPr lIns="0" tIns="0" rIns="0" bIns="0">
             <a:normAutofit/>
           </a:bodyPr>
-          <a:p>
-            <a:endParaRPr b="0" lang="es-EC" sz="2600" spc="-1" strike="noStrike">
+          <a:lstStyle/>
+          <a:p>
+            <a:endParaRPr lang="es-EC" sz="2600" b="0" strike="noStrike" spc="-1">
               <a:latin typeface="Arial"/>
             </a:endParaRPr>
           </a:p>
@@ -318,11 +1450,14 @@
       </p:sp>
     </p:spTree>
   </p:cSld>
+  <p:clrMapOvr>
+    <a:masterClrMapping/>
+  </p:clrMapOvr>
 </p:sldLayout>
 </file>
 
 <file path=ppt/slideLayouts/slideLayout12.xml><?xml version="1.0" encoding="utf-8"?>
-<p:sldLayout xmlns:a="http://schemas.openxmlformats.org/drawingml/2006/main" xmlns:p="http://schemas.openxmlformats.org/presentationml/2006/main" xmlns:r="http://schemas.openxmlformats.org/officeDocument/2006/relationships" xmlns:p14="http://schemas.microsoft.com/office/powerpoint/2010/main" xmlns:p15="http://schemas.microsoft.com/office/powerpoint/2012/main" xmlns:mc="http://schemas.openxmlformats.org/markup-compatibility/2006" type="blank" preserve="1">
+<p:sldLayout xmlns:a="http://schemas.openxmlformats.org/drawingml/2006/main" xmlns:r="http://schemas.openxmlformats.org/officeDocument/2006/relationships" xmlns:p="http://schemas.openxmlformats.org/presentationml/2006/main" type="blank" preserve="1">
   <p:cSld name="Title, 6 Content">
     <p:spTree>
       <p:nvGrpSpPr>
@@ -358,11 +1493,12 @@
           </a:prstGeom>
         </p:spPr>
         <p:txBody>
-          <a:bodyPr lIns="0" rIns="0" tIns="0" bIns="0" anchor="ctr"/>
-          <a:p>
-            <a:endParaRPr b="0" lang="es-EC" sz="3570" spc="-1" strike="noStrike">
+          <a:bodyPr lIns="0" tIns="0" rIns="0" bIns="0" anchor="ctr"/>
+          <a:lstStyle/>
+          <a:p>
+            <a:endParaRPr lang="es-EC" sz="3570" b="0" strike="noStrike" spc="-1">
               <a:solidFill>
-                <a:srgbClr val="ffffff"/>
+                <a:srgbClr val="FFFFFF"/>
               </a:solidFill>
               <a:latin typeface="Arial"/>
             </a:endParaRPr>
@@ -389,11 +1525,12 @@
           </a:prstGeom>
         </p:spPr>
         <p:txBody>
-          <a:bodyPr lIns="0" rIns="0" tIns="0" bIns="0">
+          <a:bodyPr lIns="0" tIns="0" rIns="0" bIns="0">
             <a:normAutofit/>
           </a:bodyPr>
-          <a:p>
-            <a:endParaRPr b="0" lang="es-EC" sz="2600" spc="-1" strike="noStrike">
+          <a:lstStyle/>
+          <a:p>
+            <a:endParaRPr lang="es-EC" sz="2600" b="0" strike="noStrike" spc="-1">
               <a:latin typeface="Arial"/>
             </a:endParaRPr>
           </a:p>
@@ -419,11 +1556,12 @@
           </a:prstGeom>
         </p:spPr>
         <p:txBody>
-          <a:bodyPr lIns="0" rIns="0" tIns="0" bIns="0">
+          <a:bodyPr lIns="0" tIns="0" rIns="0" bIns="0">
             <a:normAutofit/>
           </a:bodyPr>
-          <a:p>
-            <a:endParaRPr b="0" lang="es-EC" sz="2600" spc="-1" strike="noStrike">
+          <a:lstStyle/>
+          <a:p>
+            <a:endParaRPr lang="es-EC" sz="2600" b="0" strike="noStrike" spc="-1">
               <a:latin typeface="Arial"/>
             </a:endParaRPr>
           </a:p>
@@ -449,11 +1587,12 @@
           </a:prstGeom>
         </p:spPr>
         <p:txBody>
-          <a:bodyPr lIns="0" rIns="0" tIns="0" bIns="0">
+          <a:bodyPr lIns="0" tIns="0" rIns="0" bIns="0">
             <a:normAutofit/>
           </a:bodyPr>
-          <a:p>
-            <a:endParaRPr b="0" lang="es-EC" sz="2600" spc="-1" strike="noStrike">
+          <a:lstStyle/>
+          <a:p>
+            <a:endParaRPr lang="es-EC" sz="2600" b="0" strike="noStrike" spc="-1">
               <a:latin typeface="Arial"/>
             </a:endParaRPr>
           </a:p>
@@ -479,11 +1618,12 @@
           </a:prstGeom>
         </p:spPr>
         <p:txBody>
-          <a:bodyPr lIns="0" rIns="0" tIns="0" bIns="0">
+          <a:bodyPr lIns="0" tIns="0" rIns="0" bIns="0">
             <a:normAutofit/>
           </a:bodyPr>
-          <a:p>
-            <a:endParaRPr b="0" lang="es-EC" sz="2600" spc="-1" strike="noStrike">
+          <a:lstStyle/>
+          <a:p>
+            <a:endParaRPr lang="es-EC" sz="2600" b="0" strike="noStrike" spc="-1">
               <a:latin typeface="Arial"/>
             </a:endParaRPr>
           </a:p>
@@ -509,11 +1649,12 @@
           </a:prstGeom>
         </p:spPr>
         <p:txBody>
-          <a:bodyPr lIns="0" rIns="0" tIns="0" bIns="0">
+          <a:bodyPr lIns="0" tIns="0" rIns="0" bIns="0">
             <a:normAutofit/>
           </a:bodyPr>
-          <a:p>
-            <a:endParaRPr b="0" lang="es-EC" sz="2600" spc="-1" strike="noStrike">
+          <a:lstStyle/>
+          <a:p>
+            <a:endParaRPr lang="es-EC" sz="2600" b="0" strike="noStrike" spc="-1">
               <a:latin typeface="Arial"/>
             </a:endParaRPr>
           </a:p>
@@ -539,11 +1680,12 @@
           </a:prstGeom>
         </p:spPr>
         <p:txBody>
-          <a:bodyPr lIns="0" rIns="0" tIns="0" bIns="0">
+          <a:bodyPr lIns="0" tIns="0" rIns="0" bIns="0">
             <a:normAutofit/>
           </a:bodyPr>
-          <a:p>
-            <a:endParaRPr b="0" lang="es-EC" sz="2600" spc="-1" strike="noStrike">
+          <a:lstStyle/>
+          <a:p>
+            <a:endParaRPr lang="es-EC" sz="2600" b="0" strike="noStrike" spc="-1">
               <a:latin typeface="Arial"/>
             </a:endParaRPr>
           </a:p>
@@ -551,11 +1693,14 @@
       </p:sp>
     </p:spTree>
   </p:cSld>
+  <p:clrMapOvr>
+    <a:masterClrMapping/>
+  </p:clrMapOvr>
 </p:sldLayout>
 </file>
 
 <file path=ppt/slideLayouts/slideLayout2.xml><?xml version="1.0" encoding="utf-8"?>
-<p:sldLayout xmlns:a="http://schemas.openxmlformats.org/drawingml/2006/main" xmlns:p="http://schemas.openxmlformats.org/presentationml/2006/main" xmlns:r="http://schemas.openxmlformats.org/officeDocument/2006/relationships" xmlns:p14="http://schemas.microsoft.com/office/powerpoint/2010/main" xmlns:p15="http://schemas.microsoft.com/office/powerpoint/2012/main" xmlns:mc="http://schemas.openxmlformats.org/markup-compatibility/2006" type="tx" preserve="1">
+<p:sldLayout xmlns:a="http://schemas.openxmlformats.org/drawingml/2006/main" xmlns:r="http://schemas.openxmlformats.org/officeDocument/2006/relationships" xmlns:p="http://schemas.openxmlformats.org/presentationml/2006/main" type="tx" preserve="1">
   <p:cSld name="Title Slide">
     <p:spTree>
       <p:nvGrpSpPr>
@@ -591,11 +1736,12 @@
           </a:prstGeom>
         </p:spPr>
         <p:txBody>
-          <a:bodyPr lIns="0" rIns="0" tIns="0" bIns="0" anchor="ctr"/>
-          <a:p>
-            <a:endParaRPr b="0" lang="es-EC" sz="3570" spc="-1" strike="noStrike">
+          <a:bodyPr lIns="0" tIns="0" rIns="0" bIns="0" anchor="ctr"/>
+          <a:lstStyle/>
+          <a:p>
+            <a:endParaRPr lang="es-EC" sz="3570" b="0" strike="noStrike" spc="-1">
               <a:solidFill>
-                <a:srgbClr val="ffffff"/>
+                <a:srgbClr val="FFFFFF"/>
               </a:solidFill>
               <a:latin typeface="Arial"/>
             </a:endParaRPr>
@@ -622,10 +1768,11 @@
           </a:prstGeom>
         </p:spPr>
         <p:txBody>
-          <a:bodyPr lIns="0" rIns="0" tIns="0" bIns="0" anchor="ctr"/>
+          <a:bodyPr lIns="0" tIns="0" rIns="0" bIns="0" anchor="ctr"/>
+          <a:lstStyle/>
           <a:p>
             <a:pPr algn="ctr"/>
-            <a:endParaRPr b="0" lang="es-EC" sz="3200" spc="-1" strike="noStrike">
+            <a:endParaRPr lang="es-EC" sz="3200" b="0" strike="noStrike" spc="-1">
               <a:latin typeface="Arial"/>
             </a:endParaRPr>
           </a:p>
@@ -633,11 +1780,14 @@
       </p:sp>
     </p:spTree>
   </p:cSld>
+  <p:clrMapOvr>
+    <a:masterClrMapping/>
+  </p:clrMapOvr>
 </p:sldLayout>
 </file>
 
 <file path=ppt/slideLayouts/slideLayout3.xml><?xml version="1.0" encoding="utf-8"?>
-<p:sldLayout xmlns:a="http://schemas.openxmlformats.org/drawingml/2006/main" xmlns:p="http://schemas.openxmlformats.org/presentationml/2006/main" xmlns:r="http://schemas.openxmlformats.org/officeDocument/2006/relationships" xmlns:p14="http://schemas.microsoft.com/office/powerpoint/2010/main" xmlns:p15="http://schemas.microsoft.com/office/powerpoint/2012/main" xmlns:mc="http://schemas.openxmlformats.org/markup-compatibility/2006" type="obj" preserve="1">
+<p:sldLayout xmlns:a="http://schemas.openxmlformats.org/drawingml/2006/main" xmlns:r="http://schemas.openxmlformats.org/officeDocument/2006/relationships" xmlns:p="http://schemas.openxmlformats.org/presentationml/2006/main" type="obj" preserve="1">
   <p:cSld name="Title, Content">
     <p:spTree>
       <p:nvGrpSpPr>
@@ -673,11 +1823,12 @@
           </a:prstGeom>
         </p:spPr>
         <p:txBody>
-          <a:bodyPr lIns="0" rIns="0" tIns="0" bIns="0" anchor="ctr"/>
-          <a:p>
-            <a:endParaRPr b="0" lang="es-EC" sz="3570" spc="-1" strike="noStrike">
+          <a:bodyPr lIns="0" tIns="0" rIns="0" bIns="0" anchor="ctr"/>
+          <a:lstStyle/>
+          <a:p>
+            <a:endParaRPr lang="es-EC" sz="3570" b="0" strike="noStrike" spc="-1">
               <a:solidFill>
-                <a:srgbClr val="ffffff"/>
+                <a:srgbClr val="FFFFFF"/>
               </a:solidFill>
               <a:latin typeface="Arial"/>
             </a:endParaRPr>
@@ -704,11 +1855,12 @@
           </a:prstGeom>
         </p:spPr>
         <p:txBody>
-          <a:bodyPr lIns="0" rIns="0" tIns="0" bIns="0">
+          <a:bodyPr lIns="0" tIns="0" rIns="0" bIns="0">
             <a:normAutofit/>
           </a:bodyPr>
-          <a:p>
-            <a:endParaRPr b="0" lang="es-EC" sz="2600" spc="-1" strike="noStrike">
+          <a:lstStyle/>
+          <a:p>
+            <a:endParaRPr lang="es-EC" sz="2600" b="0" strike="noStrike" spc="-1">
               <a:latin typeface="Arial"/>
             </a:endParaRPr>
           </a:p>
@@ -716,11 +1868,14 @@
       </p:sp>
     </p:spTree>
   </p:cSld>
+  <p:clrMapOvr>
+    <a:masterClrMapping/>
+  </p:clrMapOvr>
 </p:sldLayout>
 </file>
 
 <file path=ppt/slideLayouts/slideLayout4.xml><?xml version="1.0" encoding="utf-8"?>
-<p:sldLayout xmlns:a="http://schemas.openxmlformats.org/drawingml/2006/main" xmlns:p="http://schemas.openxmlformats.org/presentationml/2006/main" xmlns:r="http://schemas.openxmlformats.org/officeDocument/2006/relationships" xmlns:p14="http://schemas.microsoft.com/office/powerpoint/2010/main" xmlns:p15="http://schemas.microsoft.com/office/powerpoint/2012/main" xmlns:mc="http://schemas.openxmlformats.org/markup-compatibility/2006" type="twoObj" preserve="1">
+<p:sldLayout xmlns:a="http://schemas.openxmlformats.org/drawingml/2006/main" xmlns:r="http://schemas.openxmlformats.org/officeDocument/2006/relationships" xmlns:p="http://schemas.openxmlformats.org/presentationml/2006/main" type="twoObj" preserve="1">
   <p:cSld name="Title, 2 Content">
     <p:spTree>
       <p:nvGrpSpPr>
@@ -756,11 +1911,12 @@
           </a:prstGeom>
         </p:spPr>
         <p:txBody>
-          <a:bodyPr lIns="0" rIns="0" tIns="0" bIns="0" anchor="ctr"/>
-          <a:p>
-            <a:endParaRPr b="0" lang="es-EC" sz="3570" spc="-1" strike="noStrike">
+          <a:bodyPr lIns="0" tIns="0" rIns="0" bIns="0" anchor="ctr"/>
+          <a:lstStyle/>
+          <a:p>
+            <a:endParaRPr lang="es-EC" sz="3570" b="0" strike="noStrike" spc="-1">
               <a:solidFill>
-                <a:srgbClr val="ffffff"/>
+                <a:srgbClr val="FFFFFF"/>
               </a:solidFill>
               <a:latin typeface="Arial"/>
             </a:endParaRPr>
@@ -787,11 +1943,12 @@
           </a:prstGeom>
         </p:spPr>
         <p:txBody>
-          <a:bodyPr lIns="0" rIns="0" tIns="0" bIns="0">
+          <a:bodyPr lIns="0" tIns="0" rIns="0" bIns="0">
             <a:normAutofit/>
           </a:bodyPr>
-          <a:p>
-            <a:endParaRPr b="0" lang="es-EC" sz="2600" spc="-1" strike="noStrike">
+          <a:lstStyle/>
+          <a:p>
+            <a:endParaRPr lang="es-EC" sz="2600" b="0" strike="noStrike" spc="-1">
               <a:latin typeface="Arial"/>
             </a:endParaRPr>
           </a:p>
@@ -817,11 +1974,12 @@
           </a:prstGeom>
         </p:spPr>
         <p:txBody>
-          <a:bodyPr lIns="0" rIns="0" tIns="0" bIns="0">
+          <a:bodyPr lIns="0" tIns="0" rIns="0" bIns="0">
             <a:normAutofit/>
           </a:bodyPr>
-          <a:p>
-            <a:endParaRPr b="0" lang="es-EC" sz="2600" spc="-1" strike="noStrike">
+          <a:lstStyle/>
+          <a:p>
+            <a:endParaRPr lang="es-EC" sz="2600" b="0" strike="noStrike" spc="-1">
               <a:latin typeface="Arial"/>
             </a:endParaRPr>
           </a:p>
@@ -829,11 +1987,14 @@
       </p:sp>
     </p:spTree>
   </p:cSld>
+  <p:clrMapOvr>
+    <a:masterClrMapping/>
+  </p:clrMapOvr>
 </p:sldLayout>
 </file>
 
 <file path=ppt/slideLayouts/slideLayout5.xml><?xml version="1.0" encoding="utf-8"?>
-<p:sldLayout xmlns:a="http://schemas.openxmlformats.org/drawingml/2006/main" xmlns:p="http://schemas.openxmlformats.org/presentationml/2006/main" xmlns:r="http://schemas.openxmlformats.org/officeDocument/2006/relationships" xmlns:p14="http://schemas.microsoft.com/office/powerpoint/2010/main" xmlns:p15="http://schemas.microsoft.com/office/powerpoint/2012/main" xmlns:mc="http://schemas.openxmlformats.org/markup-compatibility/2006" type="titleOnly" preserve="1">
+<p:sldLayout xmlns:a="http://schemas.openxmlformats.org/drawingml/2006/main" xmlns:r="http://schemas.openxmlformats.org/officeDocument/2006/relationships" xmlns:p="http://schemas.openxmlformats.org/presentationml/2006/main" type="titleOnly" preserve="1">
   <p:cSld name="Title Only">
     <p:spTree>
       <p:nvGrpSpPr>
@@ -869,11 +2030,12 @@
           </a:prstGeom>
         </p:spPr>
         <p:txBody>
-          <a:bodyPr lIns="0" rIns="0" tIns="0" bIns="0" anchor="ctr"/>
-          <a:p>
-            <a:endParaRPr b="0" lang="es-EC" sz="3570" spc="-1" strike="noStrike">
+          <a:bodyPr lIns="0" tIns="0" rIns="0" bIns="0" anchor="ctr"/>
+          <a:lstStyle/>
+          <a:p>
+            <a:endParaRPr lang="es-EC" sz="3570" b="0" strike="noStrike" spc="-1">
               <a:solidFill>
-                <a:srgbClr val="ffffff"/>
+                <a:srgbClr val="FFFFFF"/>
               </a:solidFill>
               <a:latin typeface="Arial"/>
             </a:endParaRPr>
@@ -882,11 +2044,14 @@
       </p:sp>
     </p:spTree>
   </p:cSld>
+  <p:clrMapOvr>
+    <a:masterClrMapping/>
+  </p:clrMapOvr>
 </p:sldLayout>
 </file>
 
 <file path=ppt/slideLayouts/slideLayout6.xml><?xml version="1.0" encoding="utf-8"?>
-<p:sldLayout xmlns:a="http://schemas.openxmlformats.org/drawingml/2006/main" xmlns:p="http://schemas.openxmlformats.org/presentationml/2006/main" xmlns:r="http://schemas.openxmlformats.org/officeDocument/2006/relationships" xmlns:p14="http://schemas.microsoft.com/office/powerpoint/2010/main" xmlns:p15="http://schemas.microsoft.com/office/powerpoint/2012/main" xmlns:mc="http://schemas.openxmlformats.org/markup-compatibility/2006" type="objOnly" preserve="1">
+<p:sldLayout xmlns:a="http://schemas.openxmlformats.org/drawingml/2006/main" xmlns:r="http://schemas.openxmlformats.org/officeDocument/2006/relationships" xmlns:p="http://schemas.openxmlformats.org/presentationml/2006/main" type="objOnly" preserve="1">
   <p:cSld name="Centered Text">
     <p:spTree>
       <p:nvGrpSpPr>
@@ -922,10 +2087,11 @@
           </a:prstGeom>
         </p:spPr>
         <p:txBody>
-          <a:bodyPr lIns="0" rIns="0" tIns="0" bIns="0" anchor="ctr"/>
+          <a:bodyPr lIns="0" tIns="0" rIns="0" bIns="0" anchor="ctr"/>
+          <a:lstStyle/>
           <a:p>
             <a:pPr algn="ctr"/>
-            <a:endParaRPr b="0" lang="es-EC" sz="3200" spc="-1" strike="noStrike">
+            <a:endParaRPr lang="es-EC" sz="3200" b="0" strike="noStrike" spc="-1">
               <a:latin typeface="Arial"/>
             </a:endParaRPr>
           </a:p>
@@ -933,11 +2099,14 @@
       </p:sp>
     </p:spTree>
   </p:cSld>
+  <p:clrMapOvr>
+    <a:masterClrMapping/>
+  </p:clrMapOvr>
 </p:sldLayout>
 </file>
 
 <file path=ppt/slideLayouts/slideLayout7.xml><?xml version="1.0" encoding="utf-8"?>
-<p:sldLayout xmlns:a="http://schemas.openxmlformats.org/drawingml/2006/main" xmlns:p="http://schemas.openxmlformats.org/presentationml/2006/main" xmlns:r="http://schemas.openxmlformats.org/officeDocument/2006/relationships" xmlns:p14="http://schemas.microsoft.com/office/powerpoint/2010/main" xmlns:p15="http://schemas.microsoft.com/office/powerpoint/2012/main" xmlns:mc="http://schemas.openxmlformats.org/markup-compatibility/2006" type="twoObjAndObj" preserve="1">
+<p:sldLayout xmlns:a="http://schemas.openxmlformats.org/drawingml/2006/main" xmlns:r="http://schemas.openxmlformats.org/officeDocument/2006/relationships" xmlns:p="http://schemas.openxmlformats.org/presentationml/2006/main" type="twoObjAndObj" preserve="1">
   <p:cSld name="Title, 2 Content and Content">
     <p:spTree>
       <p:nvGrpSpPr>
@@ -973,11 +2142,12 @@
           </a:prstGeom>
         </p:spPr>
         <p:txBody>
-          <a:bodyPr lIns="0" rIns="0" tIns="0" bIns="0" anchor="ctr"/>
-          <a:p>
-            <a:endParaRPr b="0" lang="es-EC" sz="3570" spc="-1" strike="noStrike">
+          <a:bodyPr lIns="0" tIns="0" rIns="0" bIns="0" anchor="ctr"/>
+          <a:lstStyle/>
+          <a:p>
+            <a:endParaRPr lang="es-EC" sz="3570" b="0" strike="noStrike" spc="-1">
               <a:solidFill>
-                <a:srgbClr val="ffffff"/>
+                <a:srgbClr val="FFFFFF"/>
               </a:solidFill>
               <a:latin typeface="Arial"/>
             </a:endParaRPr>
@@ -1004,11 +2174,12 @@
           </a:prstGeom>
         </p:spPr>
         <p:txBody>
-          <a:bodyPr lIns="0" rIns="0" tIns="0" bIns="0">
+          <a:bodyPr lIns="0" tIns="0" rIns="0" bIns="0">
             <a:normAutofit/>
           </a:bodyPr>
-          <a:p>
-            <a:endParaRPr b="0" lang="es-EC" sz="2600" spc="-1" strike="noStrike">
+          <a:lstStyle/>
+          <a:p>
+            <a:endParaRPr lang="es-EC" sz="2600" b="0" strike="noStrike" spc="-1">
               <a:latin typeface="Arial"/>
             </a:endParaRPr>
           </a:p>
@@ -1034,11 +2205,12 @@
           </a:prstGeom>
         </p:spPr>
         <p:txBody>
-          <a:bodyPr lIns="0" rIns="0" tIns="0" bIns="0">
+          <a:bodyPr lIns="0" tIns="0" rIns="0" bIns="0">
             <a:normAutofit/>
           </a:bodyPr>
-          <a:p>
-            <a:endParaRPr b="0" lang="es-EC" sz="2600" spc="-1" strike="noStrike">
+          <a:lstStyle/>
+          <a:p>
+            <a:endParaRPr lang="es-EC" sz="2600" b="0" strike="noStrike" spc="-1">
               <a:latin typeface="Arial"/>
             </a:endParaRPr>
           </a:p>
@@ -1064,11 +2236,12 @@
           </a:prstGeom>
         </p:spPr>
         <p:txBody>
-          <a:bodyPr lIns="0" rIns="0" tIns="0" bIns="0">
+          <a:bodyPr lIns="0" tIns="0" rIns="0" bIns="0">
             <a:normAutofit/>
           </a:bodyPr>
-          <a:p>
-            <a:endParaRPr b="0" lang="es-EC" sz="2600" spc="-1" strike="noStrike">
+          <a:lstStyle/>
+          <a:p>
+            <a:endParaRPr lang="es-EC" sz="2600" b="0" strike="noStrike" spc="-1">
               <a:latin typeface="Arial"/>
             </a:endParaRPr>
           </a:p>
@@ -1076,11 +2249,14 @@
       </p:sp>
     </p:spTree>
   </p:cSld>
+  <p:clrMapOvr>
+    <a:masterClrMapping/>
+  </p:clrMapOvr>
 </p:sldLayout>
 </file>
 
 <file path=ppt/slideLayouts/slideLayout8.xml><?xml version="1.0" encoding="utf-8"?>
-<p:sldLayout xmlns:a="http://schemas.openxmlformats.org/drawingml/2006/main" xmlns:p="http://schemas.openxmlformats.org/presentationml/2006/main" xmlns:r="http://schemas.openxmlformats.org/officeDocument/2006/relationships" xmlns:p14="http://schemas.microsoft.com/office/powerpoint/2010/main" xmlns:p15="http://schemas.microsoft.com/office/powerpoint/2012/main" xmlns:mc="http://schemas.openxmlformats.org/markup-compatibility/2006" type="objAndTwoObj" preserve="1">
+<p:sldLayout xmlns:a="http://schemas.openxmlformats.org/drawingml/2006/main" xmlns:r="http://schemas.openxmlformats.org/officeDocument/2006/relationships" xmlns:p="http://schemas.openxmlformats.org/presentationml/2006/main" type="objAndTwoObj" preserve="1">
   <p:cSld name="Title Content and 2 Content">
     <p:spTree>
       <p:nvGrpSpPr>
@@ -1116,11 +2292,12 @@
           </a:prstGeom>
         </p:spPr>
         <p:txBody>
-          <a:bodyPr lIns="0" rIns="0" tIns="0" bIns="0" anchor="ctr"/>
-          <a:p>
-            <a:endParaRPr b="0" lang="es-EC" sz="3570" spc="-1" strike="noStrike">
+          <a:bodyPr lIns="0" tIns="0" rIns="0" bIns="0" anchor="ctr"/>
+          <a:lstStyle/>
+          <a:p>
+            <a:endParaRPr lang="es-EC" sz="3570" b="0" strike="noStrike" spc="-1">
               <a:solidFill>
-                <a:srgbClr val="ffffff"/>
+                <a:srgbClr val="FFFFFF"/>
               </a:solidFill>
               <a:latin typeface="Arial"/>
             </a:endParaRPr>
@@ -1147,11 +2324,12 @@
           </a:prstGeom>
         </p:spPr>
         <p:txBody>
-          <a:bodyPr lIns="0" rIns="0" tIns="0" bIns="0">
+          <a:bodyPr lIns="0" tIns="0" rIns="0" bIns="0">
             <a:normAutofit/>
           </a:bodyPr>
-          <a:p>
-            <a:endParaRPr b="0" lang="es-EC" sz="2600" spc="-1" strike="noStrike">
+          <a:lstStyle/>
+          <a:p>
+            <a:endParaRPr lang="es-EC" sz="2600" b="0" strike="noStrike" spc="-1">
               <a:latin typeface="Arial"/>
             </a:endParaRPr>
           </a:p>
@@ -1177,11 +2355,12 @@
           </a:prstGeom>
         </p:spPr>
         <p:txBody>
-          <a:bodyPr lIns="0" rIns="0" tIns="0" bIns="0">
+          <a:bodyPr lIns="0" tIns="0" rIns="0" bIns="0">
             <a:normAutofit/>
           </a:bodyPr>
-          <a:p>
-            <a:endParaRPr b="0" lang="es-EC" sz="2600" spc="-1" strike="noStrike">
+          <a:lstStyle/>
+          <a:p>
+            <a:endParaRPr lang="es-EC" sz="2600" b="0" strike="noStrike" spc="-1">
               <a:latin typeface="Arial"/>
             </a:endParaRPr>
           </a:p>
@@ -1207,11 +2386,12 @@
           </a:prstGeom>
         </p:spPr>
         <p:txBody>
-          <a:bodyPr lIns="0" rIns="0" tIns="0" bIns="0">
+          <a:bodyPr lIns="0" tIns="0" rIns="0" bIns="0">
             <a:normAutofit/>
           </a:bodyPr>
-          <a:p>
-            <a:endParaRPr b="0" lang="es-EC" sz="2600" spc="-1" strike="noStrike">
+          <a:lstStyle/>
+          <a:p>
+            <a:endParaRPr lang="es-EC" sz="2600" b="0" strike="noStrike" spc="-1">
               <a:latin typeface="Arial"/>
             </a:endParaRPr>
           </a:p>
@@ -1219,11 +2399,14 @@
       </p:sp>
     </p:spTree>
   </p:cSld>
+  <p:clrMapOvr>
+    <a:masterClrMapping/>
+  </p:clrMapOvr>
 </p:sldLayout>
 </file>
 
 <file path=ppt/slideLayouts/slideLayout9.xml><?xml version="1.0" encoding="utf-8"?>
-<p:sldLayout xmlns:a="http://schemas.openxmlformats.org/drawingml/2006/main" xmlns:p="http://schemas.openxmlformats.org/presentationml/2006/main" xmlns:r="http://schemas.openxmlformats.org/officeDocument/2006/relationships" xmlns:p14="http://schemas.microsoft.com/office/powerpoint/2010/main" xmlns:p15="http://schemas.microsoft.com/office/powerpoint/2012/main" xmlns:mc="http://schemas.openxmlformats.org/markup-compatibility/2006" type="twoObjOverTx" preserve="1">
+<p:sldLayout xmlns:a="http://schemas.openxmlformats.org/drawingml/2006/main" xmlns:r="http://schemas.openxmlformats.org/officeDocument/2006/relationships" xmlns:p="http://schemas.openxmlformats.org/presentationml/2006/main" type="twoObjOverTx" preserve="1">
   <p:cSld name="Title, 2 Content over Content">
     <p:spTree>
       <p:nvGrpSpPr>
@@ -1259,11 +2442,12 @@
           </a:prstGeom>
         </p:spPr>
         <p:txBody>
-          <a:bodyPr lIns="0" rIns="0" tIns="0" bIns="0" anchor="ctr"/>
-          <a:p>
-            <a:endParaRPr b="0" lang="es-EC" sz="3570" spc="-1" strike="noStrike">
+          <a:bodyPr lIns="0" tIns="0" rIns="0" bIns="0" anchor="ctr"/>
+          <a:lstStyle/>
+          <a:p>
+            <a:endParaRPr lang="es-EC" sz="3570" b="0" strike="noStrike" spc="-1">
               <a:solidFill>
-                <a:srgbClr val="ffffff"/>
+                <a:srgbClr val="FFFFFF"/>
               </a:solidFill>
               <a:latin typeface="Arial"/>
             </a:endParaRPr>
@@ -1290,11 +2474,12 @@
           </a:prstGeom>
         </p:spPr>
         <p:txBody>
-          <a:bodyPr lIns="0" rIns="0" tIns="0" bIns="0">
+          <a:bodyPr lIns="0" tIns="0" rIns="0" bIns="0">
             <a:normAutofit/>
           </a:bodyPr>
-          <a:p>
-            <a:endParaRPr b="0" lang="es-EC" sz="2600" spc="-1" strike="noStrike">
+          <a:lstStyle/>
+          <a:p>
+            <a:endParaRPr lang="es-EC" sz="2600" b="0" strike="noStrike" spc="-1">
               <a:latin typeface="Arial"/>
             </a:endParaRPr>
           </a:p>
@@ -1320,11 +2505,12 @@
           </a:prstGeom>
         </p:spPr>
         <p:txBody>
-          <a:bodyPr lIns="0" rIns="0" tIns="0" bIns="0">
+          <a:bodyPr lIns="0" tIns="0" rIns="0" bIns="0">
             <a:normAutofit/>
           </a:bodyPr>
-          <a:p>
-            <a:endParaRPr b="0" lang="es-EC" sz="2600" spc="-1" strike="noStrike">
+          <a:lstStyle/>
+          <a:p>
+            <a:endParaRPr lang="es-EC" sz="2600" b="0" strike="noStrike" spc="-1">
               <a:latin typeface="Arial"/>
             </a:endParaRPr>
           </a:p>
@@ -1350,11 +2536,12 @@
           </a:prstGeom>
         </p:spPr>
         <p:txBody>
-          <a:bodyPr lIns="0" rIns="0" tIns="0" bIns="0">
+          <a:bodyPr lIns="0" tIns="0" rIns="0" bIns="0">
             <a:normAutofit/>
           </a:bodyPr>
-          <a:p>
-            <a:endParaRPr b="0" lang="es-EC" sz="2600" spc="-1" strike="noStrike">
+          <a:lstStyle/>
+          <a:p>
+            <a:endParaRPr lang="es-EC" sz="2600" b="0" strike="noStrike" spc="-1">
               <a:latin typeface="Arial"/>
             </a:endParaRPr>
           </a:p>
@@ -1362,12 +2549,20 @@
       </p:sp>
     </p:spTree>
   </p:cSld>
+  <p:clrMapOvr>
+    <a:masterClrMapping/>
+  </p:clrMapOvr>
 </p:sldLayout>
 </file>
 
 <file path=ppt/slideMasters/slideMaster1.xml><?xml version="1.0" encoding="utf-8"?>
-<p:sldMaster xmlns:a="http://schemas.openxmlformats.org/drawingml/2006/main" xmlns:p="http://schemas.openxmlformats.org/presentationml/2006/main" xmlns:r="http://schemas.openxmlformats.org/officeDocument/2006/relationships" xmlns:p14="http://schemas.microsoft.com/office/powerpoint/2010/main" xmlns:p15="http://schemas.microsoft.com/office/powerpoint/2012/main" xmlns:mc="http://schemas.openxmlformats.org/markup-compatibility/2006">
+<p:sldMaster xmlns:a="http://schemas.openxmlformats.org/drawingml/2006/main" xmlns:r="http://schemas.openxmlformats.org/officeDocument/2006/relationships" xmlns:p="http://schemas.openxmlformats.org/presentationml/2006/main">
   <p:cSld>
+    <p:bg>
+      <p:bgRef idx="1001">
+        <a:schemeClr val="bg1"/>
+      </p:bgRef>
+    </p:bg>
     <p:spTree>
       <p:nvGrpSpPr>
         <p:cNvPr id="1" name=""/>
@@ -1384,12 +2579,12 @@
       </p:grpSpPr>
       <p:pic>
         <p:nvPicPr>
-          <p:cNvPr id="0" name="" descr=""/>
+          <p:cNvPr id="6" name="Imagen 5"/>
           <p:cNvPicPr/>
           <p:nvPr/>
         </p:nvPicPr>
         <p:blipFill>
-          <a:blip r:embed="rId2"/>
+          <a:blip r:embed="rId14"/>
           <a:stretch/>
         </p:blipFill>
         <p:spPr>
@@ -1407,7 +2602,7 @@
       </p:pic>
       <p:sp>
         <p:nvSpPr>
-          <p:cNvPr id="1" name="PlaceHolder 1"/>
+          <p:cNvPr id="7" name="PlaceHolder 1"/>
           <p:cNvSpPr>
             <a:spLocks noGrp="1"/>
           </p:cNvSpPr>
@@ -1425,23 +2620,18 @@
           </a:prstGeom>
         </p:spPr>
         <p:txBody>
-          <a:bodyPr lIns="0" rIns="0" tIns="0" bIns="0" anchor="ctr"/>
-          <a:p>
-            <a:r>
-              <a:rPr b="0" lang="es-EC" sz="3570" spc="-1" strike="noStrike">
-                <a:solidFill>
-                  <a:srgbClr val="ffffff"/>
+          <a:bodyPr lIns="0" tIns="0" rIns="0" bIns="0" anchor="ctr"/>
+          <a:lstStyle/>
+          <a:p>
+            <a:r>
+              <a:rPr lang="es-EC" sz="3570" b="0" strike="noStrike" spc="-1">
+                <a:solidFill>
+                  <a:srgbClr val="FFFFFF"/>
                 </a:solidFill>
                 <a:latin typeface="Arial"/>
               </a:rPr>
               <a:t>Pulse para editar el formato del texto de título</a:t>
             </a:r>
-            <a:endParaRPr b="0" lang="es-EC" sz="3570" spc="-1" strike="noStrike">
-              <a:solidFill>
-                <a:srgbClr val="ffffff"/>
-              </a:solidFill>
-              <a:latin typeface="Arial"/>
-            </a:endParaRPr>
           </a:p>
         </p:txBody>
       </p:sp>
@@ -1465,9 +2655,10 @@
           </a:prstGeom>
         </p:spPr>
         <p:txBody>
-          <a:bodyPr lIns="0" rIns="0" tIns="0" bIns="0">
+          <a:bodyPr lIns="0" tIns="0" rIns="0" bIns="0">
             <a:normAutofit/>
           </a:bodyPr>
+          <a:lstStyle/>
           <a:p>
             <a:pPr marL="432000" indent="-324000">
               <a:spcAft>
@@ -1481,17 +2672,14 @@
               <a:buChar char=""/>
             </a:pPr>
             <a:r>
-              <a:rPr b="0" lang="es-EC" sz="2600" spc="-1" strike="noStrike">
+              <a:rPr lang="es-EC" sz="2600" b="0" strike="noStrike" spc="-1">
                 <a:latin typeface="Arial"/>
               </a:rPr>
               <a:t>Pulse para editar el formato de esquema del texto</a:t>
             </a:r>
-            <a:endParaRPr b="0" lang="es-EC" sz="2600" spc="-1" strike="noStrike">
-              <a:latin typeface="Arial"/>
-            </a:endParaRPr>
-          </a:p>
-          <a:p>
-            <a:pPr lvl="1" marL="864000" indent="-324000">
+          </a:p>
+          <a:p>
+            <a:pPr marL="864000" lvl="1" indent="-324000">
               <a:spcAft>
                 <a:spcPts val="918"/>
               </a:spcAft>
@@ -1503,17 +2691,14 @@
               <a:buChar char=""/>
             </a:pPr>
             <a:r>
-              <a:rPr b="0" lang="es-EC" sz="2280" spc="-1" strike="noStrike">
+              <a:rPr lang="es-EC" sz="2280" b="0" strike="noStrike" spc="-1">
                 <a:latin typeface="Arial"/>
               </a:rPr>
               <a:t>Segundo nivel del esquema</a:t>
             </a:r>
-            <a:endParaRPr b="0" lang="es-EC" sz="2280" spc="-1" strike="noStrike">
-              <a:latin typeface="Arial"/>
-            </a:endParaRPr>
-          </a:p>
-          <a:p>
-            <a:pPr lvl="2" marL="1296000" indent="-288000">
+          </a:p>
+          <a:p>
+            <a:pPr marL="1296000" lvl="2" indent="-288000">
               <a:spcAft>
                 <a:spcPts val="689"/>
               </a:spcAft>
@@ -1525,17 +2710,14 @@
               <a:buChar char=""/>
             </a:pPr>
             <a:r>
-              <a:rPr b="0" lang="es-EC" sz="1950" spc="-1" strike="noStrike">
+              <a:rPr lang="es-EC" sz="1950" b="0" strike="noStrike" spc="-1">
                 <a:latin typeface="Arial"/>
               </a:rPr>
               <a:t>Tercer nivel del esquema</a:t>
             </a:r>
-            <a:endParaRPr b="0" lang="es-EC" sz="1950" spc="-1" strike="noStrike">
-              <a:latin typeface="Arial"/>
-            </a:endParaRPr>
-          </a:p>
-          <a:p>
-            <a:pPr lvl="3" marL="1728000" indent="-216000">
+          </a:p>
+          <a:p>
+            <a:pPr marL="1728000" lvl="3" indent="-216000">
               <a:spcAft>
                 <a:spcPts val="459"/>
               </a:spcAft>
@@ -1547,17 +2729,14 @@
               <a:buChar char=""/>
             </a:pPr>
             <a:r>
-              <a:rPr b="0" lang="es-EC" sz="1629" spc="-1" strike="noStrike">
+              <a:rPr lang="es-EC" sz="1629" b="0" strike="noStrike" spc="-1">
                 <a:latin typeface="Arial"/>
               </a:rPr>
               <a:t>Cuarto nivel del esquema</a:t>
             </a:r>
-            <a:endParaRPr b="0" lang="es-EC" sz="1629" spc="-1" strike="noStrike">
-              <a:latin typeface="Arial"/>
-            </a:endParaRPr>
-          </a:p>
-          <a:p>
-            <a:pPr lvl="4" marL="2160000" indent="-216000">
+          </a:p>
+          <a:p>
+            <a:pPr marL="2160000" lvl="4" indent="-216000">
               <a:spcAft>
                 <a:spcPts val="230"/>
               </a:spcAft>
@@ -1569,17 +2748,14 @@
               <a:buChar char=""/>
             </a:pPr>
             <a:r>
-              <a:rPr b="0" lang="es-EC" sz="1629" spc="-1" strike="noStrike">
+              <a:rPr lang="es-EC" sz="1629" b="0" strike="noStrike" spc="-1">
                 <a:latin typeface="Arial"/>
               </a:rPr>
               <a:t>Quinto nivel del esquema</a:t>
             </a:r>
-            <a:endParaRPr b="0" lang="es-EC" sz="1629" spc="-1" strike="noStrike">
-              <a:latin typeface="Arial"/>
-            </a:endParaRPr>
-          </a:p>
-          <a:p>
-            <a:pPr lvl="5" marL="2592000" indent="-216000">
+          </a:p>
+          <a:p>
+            <a:pPr marL="2592000" lvl="5" indent="-216000">
               <a:spcAft>
                 <a:spcPts val="230"/>
               </a:spcAft>
@@ -1591,17 +2767,14 @@
               <a:buChar char=""/>
             </a:pPr>
             <a:r>
-              <a:rPr b="0" lang="es-EC" sz="1629" spc="-1" strike="noStrike">
+              <a:rPr lang="es-EC" sz="1629" b="0" strike="noStrike" spc="-1">
                 <a:latin typeface="Arial"/>
               </a:rPr>
               <a:t>Sexto nivel del esquema</a:t>
             </a:r>
-            <a:endParaRPr b="0" lang="es-EC" sz="1629" spc="-1" strike="noStrike">
-              <a:latin typeface="Arial"/>
-            </a:endParaRPr>
-          </a:p>
-          <a:p>
-            <a:pPr lvl="6" marL="3024000" indent="-216000">
+          </a:p>
+          <a:p>
+            <a:pPr marL="3024000" lvl="6" indent="-216000">
               <a:spcAft>
                 <a:spcPts val="230"/>
               </a:spcAft>
@@ -1613,14 +2786,11 @@
               <a:buChar char=""/>
             </a:pPr>
             <a:r>
-              <a:rPr b="0" lang="es-EC" sz="1629" spc="-1" strike="noStrike">
+              <a:rPr lang="es-EC" sz="1629" b="0" strike="noStrike" spc="-1">
                 <a:latin typeface="Arial"/>
               </a:rPr>
               <a:t>Séptimo nivel del esquema</a:t>
             </a:r>
-            <a:endParaRPr b="0" lang="es-EC" sz="1629" spc="-1" strike="noStrike">
-              <a:latin typeface="Arial"/>
-            </a:endParaRPr>
           </a:p>
         </p:txBody>
       </p:sp>
@@ -1644,17 +2814,15 @@
           </a:prstGeom>
         </p:spPr>
         <p:txBody>
-          <a:bodyPr lIns="0" rIns="0" tIns="0" bIns="0"/>
-          <a:p>
-            <a:r>
-              <a:rPr b="0" lang="es-EC" sz="1400" spc="-1" strike="noStrike">
+          <a:bodyPr lIns="0" tIns="0" rIns="0" bIns="0"/>
+          <a:lstStyle/>
+          <a:p>
+            <a:r>
+              <a:rPr lang="es-EC" sz="1400" b="0" strike="noStrike" spc="-1">
                 <a:latin typeface="Arial"/>
               </a:rPr>
               <a:t> </a:t>
             </a:r>
-            <a:endParaRPr b="0" lang="es-EC" sz="1400" spc="-1" strike="noStrike">
-              <a:latin typeface="Arial"/>
-            </a:endParaRPr>
           </a:p>
         </p:txBody>
       </p:sp>
@@ -1678,18 +2846,16 @@
           </a:prstGeom>
         </p:spPr>
         <p:txBody>
-          <a:bodyPr lIns="0" rIns="0" tIns="0" bIns="0"/>
+          <a:bodyPr lIns="0" tIns="0" rIns="0" bIns="0"/>
+          <a:lstStyle/>
           <a:p>
             <a:pPr algn="ctr"/>
             <a:r>
-              <a:rPr b="0" lang="es-EC" sz="1400" spc="-1" strike="noStrike">
+              <a:rPr lang="es-EC" sz="1400" b="0" strike="noStrike" spc="-1">
                 <a:latin typeface="Arial"/>
               </a:rPr>
               <a:t> </a:t>
             </a:r>
-            <a:endParaRPr b="0" lang="es-EC" sz="1400" spc="-1" strike="noStrike">
-              <a:latin typeface="Arial"/>
-            </a:endParaRPr>
           </a:p>
         </p:txBody>
       </p:sp>
@@ -1713,16 +2879,17 @@
           </a:prstGeom>
         </p:spPr>
         <p:txBody>
-          <a:bodyPr lIns="0" rIns="0" tIns="0" bIns="0"/>
+          <a:bodyPr lIns="0" tIns="0" rIns="0" bIns="0"/>
+          <a:lstStyle/>
           <a:p>
             <a:pPr algn="r"/>
             <a:fld id="{47DABA69-C5E1-4F94-A12A-9C7D58248460}" type="slidenum">
-              <a:rPr b="0" lang="es-EC" sz="1400" spc="-1" strike="noStrike">
+              <a:rPr lang="es-EC" sz="1400" b="0" strike="noStrike" spc="-1">
                 <a:latin typeface="Arial"/>
               </a:rPr>
-              <a:t>2</a:t>
+              <a:t>‹Nº›</a:t>
             </a:fld>
-            <a:endParaRPr b="0" lang="es-EC" sz="1400" spc="-1" strike="noStrike">
+            <a:endParaRPr lang="es-EC" sz="1400" b="0" strike="noStrike" spc="-1">
               <a:latin typeface="Arial"/>
             </a:endParaRPr>
           </a:p>
@@ -1730,30 +2897,310 @@
       </p:sp>
     </p:spTree>
   </p:cSld>
-  <p:clrMap bg1="lt1" bg2="lt2" tx1="dk1" tx2="dk2" accent1="accent1" accent2="accent2" accent3="accent3" accent4="accent4" accent5="accent5" accent6="accent6" hlink="hlink" folHlink="folHlink"/>
+  <p:clrMap bg1="lt1" tx1="dk1" bg2="lt2" tx2="dk2" accent1="accent1" accent2="accent2" accent3="accent3" accent4="accent4" accent5="accent5" accent6="accent6" hlink="hlink" folHlink="folHlink"/>
   <p:sldLayoutIdLst>
-    <p:sldLayoutId id="2147483649" r:id="rId3"/>
-    <p:sldLayoutId id="2147483650" r:id="rId4"/>
-    <p:sldLayoutId id="2147483651" r:id="rId5"/>
-    <p:sldLayoutId id="2147483652" r:id="rId6"/>
-    <p:sldLayoutId id="2147483653" r:id="rId7"/>
-    <p:sldLayoutId id="2147483654" r:id="rId8"/>
-    <p:sldLayoutId id="2147483655" r:id="rId9"/>
-    <p:sldLayoutId id="2147483656" r:id="rId10"/>
-    <p:sldLayoutId id="2147483657" r:id="rId11"/>
-    <p:sldLayoutId id="2147483658" r:id="rId12"/>
-    <p:sldLayoutId id="2147483659" r:id="rId13"/>
-    <p:sldLayoutId id="2147483660" r:id="rId14"/>
+    <p:sldLayoutId id="2147483649" r:id="rId1"/>
+    <p:sldLayoutId id="2147483650" r:id="rId2"/>
+    <p:sldLayoutId id="2147483651" r:id="rId3"/>
+    <p:sldLayoutId id="2147483652" r:id="rId4"/>
+    <p:sldLayoutId id="2147483653" r:id="rId5"/>
+    <p:sldLayoutId id="2147483654" r:id="rId6"/>
+    <p:sldLayoutId id="2147483655" r:id="rId7"/>
+    <p:sldLayoutId id="2147483656" r:id="rId8"/>
+    <p:sldLayoutId id="2147483657" r:id="rId9"/>
+    <p:sldLayoutId id="2147483658" r:id="rId10"/>
+    <p:sldLayoutId id="2147483659" r:id="rId11"/>
+    <p:sldLayoutId id="2147483660" r:id="rId12"/>
   </p:sldLayoutIdLst>
+  <p:txStyles>
+    <p:titleStyle>
+      <a:lvl1pPr algn="l" defTabSz="914400" rtl="0" eaLnBrk="1" latinLnBrk="0" hangingPunct="1">
+        <a:lnSpc>
+          <a:spcPct val="90000"/>
+        </a:lnSpc>
+        <a:spcBef>
+          <a:spcPct val="0"/>
+        </a:spcBef>
+        <a:buNone/>
+        <a:defRPr sz="4400" kern="1200">
+          <a:solidFill>
+            <a:schemeClr val="tx1"/>
+          </a:solidFill>
+          <a:latin typeface="+mj-lt"/>
+          <a:ea typeface="+mj-ea"/>
+          <a:cs typeface="+mj-cs"/>
+        </a:defRPr>
+      </a:lvl1pPr>
+    </p:titleStyle>
+    <p:bodyStyle>
+      <a:lvl1pPr marL="228600" indent="-228600" algn="l" defTabSz="914400" rtl="0" eaLnBrk="1" latinLnBrk="0" hangingPunct="1">
+        <a:lnSpc>
+          <a:spcPct val="90000"/>
+        </a:lnSpc>
+        <a:spcBef>
+          <a:spcPts val="1000"/>
+        </a:spcBef>
+        <a:buFont typeface="Arial" panose="020B0604020202020204" pitchFamily="34" charset="0"/>
+        <a:buChar char="•"/>
+        <a:defRPr sz="2800" kern="1200">
+          <a:solidFill>
+            <a:schemeClr val="tx1"/>
+          </a:solidFill>
+          <a:latin typeface="+mn-lt"/>
+          <a:ea typeface="+mn-ea"/>
+          <a:cs typeface="+mn-cs"/>
+        </a:defRPr>
+      </a:lvl1pPr>
+      <a:lvl2pPr marL="685800" indent="-228600" algn="l" defTabSz="914400" rtl="0" eaLnBrk="1" latinLnBrk="0" hangingPunct="1">
+        <a:lnSpc>
+          <a:spcPct val="90000"/>
+        </a:lnSpc>
+        <a:spcBef>
+          <a:spcPts val="500"/>
+        </a:spcBef>
+        <a:buFont typeface="Arial" panose="020B0604020202020204" pitchFamily="34" charset="0"/>
+        <a:buChar char="•"/>
+        <a:defRPr sz="2400" kern="1200">
+          <a:solidFill>
+            <a:schemeClr val="tx1"/>
+          </a:solidFill>
+          <a:latin typeface="+mn-lt"/>
+          <a:ea typeface="+mn-ea"/>
+          <a:cs typeface="+mn-cs"/>
+        </a:defRPr>
+      </a:lvl2pPr>
+      <a:lvl3pPr marL="1143000" indent="-228600" algn="l" defTabSz="914400" rtl="0" eaLnBrk="1" latinLnBrk="0" hangingPunct="1">
+        <a:lnSpc>
+          <a:spcPct val="90000"/>
+        </a:lnSpc>
+        <a:spcBef>
+          <a:spcPts val="500"/>
+        </a:spcBef>
+        <a:buFont typeface="Arial" panose="020B0604020202020204" pitchFamily="34" charset="0"/>
+        <a:buChar char="•"/>
+        <a:defRPr sz="2000" kern="1200">
+          <a:solidFill>
+            <a:schemeClr val="tx1"/>
+          </a:solidFill>
+          <a:latin typeface="+mn-lt"/>
+          <a:ea typeface="+mn-ea"/>
+          <a:cs typeface="+mn-cs"/>
+        </a:defRPr>
+      </a:lvl3pPr>
+      <a:lvl4pPr marL="1600200" indent="-228600" algn="l" defTabSz="914400" rtl="0" eaLnBrk="1" latinLnBrk="0" hangingPunct="1">
+        <a:lnSpc>
+          <a:spcPct val="90000"/>
+        </a:lnSpc>
+        <a:spcBef>
+          <a:spcPts val="500"/>
+        </a:spcBef>
+        <a:buFont typeface="Arial" panose="020B0604020202020204" pitchFamily="34" charset="0"/>
+        <a:buChar char="•"/>
+        <a:defRPr sz="1800" kern="1200">
+          <a:solidFill>
+            <a:schemeClr val="tx1"/>
+          </a:solidFill>
+          <a:latin typeface="+mn-lt"/>
+          <a:ea typeface="+mn-ea"/>
+          <a:cs typeface="+mn-cs"/>
+        </a:defRPr>
+      </a:lvl4pPr>
+      <a:lvl5pPr marL="2057400" indent="-228600" algn="l" defTabSz="914400" rtl="0" eaLnBrk="1" latinLnBrk="0" hangingPunct="1">
+        <a:lnSpc>
+          <a:spcPct val="90000"/>
+        </a:lnSpc>
+        <a:spcBef>
+          <a:spcPts val="500"/>
+        </a:spcBef>
+        <a:buFont typeface="Arial" panose="020B0604020202020204" pitchFamily="34" charset="0"/>
+        <a:buChar char="•"/>
+        <a:defRPr sz="1800" kern="1200">
+          <a:solidFill>
+            <a:schemeClr val="tx1"/>
+          </a:solidFill>
+          <a:latin typeface="+mn-lt"/>
+          <a:ea typeface="+mn-ea"/>
+          <a:cs typeface="+mn-cs"/>
+        </a:defRPr>
+      </a:lvl5pPr>
+      <a:lvl6pPr marL="2514600" indent="-228600" algn="l" defTabSz="914400" rtl="0" eaLnBrk="1" latinLnBrk="0" hangingPunct="1">
+        <a:lnSpc>
+          <a:spcPct val="90000"/>
+        </a:lnSpc>
+        <a:spcBef>
+          <a:spcPts val="500"/>
+        </a:spcBef>
+        <a:buFont typeface="Arial" panose="020B0604020202020204" pitchFamily="34" charset="0"/>
+        <a:buChar char="•"/>
+        <a:defRPr sz="1800" kern="1200">
+          <a:solidFill>
+            <a:schemeClr val="tx1"/>
+          </a:solidFill>
+          <a:latin typeface="+mn-lt"/>
+          <a:ea typeface="+mn-ea"/>
+          <a:cs typeface="+mn-cs"/>
+        </a:defRPr>
+      </a:lvl6pPr>
+      <a:lvl7pPr marL="2971800" indent="-228600" algn="l" defTabSz="914400" rtl="0" eaLnBrk="1" latinLnBrk="0" hangingPunct="1">
+        <a:lnSpc>
+          <a:spcPct val="90000"/>
+        </a:lnSpc>
+        <a:spcBef>
+          <a:spcPts val="500"/>
+        </a:spcBef>
+        <a:buFont typeface="Arial" panose="020B0604020202020204" pitchFamily="34" charset="0"/>
+        <a:buChar char="•"/>
+        <a:defRPr sz="1800" kern="1200">
+          <a:solidFill>
+            <a:schemeClr val="tx1"/>
+          </a:solidFill>
+          <a:latin typeface="+mn-lt"/>
+          <a:ea typeface="+mn-ea"/>
+          <a:cs typeface="+mn-cs"/>
+        </a:defRPr>
+      </a:lvl7pPr>
+      <a:lvl8pPr marL="3429000" indent="-228600" algn="l" defTabSz="914400" rtl="0" eaLnBrk="1" latinLnBrk="0" hangingPunct="1">
+        <a:lnSpc>
+          <a:spcPct val="90000"/>
+        </a:lnSpc>
+        <a:spcBef>
+          <a:spcPts val="500"/>
+        </a:spcBef>
+        <a:buFont typeface="Arial" panose="020B0604020202020204" pitchFamily="34" charset="0"/>
+        <a:buChar char="•"/>
+        <a:defRPr sz="1800" kern="1200">
+          <a:solidFill>
+            <a:schemeClr val="tx1"/>
+          </a:solidFill>
+          <a:latin typeface="+mn-lt"/>
+          <a:ea typeface="+mn-ea"/>
+          <a:cs typeface="+mn-cs"/>
+        </a:defRPr>
+      </a:lvl8pPr>
+      <a:lvl9pPr marL="3886200" indent="-228600" algn="l" defTabSz="914400" rtl="0" eaLnBrk="1" latinLnBrk="0" hangingPunct="1">
+        <a:lnSpc>
+          <a:spcPct val="90000"/>
+        </a:lnSpc>
+        <a:spcBef>
+          <a:spcPts val="500"/>
+        </a:spcBef>
+        <a:buFont typeface="Arial" panose="020B0604020202020204" pitchFamily="34" charset="0"/>
+        <a:buChar char="•"/>
+        <a:defRPr sz="1800" kern="1200">
+          <a:solidFill>
+            <a:schemeClr val="tx1"/>
+          </a:solidFill>
+          <a:latin typeface="+mn-lt"/>
+          <a:ea typeface="+mn-ea"/>
+          <a:cs typeface="+mn-cs"/>
+        </a:defRPr>
+      </a:lvl9pPr>
+    </p:bodyStyle>
+    <p:otherStyle>
+      <a:defPPr>
+        <a:defRPr lang="en-US"/>
+      </a:defPPr>
+      <a:lvl1pPr marL="0" algn="l" defTabSz="914400" rtl="0" eaLnBrk="1" latinLnBrk="0" hangingPunct="1">
+        <a:defRPr sz="1800" kern="1200">
+          <a:solidFill>
+            <a:schemeClr val="tx1"/>
+          </a:solidFill>
+          <a:latin typeface="+mn-lt"/>
+          <a:ea typeface="+mn-ea"/>
+          <a:cs typeface="+mn-cs"/>
+        </a:defRPr>
+      </a:lvl1pPr>
+      <a:lvl2pPr marL="457200" algn="l" defTabSz="914400" rtl="0" eaLnBrk="1" latinLnBrk="0" hangingPunct="1">
+        <a:defRPr sz="1800" kern="1200">
+          <a:solidFill>
+            <a:schemeClr val="tx1"/>
+          </a:solidFill>
+          <a:latin typeface="+mn-lt"/>
+          <a:ea typeface="+mn-ea"/>
+          <a:cs typeface="+mn-cs"/>
+        </a:defRPr>
+      </a:lvl2pPr>
+      <a:lvl3pPr marL="914400" algn="l" defTabSz="914400" rtl="0" eaLnBrk="1" latinLnBrk="0" hangingPunct="1">
+        <a:defRPr sz="1800" kern="1200">
+          <a:solidFill>
+            <a:schemeClr val="tx1"/>
+          </a:solidFill>
+          <a:latin typeface="+mn-lt"/>
+          <a:ea typeface="+mn-ea"/>
+          <a:cs typeface="+mn-cs"/>
+        </a:defRPr>
+      </a:lvl3pPr>
+      <a:lvl4pPr marL="1371600" algn="l" defTabSz="914400" rtl="0" eaLnBrk="1" latinLnBrk="0" hangingPunct="1">
+        <a:defRPr sz="1800" kern="1200">
+          <a:solidFill>
+            <a:schemeClr val="tx1"/>
+          </a:solidFill>
+          <a:latin typeface="+mn-lt"/>
+          <a:ea typeface="+mn-ea"/>
+          <a:cs typeface="+mn-cs"/>
+        </a:defRPr>
+      </a:lvl4pPr>
+      <a:lvl5pPr marL="1828800" algn="l" defTabSz="914400" rtl="0" eaLnBrk="1" latinLnBrk="0" hangingPunct="1">
+        <a:defRPr sz="1800" kern="1200">
+          <a:solidFill>
+            <a:schemeClr val="tx1"/>
+          </a:solidFill>
+          <a:latin typeface="+mn-lt"/>
+          <a:ea typeface="+mn-ea"/>
+          <a:cs typeface="+mn-cs"/>
+        </a:defRPr>
+      </a:lvl5pPr>
+      <a:lvl6pPr marL="2286000" algn="l" defTabSz="914400" rtl="0" eaLnBrk="1" latinLnBrk="0" hangingPunct="1">
+        <a:defRPr sz="1800" kern="1200">
+          <a:solidFill>
+            <a:schemeClr val="tx1"/>
+          </a:solidFill>
+          <a:latin typeface="+mn-lt"/>
+          <a:ea typeface="+mn-ea"/>
+          <a:cs typeface="+mn-cs"/>
+        </a:defRPr>
+      </a:lvl6pPr>
+      <a:lvl7pPr marL="2743200" algn="l" defTabSz="914400" rtl="0" eaLnBrk="1" latinLnBrk="0" hangingPunct="1">
+        <a:defRPr sz="1800" kern="1200">
+          <a:solidFill>
+            <a:schemeClr val="tx1"/>
+          </a:solidFill>
+          <a:latin typeface="+mn-lt"/>
+          <a:ea typeface="+mn-ea"/>
+          <a:cs typeface="+mn-cs"/>
+        </a:defRPr>
+      </a:lvl7pPr>
+      <a:lvl8pPr marL="3200400" algn="l" defTabSz="914400" rtl="0" eaLnBrk="1" latinLnBrk="0" hangingPunct="1">
+        <a:defRPr sz="1800" kern="1200">
+          <a:solidFill>
+            <a:schemeClr val="tx1"/>
+          </a:solidFill>
+          <a:latin typeface="+mn-lt"/>
+          <a:ea typeface="+mn-ea"/>
+          <a:cs typeface="+mn-cs"/>
+        </a:defRPr>
+      </a:lvl8pPr>
+      <a:lvl9pPr marL="3657600" algn="l" defTabSz="914400" rtl="0" eaLnBrk="1" latinLnBrk="0" hangingPunct="1">
+        <a:defRPr sz="1800" kern="1200">
+          <a:solidFill>
+            <a:schemeClr val="tx1"/>
+          </a:solidFill>
+          <a:latin typeface="+mn-lt"/>
+          <a:ea typeface="+mn-ea"/>
+          <a:cs typeface="+mn-cs"/>
+        </a:defRPr>
+      </a:lvl9pPr>
+    </p:otherStyle>
+  </p:txStyles>
 </p:sldMaster>
 </file>
 
 <file path=ppt/slides/slide1.xml><?xml version="1.0" encoding="utf-8"?>
-<p:sld xmlns:a="http://schemas.openxmlformats.org/drawingml/2006/main" xmlns:p="http://schemas.openxmlformats.org/presentationml/2006/main" xmlns:r="http://schemas.openxmlformats.org/officeDocument/2006/relationships" xmlns:p14="http://schemas.microsoft.com/office/powerpoint/2010/main" xmlns:p15="http://schemas.microsoft.com/office/powerpoint/2012/main" xmlns:mc="http://schemas.openxmlformats.org/markup-compatibility/2006">
+<p:sld xmlns:a="http://schemas.openxmlformats.org/drawingml/2006/main" xmlns:r="http://schemas.openxmlformats.org/officeDocument/2006/relationships" xmlns:p="http://schemas.openxmlformats.org/presentationml/2006/main">
   <p:cSld>
     <p:spTree>
       <p:nvGrpSpPr>
-        <p:cNvPr id="1" name=""/>
+        <p:cNvPr id="1" name="Shape 63"/>
         <p:cNvGrpSpPr/>
         <p:nvPr/>
       </p:nvGrpSpPr>
@@ -1767,7 +3214,7 @@
       </p:grpSpPr>
       <p:sp>
         <p:nvSpPr>
-          <p:cNvPr id="42" name="TextShape 1"/>
+          <p:cNvPr id="64" name="Shape 64"/>
           <p:cNvSpPr txBox="1"/>
           <p:nvPr/>
         </p:nvSpPr>
@@ -1785,29 +3232,47 @@
           </a:ln>
         </p:spPr>
         <p:txBody>
-          <a:bodyPr lIns="0" rIns="0" tIns="0" bIns="0" anchor="ctr"/>
-          <a:p>
-            <a:r>
-              <a:rPr b="0" lang="es-EC" sz="3570" spc="-1" strike="noStrike">
-                <a:solidFill>
-                  <a:srgbClr val="ffffff"/>
+          <a:bodyPr spcFirstLastPara="1" wrap="square" lIns="0" tIns="0" rIns="0" bIns="0" anchor="ctr" anchorCtr="0">
+            <a:noAutofit/>
+          </a:bodyPr>
+          <a:lstStyle/>
+          <a:p>
+            <a:pPr marL="0" marR="0" lvl="0" indent="0" algn="l" rtl="0">
+              <a:spcBef>
+                <a:spcPts val="0"/>
+              </a:spcBef>
+              <a:spcAft>
+                <a:spcPts val="0"/>
+              </a:spcAft>
+              <a:buNone/>
+            </a:pPr>
+            <a:r>
+              <a:rPr lang="es-EC" sz="3570" b="0" i="0" u="none" strike="noStrike" cap="none">
+                <a:solidFill>
+                  <a:srgbClr val="FFFFFF"/>
                 </a:solidFill>
                 <a:latin typeface="Arial"/>
+                <a:ea typeface="Arial"/>
+                <a:cs typeface="Arial"/>
+                <a:sym typeface="Arial"/>
               </a:rPr>
               <a:t>Taller 3.</a:t>
             </a:r>
-            <a:endParaRPr b="0" lang="es-EC" sz="3570" spc="-1" strike="noStrike">
+            <a:endParaRPr sz="3570" b="0" strike="noStrike">
               <a:solidFill>
-                <a:srgbClr val="ffffff"/>
+                <a:srgbClr val="FFFFFF"/>
               </a:solidFill>
               <a:latin typeface="Arial"/>
+              <a:ea typeface="Arial"/>
+              <a:cs typeface="Arial"/>
+              <a:sym typeface="Arial"/>
             </a:endParaRPr>
           </a:p>
         </p:txBody>
       </p:sp>
       <p:sp>
         <p:nvSpPr>
-          <p:cNvPr id="43" name="TextShape 2"/>
+          <p:cNvPr id="65" name="Shape 65"/>
           <p:cNvSpPr txBox="1"/>
           <p:nvPr/>
         </p:nvSpPr>
@@ -1825,68 +3290,135 @@
           </a:ln>
         </p:spPr>
         <p:txBody>
-          <a:bodyPr lIns="0" rIns="0" tIns="0" bIns="0" anchor="ctr"/>
-          <a:p>
-            <a:pPr algn="ctr"/>
-            <a:r>
-              <a:rPr b="0" lang="es-EC" sz="3200" spc="-1" strike="noStrike">
+          <a:bodyPr spcFirstLastPara="1" wrap="square" lIns="0" tIns="0" rIns="0" bIns="0" anchor="ctr" anchorCtr="0">
+            <a:noAutofit/>
+          </a:bodyPr>
+          <a:lstStyle/>
+          <a:p>
+            <a:pPr marL="0" marR="0" lvl="0" indent="0" algn="ctr" rtl="0">
+              <a:spcBef>
+                <a:spcPts val="0"/>
+              </a:spcBef>
+              <a:spcAft>
+                <a:spcPts val="0"/>
+              </a:spcAft>
+              <a:buNone/>
+            </a:pPr>
+            <a:r>
+              <a:rPr lang="es-EC" sz="3200" b="0" strike="noStrike">
                 <a:latin typeface="Arial"/>
-              </a:rPr>
-              <a:t>Grupo:</a:t>
-            </a:r>
-            <a:endParaRPr b="0" lang="es-EC" sz="3200" spc="-1" strike="noStrike">
+                <a:ea typeface="Arial"/>
+                <a:cs typeface="Arial"/>
+                <a:sym typeface="Arial"/>
+              </a:rPr>
+              <a:t>Grupo 3:</a:t>
+            </a:r>
+            <a:endParaRPr sz="3200" b="0" strike="noStrike">
               <a:latin typeface="Arial"/>
-            </a:endParaRPr>
-          </a:p>
-          <a:p>
-            <a:pPr algn="ctr"/>
-            <a:r>
-              <a:rPr b="0" lang="es-EC" sz="3200" spc="-1" strike="noStrike">
+              <a:ea typeface="Arial"/>
+              <a:cs typeface="Arial"/>
+              <a:sym typeface="Arial"/>
+            </a:endParaRPr>
+          </a:p>
+          <a:p>
+            <a:pPr marL="0" marR="0" lvl="0" indent="0" algn="ctr" rtl="0">
+              <a:spcBef>
+                <a:spcPts val="0"/>
+              </a:spcBef>
+              <a:spcAft>
+                <a:spcPts val="0"/>
+              </a:spcAft>
+              <a:buNone/>
+            </a:pPr>
+            <a:r>
+              <a:rPr lang="es-EC" sz="3200" b="0" strike="noStrike">
                 <a:latin typeface="Arial"/>
+                <a:ea typeface="Arial"/>
+                <a:cs typeface="Arial"/>
+                <a:sym typeface="Arial"/>
               </a:rPr>
               <a:t>Myriam Yunga</a:t>
             </a:r>
-            <a:endParaRPr b="0" lang="es-EC" sz="3200" spc="-1" strike="noStrike">
+            <a:endParaRPr sz="3200" b="0" strike="noStrike">
               <a:latin typeface="Arial"/>
-            </a:endParaRPr>
-          </a:p>
-          <a:p>
-            <a:pPr algn="ctr"/>
-            <a:r>
-              <a:rPr b="0" lang="es-EC" sz="3200" spc="-1" strike="noStrike">
+              <a:ea typeface="Arial"/>
+              <a:cs typeface="Arial"/>
+              <a:sym typeface="Arial"/>
+            </a:endParaRPr>
+          </a:p>
+          <a:p>
+            <a:pPr marL="0" marR="0" lvl="0" indent="0" algn="ctr" rtl="0">
+              <a:spcBef>
+                <a:spcPts val="0"/>
+              </a:spcBef>
+              <a:spcAft>
+                <a:spcPts val="0"/>
+              </a:spcAft>
+              <a:buNone/>
+            </a:pPr>
+            <a:r>
+              <a:rPr lang="es-EC" sz="3200" b="0" strike="noStrike">
                 <a:latin typeface="Arial"/>
+                <a:ea typeface="Arial"/>
+                <a:cs typeface="Arial"/>
+                <a:sym typeface="Arial"/>
               </a:rPr>
               <a:t>Oscar Solís</a:t>
             </a:r>
-            <a:endParaRPr b="0" lang="es-EC" sz="3200" spc="-1" strike="noStrike">
+            <a:endParaRPr sz="3200" b="0" strike="noStrike">
               <a:latin typeface="Arial"/>
-            </a:endParaRPr>
-          </a:p>
-          <a:p>
-            <a:pPr algn="ctr"/>
-            <a:r>
-              <a:rPr b="0" lang="es-EC" sz="3200" spc="-1" strike="noStrike">
+              <a:ea typeface="Arial"/>
+              <a:cs typeface="Arial"/>
+              <a:sym typeface="Arial"/>
+            </a:endParaRPr>
+          </a:p>
+          <a:p>
+            <a:pPr marL="0" marR="0" lvl="0" indent="0" algn="ctr" rtl="0">
+              <a:spcBef>
+                <a:spcPts val="0"/>
+              </a:spcBef>
+              <a:spcAft>
+                <a:spcPts val="0"/>
+              </a:spcAft>
+              <a:buNone/>
+            </a:pPr>
+            <a:r>
+              <a:rPr lang="es-EC" sz="3200" b="0" strike="noStrike">
                 <a:latin typeface="Arial"/>
+                <a:ea typeface="Arial"/>
+                <a:cs typeface="Arial"/>
+                <a:sym typeface="Arial"/>
               </a:rPr>
               <a:t>Edgar Maldonado</a:t>
             </a:r>
-            <a:endParaRPr b="0" lang="es-EC" sz="3200" spc="-1" strike="noStrike">
+            <a:endParaRPr sz="3200" b="0" strike="noStrike">
               <a:latin typeface="Arial"/>
+              <a:ea typeface="Arial"/>
+              <a:cs typeface="Arial"/>
+              <a:sym typeface="Arial"/>
             </a:endParaRPr>
           </a:p>
         </p:txBody>
       </p:sp>
     </p:spTree>
+    <p:extLst>
+      <p:ext uri="{BB962C8B-B14F-4D97-AF65-F5344CB8AC3E}">
+        <p14:creationId xmlns:p14="http://schemas.microsoft.com/office/powerpoint/2010/main" val="1462676839"/>
+      </p:ext>
+    </p:extLst>
   </p:cSld>
+  <p:clrMapOvr>
+    <a:masterClrMapping/>
+  </p:clrMapOvr>
 </p:sld>
 </file>
 
 <file path=ppt/slides/slide2.xml><?xml version="1.0" encoding="utf-8"?>
-<p:sld xmlns:a="http://schemas.openxmlformats.org/drawingml/2006/main" xmlns:p="http://schemas.openxmlformats.org/presentationml/2006/main" xmlns:r="http://schemas.openxmlformats.org/officeDocument/2006/relationships" xmlns:p14="http://schemas.microsoft.com/office/powerpoint/2010/main" xmlns:p15="http://schemas.microsoft.com/office/powerpoint/2012/main" xmlns:mc="http://schemas.openxmlformats.org/markup-compatibility/2006">
+<p:sld xmlns:a="http://schemas.openxmlformats.org/drawingml/2006/main" xmlns:r="http://schemas.openxmlformats.org/officeDocument/2006/relationships" xmlns:p="http://schemas.openxmlformats.org/presentationml/2006/main">
   <p:cSld>
     <p:spTree>
       <p:nvGrpSpPr>
-        <p:cNvPr id="1" name=""/>
+        <p:cNvPr id="1" name="Shape 69"/>
         <p:cNvGrpSpPr/>
         <p:nvPr/>
       </p:nvGrpSpPr>
@@ -1900,7 +3432,7 @@
       </p:grpSpPr>
       <p:sp>
         <p:nvSpPr>
-          <p:cNvPr id="44" name="TextShape 1"/>
+          <p:cNvPr id="70" name="Shape 70"/>
           <p:cNvSpPr txBox="1"/>
           <p:nvPr/>
         </p:nvSpPr>
@@ -1918,36 +3450,54 @@
           </a:ln>
         </p:spPr>
         <p:txBody>
-          <a:bodyPr lIns="0" rIns="0" tIns="0" bIns="0" anchor="ctr"/>
-          <a:p>
-            <a:r>
-              <a:rPr b="0" lang="es-EC" sz="3570" spc="-1" strike="noStrike">
-                <a:solidFill>
-                  <a:srgbClr val="ffffff"/>
+          <a:bodyPr spcFirstLastPara="1" wrap="square" lIns="0" tIns="0" rIns="0" bIns="0" anchor="ctr" anchorCtr="0">
+            <a:noAutofit/>
+          </a:bodyPr>
+          <a:lstStyle/>
+          <a:p>
+            <a:pPr marL="0" marR="0" lvl="0" indent="0" algn="l" rtl="0">
+              <a:spcBef>
+                <a:spcPts val="0"/>
+              </a:spcBef>
+              <a:spcAft>
+                <a:spcPts val="0"/>
+              </a:spcAft>
+              <a:buNone/>
+            </a:pPr>
+            <a:r>
+              <a:rPr lang="es-EC" sz="3570" b="0" strike="noStrike">
+                <a:solidFill>
+                  <a:srgbClr val="FFFFFF"/>
                 </a:solidFill>
                 <a:latin typeface="Arial"/>
+                <a:ea typeface="Arial"/>
+                <a:cs typeface="Arial"/>
+                <a:sym typeface="Arial"/>
               </a:rPr>
               <a:t>Resumen del trabajo</a:t>
             </a:r>
-            <a:endParaRPr b="0" lang="es-EC" sz="3570" spc="-1" strike="noStrike">
+            <a:endParaRPr sz="3570" b="0" strike="noStrike">
               <a:solidFill>
-                <a:srgbClr val="ffffff"/>
+                <a:srgbClr val="FFFFFF"/>
               </a:solidFill>
               <a:latin typeface="Arial"/>
+              <a:ea typeface="Arial"/>
+              <a:cs typeface="Arial"/>
+              <a:sym typeface="Arial"/>
             </a:endParaRPr>
           </a:p>
         </p:txBody>
       </p:sp>
       <p:sp>
         <p:nvSpPr>
-          <p:cNvPr id="45" name="TextShape 2"/>
+          <p:cNvPr id="71" name="Shape 71"/>
           <p:cNvSpPr txBox="1"/>
           <p:nvPr/>
         </p:nvSpPr>
         <p:spPr>
           <a:xfrm>
-            <a:off x="432000" y="1296000"/>
-            <a:ext cx="9288000" cy="3960000"/>
+            <a:off x="237750" y="1296000"/>
+            <a:ext cx="9617400" cy="4279500"/>
           </a:xfrm>
           <a:prstGeom prst="rect">
             <a:avLst/>
@@ -1958,229 +3508,2571 @@
           </a:ln>
         </p:spPr>
         <p:txBody>
-          <a:bodyPr lIns="0" rIns="0" tIns="0" bIns="0">
-            <a:normAutofit/>
+          <a:bodyPr spcFirstLastPara="1" wrap="square" lIns="0" tIns="0" rIns="0" bIns="0" anchor="t" anchorCtr="0">
+            <a:noAutofit/>
           </a:bodyPr>
-          <a:p>
-            <a:pPr marL="432000" indent="-324000">
-              <a:spcAft>
+          <a:lstStyle/>
+          <a:p>
+            <a:pPr marL="0" marR="0" lvl="0" indent="0" algn="l" rtl="0">
+              <a:spcBef>
+                <a:spcPts val="0"/>
+              </a:spcBef>
+              <a:spcAft>
+                <a:spcPts val="0"/>
+              </a:spcAft>
+              <a:buNone/>
+            </a:pPr>
+            <a:r>
+              <a:rPr lang="es-EC" sz="1800" b="1" strike="noStrike" dirty="0">
+                <a:latin typeface="Arial"/>
+                <a:ea typeface="Arial"/>
+                <a:cs typeface="Arial"/>
+                <a:sym typeface="Arial"/>
+              </a:rPr>
+              <a:t>SQL</a:t>
+            </a:r>
+            <a:endParaRPr sz="1800" b="0" strike="noStrike" dirty="0">
+              <a:latin typeface="Arial"/>
+              <a:ea typeface="Arial"/>
+              <a:cs typeface="Arial"/>
+              <a:sym typeface="Arial"/>
+            </a:endParaRPr>
+          </a:p>
+          <a:p>
+            <a:pPr marL="0" marR="0" lvl="0" indent="0" algn="l" rtl="0">
+              <a:spcBef>
                 <a:spcPts val="1148"/>
+              </a:spcBef>
+              <a:spcAft>
+                <a:spcPts val="0"/>
+              </a:spcAft>
+              <a:buNone/>
+            </a:pPr>
+            <a:r>
+              <a:rPr lang="es-EC" sz="1800" b="1" strike="noStrike" dirty="0">
+                <a:latin typeface="Arial"/>
+                <a:ea typeface="Arial"/>
+                <a:cs typeface="Arial"/>
+                <a:sym typeface="Arial"/>
+              </a:rPr>
+              <a:t>- Ventajas</a:t>
+            </a:r>
+            <a:endParaRPr sz="1800" b="0" strike="noStrike" dirty="0">
+              <a:latin typeface="Arial"/>
+              <a:ea typeface="Arial"/>
+              <a:cs typeface="Arial"/>
+              <a:sym typeface="Arial"/>
+            </a:endParaRPr>
+          </a:p>
+          <a:p>
+            <a:pPr marR="0" lvl="0" algn="just" rtl="0">
+              <a:spcBef>
+                <a:spcPts val="0"/>
+              </a:spcBef>
+              <a:spcAft>
+                <a:spcPts val="0"/>
+              </a:spcAft>
+            </a:pPr>
+            <a:r>
+              <a:rPr lang="es-EC" sz="1600" b="0" strike="noStrike" dirty="0">
+                <a:sym typeface="Arial"/>
+              </a:rPr>
+              <a:t>         </a:t>
+            </a:r>
+            <a:r>
+              <a:rPr lang="es-EC" sz="1600" b="0" strike="noStrike" dirty="0" smtClean="0">
+                <a:sym typeface="Arial"/>
+              </a:rPr>
+              <a:t>- Rápidos </a:t>
+            </a:r>
+            <a:r>
+              <a:rPr lang="es-EC" sz="1600" b="0" strike="noStrike" dirty="0">
+                <a:sym typeface="Arial"/>
+              </a:rPr>
+              <a:t>para operaciones complejas.</a:t>
+            </a:r>
+            <a:endParaRPr sz="1600" b="0" strike="noStrike" dirty="0">
+              <a:sym typeface="Arial"/>
+            </a:endParaRPr>
+          </a:p>
+          <a:p>
+            <a:pPr marR="0" lvl="0" algn="just" rtl="0">
+              <a:spcBef>
+                <a:spcPts val="0"/>
+              </a:spcBef>
+              <a:spcAft>
+                <a:spcPts val="0"/>
+              </a:spcAft>
+            </a:pPr>
+            <a:r>
+              <a:rPr lang="es-EC" sz="1600" b="0" strike="noStrike" dirty="0">
+                <a:sym typeface="Arial"/>
+              </a:rPr>
+              <a:t>         </a:t>
+            </a:r>
+            <a:r>
+              <a:rPr lang="es-EC" sz="1600" b="0" strike="noStrike" dirty="0" smtClean="0">
+                <a:sym typeface="Arial"/>
+              </a:rPr>
+              <a:t>- Mayores </a:t>
+            </a:r>
+            <a:r>
+              <a:rPr lang="es-EC" sz="1600" b="0" strike="noStrike" dirty="0">
+                <a:sym typeface="Arial"/>
+              </a:rPr>
+              <a:t>soportes dados por los fabricantes durante muchos años.</a:t>
+            </a:r>
+            <a:endParaRPr sz="1600" b="0" strike="noStrike" dirty="0">
+              <a:sym typeface="Arial"/>
+            </a:endParaRPr>
+          </a:p>
+          <a:p>
+            <a:pPr marR="0" lvl="0" algn="just" rtl="0">
+              <a:spcBef>
+                <a:spcPts val="0"/>
+              </a:spcBef>
+              <a:spcAft>
+                <a:spcPts val="0"/>
+              </a:spcAft>
+            </a:pPr>
+            <a:r>
+              <a:rPr lang="es-EC" sz="1600" b="0" strike="noStrike" dirty="0">
+                <a:sym typeface="Arial"/>
+              </a:rPr>
+              <a:t>        </a:t>
+            </a:r>
+            <a:r>
+              <a:rPr lang="es-EC" sz="1600" b="0" strike="noStrike" dirty="0" smtClean="0">
+                <a:sym typeface="Arial"/>
+              </a:rPr>
+              <a:t> - </a:t>
+            </a:r>
+            <a:r>
+              <a:rPr lang="es-EC" sz="1600" b="0" strike="noStrike" dirty="0">
+                <a:sym typeface="Arial"/>
+              </a:rPr>
+              <a:t>Atom</a:t>
+            </a:r>
+            <a:r>
+              <a:rPr lang="es-EC" sz="1600" dirty="0"/>
+              <a:t>i</a:t>
+            </a:r>
+            <a:r>
+              <a:rPr lang="es-EC" sz="1600" b="0" strike="noStrike" dirty="0">
+                <a:sym typeface="Arial"/>
+              </a:rPr>
+              <a:t>cidad, o se hace la operación entera o no se la hace, se usa </a:t>
+            </a:r>
+            <a:r>
+              <a:rPr lang="es-EC" sz="1600" b="0" strike="noStrike" dirty="0" err="1">
+                <a:sym typeface="Arial"/>
+              </a:rPr>
+              <a:t>rollback</a:t>
+            </a:r>
+            <a:r>
+              <a:rPr lang="es-EC" sz="1600" b="0" strike="noStrike" dirty="0">
+                <a:sym typeface="Arial"/>
+              </a:rPr>
+              <a:t>.</a:t>
+            </a:r>
+            <a:endParaRPr sz="1600" b="0" strike="noStrike" dirty="0">
+              <a:sym typeface="Arial"/>
+            </a:endParaRPr>
+          </a:p>
+          <a:p>
+            <a:pPr marR="0" lvl="0" algn="just" rtl="0">
+              <a:spcBef>
+                <a:spcPts val="0"/>
+              </a:spcBef>
+              <a:spcAft>
+                <a:spcPts val="0"/>
+              </a:spcAft>
+            </a:pPr>
+            <a:r>
+              <a:rPr lang="es-EC" sz="1600" b="0" strike="noStrike" dirty="0">
+                <a:sym typeface="Arial"/>
+              </a:rPr>
+              <a:t>         </a:t>
+            </a:r>
+            <a:r>
+              <a:rPr lang="es-EC" sz="1600" b="0" strike="noStrike" dirty="0" smtClean="0">
+                <a:sym typeface="Arial"/>
+              </a:rPr>
+              <a:t>- Se </a:t>
+            </a:r>
+            <a:r>
+              <a:rPr lang="es-EC" sz="1600" b="0" strike="noStrike" dirty="0">
+                <a:sym typeface="Arial"/>
+              </a:rPr>
+              <a:t>exige requisitos de integridad en los datos</a:t>
+            </a:r>
+            <a:r>
+              <a:rPr lang="es-EC" sz="1600" b="0" strike="noStrike" dirty="0" smtClean="0">
+                <a:sym typeface="Arial"/>
+              </a:rPr>
+              <a:t>.</a:t>
+            </a:r>
+          </a:p>
+          <a:p>
+            <a:pPr marR="0" lvl="0" algn="just" rtl="0">
+              <a:spcBef>
+                <a:spcPts val="0"/>
+              </a:spcBef>
+              <a:spcAft>
+                <a:spcPts val="0"/>
+              </a:spcAft>
+            </a:pPr>
+            <a:endParaRPr lang="es-EC" sz="1600" b="0" strike="noStrike" dirty="0" smtClean="0">
+              <a:sym typeface="Arial"/>
+            </a:endParaRPr>
+          </a:p>
+          <a:p>
+            <a:pPr marL="0" marR="0" lvl="0" indent="0" algn="l" rtl="0">
+              <a:spcBef>
+                <a:spcPts val="0"/>
+              </a:spcBef>
+              <a:spcAft>
+                <a:spcPts val="0"/>
+              </a:spcAft>
+              <a:buNone/>
+            </a:pPr>
+            <a:r>
+              <a:rPr lang="es-EC" sz="1800" b="1" strike="noStrike" dirty="0" smtClean="0">
+                <a:latin typeface="Arial"/>
+                <a:ea typeface="Arial"/>
+                <a:cs typeface="Arial"/>
+                <a:sym typeface="Arial"/>
+              </a:rPr>
+              <a:t>- </a:t>
+            </a:r>
+            <a:r>
+              <a:rPr lang="es-EC" sz="1800" b="1" strike="noStrike" dirty="0">
+                <a:latin typeface="Arial"/>
+                <a:ea typeface="Arial"/>
+                <a:cs typeface="Arial"/>
+                <a:sym typeface="Arial"/>
+              </a:rPr>
+              <a:t>Desventajas</a:t>
+            </a:r>
+            <a:endParaRPr sz="1800" b="0" strike="noStrike" dirty="0">
+              <a:latin typeface="Arial"/>
+              <a:ea typeface="Arial"/>
+              <a:cs typeface="Arial"/>
+              <a:sym typeface="Arial"/>
+            </a:endParaRPr>
+          </a:p>
+          <a:p>
+            <a:pPr marL="0" marR="0" lvl="0" indent="457200" algn="l" rtl="0">
+              <a:spcBef>
+                <a:spcPts val="0"/>
+              </a:spcBef>
+              <a:spcAft>
+                <a:spcPts val="0"/>
+              </a:spcAft>
+              <a:buNone/>
+            </a:pPr>
+            <a:r>
+              <a:rPr lang="es-EC" sz="1800" b="0" strike="noStrike" dirty="0">
+                <a:latin typeface="Arial"/>
+                <a:ea typeface="Arial"/>
+                <a:cs typeface="Arial"/>
+                <a:sym typeface="Arial"/>
+              </a:rPr>
+              <a:t>- </a:t>
+            </a:r>
+            <a:r>
+              <a:rPr lang="es-EC" sz="1600" b="0" strike="noStrike" dirty="0">
+                <a:sym typeface="Arial"/>
+              </a:rPr>
+              <a:t>Escalamiento, se requiere recursos costosos.</a:t>
+            </a:r>
+            <a:endParaRPr sz="1600" b="0" strike="noStrike" dirty="0">
+              <a:sym typeface="Arial"/>
+            </a:endParaRPr>
+          </a:p>
+          <a:p>
+            <a:pPr marL="0" marR="0" lvl="0" indent="457200" algn="l" rtl="0">
+              <a:spcBef>
+                <a:spcPts val="0"/>
+              </a:spcBef>
+              <a:spcAft>
+                <a:spcPts val="0"/>
+              </a:spcAft>
+              <a:buNone/>
+            </a:pPr>
+            <a:r>
+              <a:rPr lang="es-EC" sz="1600" b="0" strike="noStrike" dirty="0">
+                <a:sym typeface="Arial"/>
+              </a:rPr>
+              <a:t>- Complejidad, se debe transformar los datos en tablas.</a:t>
+            </a:r>
+            <a:endParaRPr sz="1600" b="0" strike="noStrike" dirty="0">
+              <a:sym typeface="Arial"/>
+            </a:endParaRPr>
+          </a:p>
+          <a:p>
+            <a:pPr marL="457200" marR="0" lvl="0" indent="0" algn="l" rtl="0">
+              <a:spcBef>
+                <a:spcPts val="0"/>
+              </a:spcBef>
+              <a:spcAft>
+                <a:spcPts val="0"/>
+              </a:spcAft>
+              <a:buNone/>
+            </a:pPr>
+            <a:r>
+              <a:rPr lang="es-EC" sz="1600" b="0" strike="noStrike" dirty="0">
+                <a:sym typeface="Arial"/>
+              </a:rPr>
+              <a:t>- SQL, es conveniente con datos estructurados, pero usar la información con otros tipos de estructura es dificultoso.</a:t>
+            </a:r>
+            <a:endParaRPr sz="1600" b="0" strike="noStrike" dirty="0">
+              <a:sym typeface="Arial"/>
+            </a:endParaRPr>
+          </a:p>
+          <a:p>
+            <a:pPr marL="0" marR="0" lvl="0" indent="457200" algn="l" rtl="0">
+              <a:spcBef>
+                <a:spcPts val="0"/>
+              </a:spcBef>
+              <a:spcAft>
+                <a:spcPts val="0"/>
+              </a:spcAft>
+              <a:buNone/>
+            </a:pPr>
+            <a:r>
+              <a:rPr lang="es-EC" sz="1600" b="0" strike="noStrike" dirty="0">
+                <a:sym typeface="Arial"/>
+              </a:rPr>
+              <a:t>- Tiempo para instanciar la base e</a:t>
+            </a:r>
+            <a:r>
+              <a:rPr lang="es-EC" sz="1600" dirty="0"/>
+              <a:t>s</a:t>
+            </a:r>
+            <a:r>
+              <a:rPr lang="es-EC" sz="1600" b="0" strike="noStrike" dirty="0">
+                <a:sym typeface="Arial"/>
+              </a:rPr>
+              <a:t> lento con respecto a los </a:t>
+            </a:r>
+            <a:r>
+              <a:rPr lang="es-EC" sz="1600" b="0" strike="noStrike" dirty="0" err="1">
+                <a:sym typeface="Arial"/>
+              </a:rPr>
+              <a:t>Nosql</a:t>
+            </a:r>
+            <a:r>
+              <a:rPr lang="es-EC" sz="1600" b="0" strike="noStrike" dirty="0">
+                <a:sym typeface="Arial"/>
+              </a:rPr>
+              <a:t>.</a:t>
+            </a:r>
+            <a:endParaRPr sz="1600" b="0" strike="noStrike" dirty="0">
+              <a:sym typeface="Arial"/>
+            </a:endParaRPr>
+          </a:p>
+          <a:p>
+            <a:pPr marL="0" marR="0" lvl="0" indent="457200" algn="l" rtl="0">
+              <a:spcBef>
+                <a:spcPts val="0"/>
+              </a:spcBef>
+              <a:spcAft>
+                <a:spcPts val="0"/>
+              </a:spcAft>
+              <a:buNone/>
+            </a:pPr>
+            <a:r>
+              <a:rPr lang="es-EC" sz="1600" b="0" strike="noStrike" dirty="0">
+                <a:sym typeface="Arial"/>
+              </a:rPr>
+              <a:t>- Lento para escritura con respecto a la </a:t>
+            </a:r>
+            <a:r>
+              <a:rPr lang="es-EC" sz="1600" b="0" strike="noStrike" dirty="0" err="1">
+                <a:sym typeface="Arial"/>
+              </a:rPr>
+              <a:t>NoSQL</a:t>
+            </a:r>
+            <a:endParaRPr sz="1600" b="0" strike="noStrike" dirty="0">
+              <a:sym typeface="Arial"/>
+            </a:endParaRPr>
+          </a:p>
+          <a:p>
+            <a:pPr marL="0" marR="0" lvl="0" indent="457200" algn="l" rtl="0">
+              <a:spcBef>
+                <a:spcPts val="0"/>
+              </a:spcBef>
+              <a:spcAft>
+                <a:spcPts val="0"/>
+              </a:spcAft>
+              <a:buNone/>
+            </a:pPr>
+            <a:r>
+              <a:rPr lang="es-EC" sz="1600" b="0" strike="noStrike" dirty="0">
+                <a:sym typeface="Arial"/>
+              </a:rPr>
+              <a:t>- Conjuntos de características, para mantener integridad de la información.</a:t>
+            </a:r>
+            <a:endParaRPr sz="1600" b="0" strike="noStrike" dirty="0">
+              <a:sym typeface="Arial"/>
+            </a:endParaRPr>
+          </a:p>
+          <a:p>
+            <a:pPr marL="0" marR="0" lvl="0" indent="0" algn="l" rtl="0">
+              <a:spcBef>
+                <a:spcPts val="0"/>
+              </a:spcBef>
+              <a:spcAft>
+                <a:spcPts val="0"/>
+              </a:spcAft>
+              <a:buNone/>
+            </a:pPr>
+            <a:endParaRPr sz="2600" b="0" strike="noStrike" dirty="0">
+              <a:latin typeface="Arial"/>
+              <a:ea typeface="Arial"/>
+              <a:cs typeface="Arial"/>
+              <a:sym typeface="Arial"/>
+            </a:endParaRPr>
+          </a:p>
+        </p:txBody>
+      </p:sp>
+    </p:spTree>
+    <p:extLst>
+      <p:ext uri="{BB962C8B-B14F-4D97-AF65-F5344CB8AC3E}">
+        <p14:creationId xmlns:p14="http://schemas.microsoft.com/office/powerpoint/2010/main" val="3367229276"/>
+      </p:ext>
+    </p:extLst>
+  </p:cSld>
+  <p:clrMapOvr>
+    <a:masterClrMapping/>
+  </p:clrMapOvr>
+</p:sld>
+</file>
+
+<file path=ppt/slides/slide3.xml><?xml version="1.0" encoding="utf-8"?>
+<p:sld xmlns:a="http://schemas.openxmlformats.org/drawingml/2006/main" xmlns:r="http://schemas.openxmlformats.org/officeDocument/2006/relationships" xmlns:p="http://schemas.openxmlformats.org/presentationml/2006/main">
+  <p:cSld>
+    <p:spTree>
+      <p:nvGrpSpPr>
+        <p:cNvPr id="1" name="Shape 75"/>
+        <p:cNvGrpSpPr/>
+        <p:nvPr/>
+      </p:nvGrpSpPr>
+      <p:grpSpPr>
+        <a:xfrm>
+          <a:off x="0" y="0"/>
+          <a:ext cx="0" cy="0"/>
+          <a:chOff x="0" y="0"/>
+          <a:chExt cx="0" cy="0"/>
+        </a:xfrm>
+      </p:grpSpPr>
+      <p:sp>
+        <p:nvSpPr>
+          <p:cNvPr id="76" name="Shape 76"/>
+          <p:cNvSpPr txBox="1"/>
+          <p:nvPr/>
+        </p:nvSpPr>
+        <p:spPr>
+          <a:xfrm>
+            <a:off x="504000" y="216000"/>
+            <a:ext cx="7020000" cy="936000"/>
+          </a:xfrm>
+          <a:prstGeom prst="rect">
+            <a:avLst/>
+          </a:prstGeom>
+          <a:noFill/>
+          <a:ln>
+            <a:noFill/>
+          </a:ln>
+        </p:spPr>
+        <p:txBody>
+          <a:bodyPr spcFirstLastPara="1" wrap="square" lIns="0" tIns="0" rIns="0" bIns="0" anchor="ctr" anchorCtr="0">
+            <a:noAutofit/>
+          </a:bodyPr>
+          <a:lstStyle/>
+          <a:p>
+            <a:pPr marL="0" marR="0" lvl="0" indent="0" algn="l" rtl="0">
+              <a:spcBef>
+                <a:spcPts val="0"/>
+              </a:spcBef>
+              <a:spcAft>
+                <a:spcPts val="0"/>
+              </a:spcAft>
+              <a:buNone/>
+            </a:pPr>
+            <a:r>
+              <a:rPr lang="es-EC" sz="3570" b="0" strike="noStrike">
+                <a:solidFill>
+                  <a:srgbClr val="FFFFFF"/>
+                </a:solidFill>
+                <a:latin typeface="Arial"/>
+                <a:ea typeface="Arial"/>
+                <a:cs typeface="Arial"/>
+                <a:sym typeface="Arial"/>
+              </a:rPr>
+              <a:t>Resumen del trabajo</a:t>
+            </a:r>
+            <a:endParaRPr sz="3570" b="0" strike="noStrike">
+              <a:solidFill>
+                <a:srgbClr val="FFFFFF"/>
+              </a:solidFill>
+              <a:latin typeface="Arial"/>
+              <a:ea typeface="Arial"/>
+              <a:cs typeface="Arial"/>
+              <a:sym typeface="Arial"/>
+            </a:endParaRPr>
+          </a:p>
+        </p:txBody>
+      </p:sp>
+      <p:sp>
+        <p:nvSpPr>
+          <p:cNvPr id="77" name="Shape 77"/>
+          <p:cNvSpPr txBox="1"/>
+          <p:nvPr/>
+        </p:nvSpPr>
+        <p:spPr>
+          <a:xfrm>
+            <a:off x="73975" y="1255700"/>
+            <a:ext cx="9932700" cy="4464600"/>
+          </a:xfrm>
+          <a:prstGeom prst="rect">
+            <a:avLst/>
+          </a:prstGeom>
+          <a:noFill/>
+          <a:ln>
+            <a:noFill/>
+          </a:ln>
+        </p:spPr>
+        <p:txBody>
+          <a:bodyPr spcFirstLastPara="1" wrap="square" lIns="0" tIns="0" rIns="0" bIns="0" anchor="t" anchorCtr="0">
+            <a:noAutofit/>
+          </a:bodyPr>
+          <a:lstStyle/>
+          <a:p>
+            <a:pPr marL="0" marR="0" lvl="0" indent="0" algn="l" rtl="0">
+              <a:spcBef>
+                <a:spcPts val="0"/>
+              </a:spcBef>
+              <a:spcAft>
+                <a:spcPts val="0"/>
+              </a:spcAft>
+              <a:buNone/>
+            </a:pPr>
+            <a:r>
+              <a:rPr lang="es-EC" sz="1800" b="1" dirty="0"/>
+              <a:t>NO</a:t>
+            </a:r>
+            <a:r>
+              <a:rPr lang="es-EC" sz="1800" b="1" strike="noStrike" dirty="0">
+                <a:latin typeface="Arial"/>
+                <a:ea typeface="Arial"/>
+                <a:cs typeface="Arial"/>
+                <a:sym typeface="Arial"/>
+              </a:rPr>
+              <a:t>SQL</a:t>
+            </a:r>
+            <a:endParaRPr sz="1800" b="0" strike="noStrike" dirty="0">
+              <a:latin typeface="Arial"/>
+              <a:ea typeface="Arial"/>
+              <a:cs typeface="Arial"/>
+              <a:sym typeface="Arial"/>
+            </a:endParaRPr>
+          </a:p>
+          <a:p>
+            <a:pPr marL="285750" marR="0" lvl="0" indent="-285750" algn="l" rtl="0">
+              <a:spcBef>
+                <a:spcPts val="1148"/>
+              </a:spcBef>
+              <a:spcAft>
+                <a:spcPts val="0"/>
+              </a:spcAft>
+              <a:buFontTx/>
+              <a:buChar char="-"/>
+            </a:pPr>
+            <a:r>
+              <a:rPr lang="es-EC" sz="1800" b="1" strike="noStrike" dirty="0" smtClean="0">
+                <a:latin typeface="Arial"/>
+                <a:ea typeface="Arial"/>
+                <a:cs typeface="Arial"/>
+                <a:sym typeface="Arial"/>
+              </a:rPr>
+              <a:t>Ventajas</a:t>
+            </a:r>
+            <a:endParaRPr lang="es-EC" sz="1600" dirty="0"/>
+          </a:p>
+          <a:p>
+            <a:pPr marL="457200" lvl="4" indent="-342900">
+              <a:buSzPts val="1800"/>
+              <a:buFont typeface="Arial"/>
+              <a:buChar char="●"/>
+            </a:pPr>
+            <a:endParaRPr lang="es-EC" sz="1600" dirty="0" smtClean="0"/>
+          </a:p>
+          <a:p>
+            <a:pPr marL="457200" lvl="4" indent="-342900">
+              <a:buSzPts val="1800"/>
+              <a:buFont typeface="Arial"/>
+              <a:buChar char="●"/>
+            </a:pPr>
+            <a:r>
+              <a:rPr lang="es-EC" sz="1600" dirty="0"/>
+              <a:t>Manejan datos no estructurados (archivos de texto, correo electrónico, multimedia , etc.)</a:t>
+            </a:r>
+          </a:p>
+          <a:p>
+            <a:pPr marL="457200" lvl="4" indent="-342900">
+              <a:buSzPts val="1800"/>
+              <a:buFont typeface="Arial"/>
+              <a:buChar char="●"/>
+            </a:pPr>
+            <a:r>
+              <a:rPr lang="es-EC" sz="1600" dirty="0" smtClean="0"/>
+              <a:t>Son </a:t>
+            </a:r>
+            <a:r>
+              <a:rPr lang="es-EC" sz="1600" dirty="0"/>
+              <a:t>fáciles de usar para desarrolladores que no están familiarizados con el lenguaje de consulta estructurado</a:t>
+            </a:r>
+            <a:r>
+              <a:rPr lang="es-EC" sz="1600" dirty="0" smtClean="0"/>
+              <a:t>.</a:t>
+            </a:r>
+          </a:p>
+          <a:p>
+            <a:pPr marL="457200" lvl="4" indent="-342900">
+              <a:buSzPts val="1800"/>
+              <a:buFont typeface="Arial"/>
+              <a:buChar char="●"/>
+            </a:pPr>
+            <a:r>
+              <a:rPr lang="es-EC" sz="1600" dirty="0" smtClean="0"/>
+              <a:t>Funciona </a:t>
+            </a:r>
+            <a:r>
+              <a:rPr lang="es-EC" sz="1600" dirty="0"/>
+              <a:t>en un entorno distribuido. </a:t>
+            </a:r>
+            <a:endParaRPr sz="1600" dirty="0"/>
+          </a:p>
+          <a:p>
+            <a:pPr marL="457200" lvl="4" indent="-342900">
+              <a:buSzPts val="1800"/>
+              <a:buFont typeface="Arial"/>
+              <a:buChar char="●"/>
+            </a:pPr>
+            <a:r>
+              <a:rPr lang="es-EC" sz="1600" dirty="0" smtClean="0"/>
+              <a:t>Permiten </a:t>
+            </a:r>
+            <a:r>
+              <a:rPr lang="es-EC" sz="1600" dirty="0"/>
+              <a:t>un mejor rendimiento para las aplicaciones con grandes cantidades de datos.</a:t>
+            </a:r>
+            <a:endParaRPr sz="1600" dirty="0"/>
+          </a:p>
+          <a:p>
+            <a:pPr marL="457200" lvl="4" indent="-342900">
+              <a:buSzPts val="1800"/>
+              <a:buFont typeface="Arial"/>
+              <a:buChar char="●"/>
+            </a:pPr>
+            <a:r>
+              <a:rPr lang="es-EC" sz="1600" dirty="0"/>
+              <a:t>Generalmente procesan </a:t>
+            </a:r>
+            <a:r>
+              <a:rPr lang="es-EC" sz="1600" b="0" strike="noStrike" dirty="0">
+                <a:sym typeface="Arial"/>
+              </a:rPr>
+              <a:t>datos más rápido que las bases de datos relacionales.</a:t>
+            </a:r>
+            <a:endParaRPr sz="1600" b="0" strike="noStrike" dirty="0">
+              <a:sym typeface="Arial"/>
+            </a:endParaRPr>
+          </a:p>
+          <a:p>
+            <a:pPr marL="0" marR="0" lvl="0" indent="457200" algn="just" rtl="0">
+              <a:spcBef>
+                <a:spcPts val="0"/>
+              </a:spcBef>
+              <a:spcAft>
+                <a:spcPts val="0"/>
+              </a:spcAft>
+              <a:buNone/>
+            </a:pPr>
+            <a:endParaRPr sz="1600" b="0" strike="noStrike" dirty="0">
+              <a:sym typeface="Arial"/>
+            </a:endParaRPr>
+          </a:p>
+          <a:p>
+            <a:pPr marL="0" lvl="0" indent="0" rtl="0">
+              <a:spcBef>
+                <a:spcPts val="1148"/>
+              </a:spcBef>
+              <a:spcAft>
+                <a:spcPts val="0"/>
+              </a:spcAft>
+              <a:buNone/>
+            </a:pPr>
+            <a:r>
+              <a:rPr lang="es-EC" sz="1800" b="1" dirty="0">
+                <a:solidFill>
+                  <a:schemeClr val="dk1"/>
+                </a:solidFill>
+              </a:rPr>
+              <a:t>- Desventajas</a:t>
+            </a:r>
+            <a:endParaRPr sz="1800" b="1" dirty="0">
+              <a:solidFill>
+                <a:schemeClr val="dk1"/>
+              </a:solidFill>
+            </a:endParaRPr>
+          </a:p>
+          <a:p>
+            <a:pPr marL="457200" lvl="0" indent="-342900" algn="just" rtl="0">
+              <a:lnSpc>
+                <a:spcPct val="115000"/>
+              </a:lnSpc>
+              <a:spcBef>
+                <a:spcPts val="0"/>
+              </a:spcBef>
+              <a:spcAft>
+                <a:spcPts val="0"/>
               </a:spcAft>
               <a:buClr>
-                <a:srgbClr val="000000"/>
+                <a:schemeClr val="dk1"/>
               </a:buClr>
-              <a:buSzPct val="45000"/>
-              <a:buFont typeface="Wingdings" charset="2"/>
-              <a:buChar char=""/>
-            </a:pPr>
-            <a:r>
-              <a:rPr b="1" lang="es-EC" sz="2600" spc="-1" strike="noStrike">
-                <a:latin typeface="Arial"/>
-              </a:rPr>
-              <a:t>SQL</a:t>
-            </a:r>
-            <a:endParaRPr b="0" lang="es-EC" sz="2600" spc="-1" strike="noStrike">
-              <a:latin typeface="Arial"/>
-            </a:endParaRPr>
-          </a:p>
-          <a:p>
-            <a:r>
-              <a:rPr b="1" lang="es-EC" sz="2600" spc="-1" strike="noStrike">
-                <a:latin typeface="Arial"/>
-              </a:rPr>
-              <a:t>- Ventajas</a:t>
-            </a:r>
-            <a:endParaRPr b="0" lang="es-EC" sz="2600" spc="-1" strike="noStrike">
-              <a:latin typeface="Arial"/>
-            </a:endParaRPr>
-          </a:p>
-          <a:p>
-            <a:r>
-              <a:rPr b="0" lang="es-EC" sz="2600" spc="-1" strike="noStrike">
-                <a:latin typeface="Arial"/>
-              </a:rPr>
-              <a:t>         </a:t>
-            </a:r>
-            <a:r>
-              <a:rPr b="0" lang="es-EC" sz="2600" spc="-1" strike="noStrike">
-                <a:latin typeface="Arial"/>
-              </a:rPr>
-              <a:t>- Rápidos para operaciones complejas.</a:t>
-            </a:r>
-            <a:endParaRPr b="0" lang="es-EC" sz="2600" spc="-1" strike="noStrike">
-              <a:latin typeface="Arial"/>
-            </a:endParaRPr>
-          </a:p>
-          <a:p>
-            <a:r>
-              <a:rPr b="0" lang="es-EC" sz="2600" spc="-1" strike="noStrike">
-                <a:latin typeface="Arial"/>
-              </a:rPr>
-              <a:t>         </a:t>
-            </a:r>
-            <a:r>
-              <a:rPr b="0" lang="es-EC" sz="2600" spc="-1" strike="noStrike">
-                <a:latin typeface="Arial"/>
-              </a:rPr>
-              <a:t>- Mayores soportes dados por los fabricantes durante muchos años.</a:t>
-            </a:r>
-            <a:endParaRPr b="0" lang="es-EC" sz="2600" spc="-1" strike="noStrike">
-              <a:latin typeface="Arial"/>
-            </a:endParaRPr>
-          </a:p>
-          <a:p>
-            <a:r>
-              <a:rPr b="0" lang="es-EC" sz="2600" spc="-1" strike="noStrike">
-                <a:latin typeface="Arial"/>
-              </a:rPr>
-              <a:t>         </a:t>
-            </a:r>
-            <a:r>
-              <a:rPr b="0" lang="es-EC" sz="2600" spc="-1" strike="noStrike">
-                <a:latin typeface="Arial"/>
-              </a:rPr>
-              <a:t>- Atomocidad, o se hace la operación entera o no se la hace, se usa rollback.</a:t>
-            </a:r>
-            <a:endParaRPr b="0" lang="es-EC" sz="2600" spc="-1" strike="noStrike">
-              <a:latin typeface="Arial"/>
-            </a:endParaRPr>
-          </a:p>
-          <a:p>
-            <a:r>
-              <a:rPr b="0" lang="es-EC" sz="2600" spc="-1" strike="noStrike">
-                <a:latin typeface="Arial"/>
-              </a:rPr>
-              <a:t>         </a:t>
-            </a:r>
-            <a:r>
-              <a:rPr b="0" lang="es-EC" sz="2600" spc="-1" strike="noStrike">
-                <a:latin typeface="Arial"/>
-              </a:rPr>
-              <a:t>- Se exige requisitos de integridad en los datos.</a:t>
-            </a:r>
-            <a:endParaRPr b="0" lang="es-EC" sz="2600" spc="-1" strike="noStrike">
-              <a:latin typeface="Arial"/>
-            </a:endParaRPr>
-          </a:p>
-          <a:p>
-            <a:r>
-              <a:rPr b="1" lang="es-EC" sz="2600" spc="-1" strike="noStrike">
-                <a:latin typeface="Arial"/>
-              </a:rPr>
-              <a:t>- Desventajas</a:t>
-            </a:r>
-            <a:endParaRPr b="0" lang="es-EC" sz="2600" spc="-1" strike="noStrike">
-              <a:latin typeface="Arial"/>
-            </a:endParaRPr>
-          </a:p>
-          <a:p>
-            <a:r>
-              <a:rPr b="0" lang="es-EC" sz="2600" spc="-1" strike="noStrike">
-                <a:latin typeface="Arial"/>
-              </a:rPr>
-              <a:t>- Escalamiento, se requiere recursos costosos.</a:t>
-            </a:r>
-            <a:endParaRPr b="0" lang="es-EC" sz="2600" spc="-1" strike="noStrike">
-              <a:latin typeface="Arial"/>
-            </a:endParaRPr>
-          </a:p>
-          <a:p>
-            <a:r>
-              <a:rPr b="0" lang="es-EC" sz="2600" spc="-1" strike="noStrike">
-                <a:latin typeface="Arial"/>
-              </a:rPr>
-              <a:t>- Complejidad, se debe transformar los datos en tablas.</a:t>
-            </a:r>
-            <a:endParaRPr b="0" lang="es-EC" sz="2600" spc="-1" strike="noStrike">
-              <a:latin typeface="Arial"/>
-            </a:endParaRPr>
-          </a:p>
-          <a:p>
-            <a:r>
-              <a:rPr b="0" lang="es-EC" sz="2600" spc="-1" strike="noStrike">
-                <a:latin typeface="Arial"/>
-              </a:rPr>
-              <a:t>- SQL, es conveniente con datos estructurados, pero usar la información con otros tipos de estructura es dificultoso.</a:t>
-            </a:r>
-            <a:endParaRPr b="0" lang="es-EC" sz="2600" spc="-1" strike="noStrike">
-              <a:latin typeface="Arial"/>
-            </a:endParaRPr>
-          </a:p>
-          <a:p>
-            <a:r>
-              <a:rPr b="0" lang="es-EC" sz="2600" spc="-1" strike="noStrike">
-                <a:latin typeface="Arial"/>
-              </a:rPr>
-              <a:t>- Tiempo para instanciar la base el lento con respecto a los Nosql.</a:t>
-            </a:r>
-            <a:endParaRPr b="0" lang="es-EC" sz="2600" spc="-1" strike="noStrike">
-              <a:latin typeface="Arial"/>
-            </a:endParaRPr>
-          </a:p>
-          <a:p>
-            <a:r>
-              <a:rPr b="0" lang="es-EC" sz="2600" spc="-1" strike="noStrike">
-                <a:latin typeface="Arial"/>
-              </a:rPr>
-              <a:t>- Lento para escritura con respecto a la NoSQL</a:t>
-            </a:r>
-            <a:endParaRPr b="0" lang="es-EC" sz="2600" spc="-1" strike="noStrike">
-              <a:latin typeface="Arial"/>
-            </a:endParaRPr>
-          </a:p>
-          <a:p>
-            <a:r>
-              <a:rPr b="0" lang="es-EC" sz="2600" spc="-1" strike="noStrike">
-                <a:latin typeface="Arial"/>
-              </a:rPr>
-              <a:t>- </a:t>
-            </a:r>
-            <a:r>
-              <a:rPr b="0" lang="es-EC" sz="2600" spc="-1" strike="noStrike">
-                <a:latin typeface="Arial"/>
-              </a:rPr>
-              <a:t>Conjuntos de características, para mantener integridad de la información.</a:t>
-            </a:r>
-            <a:endParaRPr b="0" lang="es-EC" sz="2600" spc="-1" strike="noStrike">
-              <a:latin typeface="Arial"/>
-            </a:endParaRPr>
-          </a:p>
-          <a:p>
-            <a:endParaRPr b="0" lang="es-EC" sz="2600" spc="-1" strike="noStrike">
-              <a:latin typeface="Arial"/>
+              <a:buSzPts val="1800"/>
+              <a:buChar char="●"/>
+            </a:pPr>
+            <a:r>
+              <a:rPr lang="es-EC" sz="1800" dirty="0">
+                <a:solidFill>
+                  <a:schemeClr val="dk1"/>
+                </a:solidFill>
+              </a:rPr>
+              <a:t>No todas las </a:t>
+            </a:r>
+            <a:r>
+              <a:rPr lang="es-EC" sz="1800" dirty="0" err="1">
+                <a:solidFill>
+                  <a:schemeClr val="dk1"/>
+                </a:solidFill>
+              </a:rPr>
+              <a:t>NoSQL</a:t>
+            </a:r>
+            <a:r>
+              <a:rPr lang="es-EC" sz="1800" dirty="0">
+                <a:solidFill>
+                  <a:schemeClr val="dk1"/>
+                </a:solidFill>
+              </a:rPr>
+              <a:t> contemplan atomicidad de las instrucciones e integridad de los datos.</a:t>
+            </a:r>
+            <a:endParaRPr sz="1800" dirty="0">
+              <a:solidFill>
+                <a:schemeClr val="dk1"/>
+              </a:solidFill>
+            </a:endParaRPr>
+          </a:p>
+          <a:p>
+            <a:pPr marL="457200" lvl="0" indent="-342900" algn="just" rtl="0">
+              <a:lnSpc>
+                <a:spcPct val="115000"/>
+              </a:lnSpc>
+              <a:spcBef>
+                <a:spcPts val="0"/>
+              </a:spcBef>
+              <a:spcAft>
+                <a:spcPts val="0"/>
+              </a:spcAft>
+              <a:buClr>
+                <a:schemeClr val="dk1"/>
+              </a:buClr>
+              <a:buSzPts val="1800"/>
+              <a:buChar char="●"/>
+            </a:pPr>
+            <a:r>
+              <a:rPr lang="es-EC" sz="1800" dirty="0">
+                <a:solidFill>
+                  <a:schemeClr val="dk1"/>
+                </a:solidFill>
+              </a:rPr>
+              <a:t>Problemas de compatibilidad entre instrucciones SQL.</a:t>
+            </a:r>
+            <a:endParaRPr sz="1800" dirty="0">
+              <a:solidFill>
+                <a:schemeClr val="dk1"/>
+              </a:solidFill>
+            </a:endParaRPr>
+          </a:p>
+          <a:p>
+            <a:pPr marL="457200" lvl="0" indent="-342900" algn="just" rtl="0">
+              <a:lnSpc>
+                <a:spcPct val="115000"/>
+              </a:lnSpc>
+              <a:spcBef>
+                <a:spcPts val="0"/>
+              </a:spcBef>
+              <a:spcAft>
+                <a:spcPts val="0"/>
+              </a:spcAft>
+              <a:buClr>
+                <a:schemeClr val="dk1"/>
+              </a:buClr>
+              <a:buSzPts val="1800"/>
+              <a:buChar char="●"/>
+            </a:pPr>
+            <a:r>
+              <a:rPr lang="es-EC" sz="1800" dirty="0">
+                <a:solidFill>
+                  <a:schemeClr val="dk1"/>
+                </a:solidFill>
+              </a:rPr>
+              <a:t>Suelen tener herramientas de administración no muy usables o se accede por consola.</a:t>
+            </a:r>
+            <a:endParaRPr sz="1800" dirty="0">
+              <a:solidFill>
+                <a:schemeClr val="dk1"/>
+              </a:solidFill>
+            </a:endParaRPr>
+          </a:p>
+          <a:p>
+            <a:pPr marL="0" lvl="0" indent="0" rtl="0">
+              <a:spcBef>
+                <a:spcPts val="1148"/>
+              </a:spcBef>
+              <a:spcAft>
+                <a:spcPts val="0"/>
+              </a:spcAft>
+              <a:buClr>
+                <a:schemeClr val="dk1"/>
+              </a:buClr>
+              <a:buFont typeface="Arial"/>
+              <a:buNone/>
+            </a:pPr>
+            <a:endParaRPr sz="1800" b="1" dirty="0">
+              <a:solidFill>
+                <a:schemeClr val="dk1"/>
+              </a:solidFill>
             </a:endParaRPr>
           </a:p>
         </p:txBody>
       </p:sp>
     </p:spTree>
+    <p:extLst>
+      <p:ext uri="{BB962C8B-B14F-4D97-AF65-F5344CB8AC3E}">
+        <p14:creationId xmlns:p14="http://schemas.microsoft.com/office/powerpoint/2010/main" val="3628085003"/>
+      </p:ext>
+    </p:extLst>
   </p:cSld>
-  <p:timing>
-    <p:tnLst>
-      <p:par>
-        <p:cTn id="1" dur="indefinite" restart="never" nodeType="tmRoot">
-          <p:childTnLst>
-            <p:seq>
-              <p:cTn id="2" dur="indefinite" nodeType="mainSeq"/>
-              <p:prevCondLst>
-                <p:cond delay="0" evt="onPrev">
-                  <p:tgtEl>
-                    <p:sldTgt/>
-                  </p:tgtEl>
-                </p:cond>
-              </p:prevCondLst>
-              <p:nextCondLst>
-                <p:cond delay="0" evt="onNext">
-                  <p:tgtEl>
-                    <p:sldTgt/>
-                  </p:tgtEl>
-                </p:cond>
-              </p:nextCondLst>
-            </p:seq>
-          </p:childTnLst>
-        </p:cTn>
-      </p:par>
-    </p:tnLst>
-  </p:timing>
+  <p:clrMapOvr>
+    <a:masterClrMapping/>
+  </p:clrMapOvr>
+</p:sld>
+</file>
+
+<file path=ppt/slides/slide4.xml><?xml version="1.0" encoding="utf-8"?>
+<p:sld xmlns:a="http://schemas.openxmlformats.org/drawingml/2006/main" xmlns:r="http://schemas.openxmlformats.org/officeDocument/2006/relationships" xmlns:p="http://schemas.openxmlformats.org/presentationml/2006/main">
+  <p:cSld>
+    <p:spTree>
+      <p:nvGrpSpPr>
+        <p:cNvPr id="1" name="Shape 81"/>
+        <p:cNvGrpSpPr/>
+        <p:nvPr/>
+      </p:nvGrpSpPr>
+      <p:grpSpPr>
+        <a:xfrm>
+          <a:off x="0" y="0"/>
+          <a:ext cx="0" cy="0"/>
+          <a:chOff x="0" y="0"/>
+          <a:chExt cx="0" cy="0"/>
+        </a:xfrm>
+      </p:grpSpPr>
+      <p:sp>
+        <p:nvSpPr>
+          <p:cNvPr id="82" name="Shape 82"/>
+          <p:cNvSpPr txBox="1">
+            <a:spLocks noGrp="1"/>
+          </p:cNvSpPr>
+          <p:nvPr>
+            <p:ph type="title"/>
+          </p:nvPr>
+        </p:nvSpPr>
+        <p:spPr>
+          <a:xfrm>
+            <a:off x="504000" y="216000"/>
+            <a:ext cx="7020000" cy="936000"/>
+          </a:xfrm>
+          <a:prstGeom prst="rect">
+            <a:avLst/>
+          </a:prstGeom>
+        </p:spPr>
+        <p:txBody>
+          <a:bodyPr spcFirstLastPara="1" wrap="square" lIns="91425" tIns="91425" rIns="91425" bIns="91425" anchor="ctr" anchorCtr="0">
+            <a:noAutofit/>
+          </a:bodyPr>
+          <a:lstStyle/>
+          <a:p>
+            <a:pPr marL="0" lvl="0" indent="0">
+              <a:spcBef>
+                <a:spcPts val="0"/>
+              </a:spcBef>
+              <a:spcAft>
+                <a:spcPts val="0"/>
+              </a:spcAft>
+              <a:buClr>
+                <a:schemeClr val="dk1"/>
+              </a:buClr>
+              <a:buFont typeface="Arial"/>
+              <a:buNone/>
+            </a:pPr>
+            <a:r>
+              <a:rPr lang="es-EC" sz="3570" dirty="0">
+                <a:solidFill>
+                  <a:schemeClr val="lt1"/>
+                </a:solidFill>
+              </a:rPr>
+              <a:t>Resumen del trabajo</a:t>
+            </a:r>
+            <a:endParaRPr dirty="0"/>
+          </a:p>
+        </p:txBody>
+      </p:sp>
+      <p:sp>
+        <p:nvSpPr>
+          <p:cNvPr id="83" name="Shape 83"/>
+          <p:cNvSpPr txBox="1">
+            <a:spLocks noGrp="1"/>
+          </p:cNvSpPr>
+          <p:nvPr>
+            <p:ph type="body" idx="4294967295"/>
+          </p:nvPr>
+        </p:nvSpPr>
+        <p:spPr>
+          <a:xfrm>
+            <a:off x="504000" y="1195900"/>
+            <a:ext cx="9072000" cy="4375200"/>
+          </a:xfrm>
+          <a:prstGeom prst="rect">
+            <a:avLst/>
+          </a:prstGeom>
+        </p:spPr>
+        <p:txBody>
+          <a:bodyPr spcFirstLastPara="1" wrap="square" lIns="91425" tIns="91425" rIns="91425" bIns="91425" anchor="t" anchorCtr="0">
+            <a:noAutofit/>
+          </a:bodyPr>
+          <a:lstStyle/>
+          <a:p>
+            <a:pPr marL="0" lvl="0" indent="0">
+              <a:spcBef>
+                <a:spcPts val="0"/>
+              </a:spcBef>
+              <a:spcAft>
+                <a:spcPts val="0"/>
+              </a:spcAft>
+              <a:buNone/>
+            </a:pPr>
+            <a:r>
+              <a:rPr lang="es-EC" b="1" dirty="0"/>
+              <a:t>Ejemplos</a:t>
+            </a:r>
+            <a:endParaRPr b="1" dirty="0"/>
+          </a:p>
+          <a:p>
+            <a:pPr marL="0" lvl="0" indent="0">
+              <a:spcBef>
+                <a:spcPts val="0"/>
+              </a:spcBef>
+              <a:spcAft>
+                <a:spcPts val="0"/>
+              </a:spcAft>
+              <a:buNone/>
+            </a:pPr>
+            <a:endParaRPr b="1" dirty="0"/>
+          </a:p>
+          <a:p>
+            <a:pPr marL="0" lvl="0" indent="0">
+              <a:spcBef>
+                <a:spcPts val="0"/>
+              </a:spcBef>
+              <a:spcAft>
+                <a:spcPts val="0"/>
+              </a:spcAft>
+              <a:buNone/>
+            </a:pPr>
+            <a:r>
+              <a:rPr lang="es-EC" sz="2000" b="1" dirty="0"/>
+              <a:t>Bases de datos SQL</a:t>
+            </a:r>
+            <a:endParaRPr sz="2000" b="1" dirty="0"/>
+          </a:p>
+          <a:p>
+            <a:pPr marL="457200" lvl="0" indent="-317500" rtl="0">
+              <a:spcBef>
+                <a:spcPts val="0"/>
+              </a:spcBef>
+              <a:spcAft>
+                <a:spcPts val="0"/>
+              </a:spcAft>
+              <a:buSzPts val="1400"/>
+              <a:buChar char="●"/>
+            </a:pPr>
+            <a:r>
+              <a:rPr lang="es-EC" sz="1600" dirty="0"/>
+              <a:t>Oracle</a:t>
+            </a:r>
+            <a:endParaRPr sz="1600" dirty="0"/>
+          </a:p>
+          <a:p>
+            <a:pPr marL="457200" lvl="0" indent="-317500" rtl="0">
+              <a:spcBef>
+                <a:spcPts val="0"/>
+              </a:spcBef>
+              <a:spcAft>
+                <a:spcPts val="0"/>
+              </a:spcAft>
+              <a:buSzPts val="1400"/>
+              <a:buChar char="●"/>
+            </a:pPr>
+            <a:r>
+              <a:rPr lang="es-EC" sz="1600" dirty="0" err="1"/>
+              <a:t>MySql</a:t>
+            </a:r>
+            <a:endParaRPr sz="1600" dirty="0"/>
+          </a:p>
+          <a:p>
+            <a:pPr marL="457200" lvl="0" indent="-317500" rtl="0">
+              <a:spcBef>
+                <a:spcPts val="0"/>
+              </a:spcBef>
+              <a:spcAft>
+                <a:spcPts val="0"/>
+              </a:spcAft>
+              <a:buSzPts val="1400"/>
+              <a:buChar char="●"/>
+            </a:pPr>
+            <a:r>
+              <a:rPr lang="es-EC" sz="1600" dirty="0" err="1"/>
+              <a:t>Sql</a:t>
+            </a:r>
+            <a:r>
+              <a:rPr lang="es-EC" sz="1600" dirty="0"/>
+              <a:t> Server</a:t>
+            </a:r>
+            <a:endParaRPr sz="1600" dirty="0"/>
+          </a:p>
+          <a:p>
+            <a:pPr marL="0" lvl="0" indent="0">
+              <a:spcBef>
+                <a:spcPts val="0"/>
+              </a:spcBef>
+              <a:spcAft>
+                <a:spcPts val="0"/>
+              </a:spcAft>
+              <a:buNone/>
+            </a:pPr>
+            <a:endParaRPr dirty="0"/>
+          </a:p>
+          <a:p>
+            <a:pPr marL="0" lvl="0" indent="0">
+              <a:spcBef>
+                <a:spcPts val="0"/>
+              </a:spcBef>
+              <a:spcAft>
+                <a:spcPts val="0"/>
+              </a:spcAft>
+              <a:buNone/>
+            </a:pPr>
+            <a:endParaRPr dirty="0"/>
+          </a:p>
+          <a:p>
+            <a:pPr marL="0" lvl="0" indent="0">
+              <a:spcBef>
+                <a:spcPts val="0"/>
+              </a:spcBef>
+              <a:spcAft>
+                <a:spcPts val="0"/>
+              </a:spcAft>
+              <a:buNone/>
+            </a:pPr>
+            <a:r>
+              <a:rPr lang="es-EC" sz="2000" b="1" dirty="0"/>
+              <a:t>Bases de datos </a:t>
+            </a:r>
+            <a:r>
+              <a:rPr lang="es-EC" sz="2000" b="1" dirty="0" err="1" smtClean="0"/>
+              <a:t>NoSQL</a:t>
+            </a:r>
+            <a:endParaRPr dirty="0"/>
+          </a:p>
+          <a:p>
+            <a:pPr marL="457200" lvl="0" indent="-317500">
+              <a:spcBef>
+                <a:spcPts val="0"/>
+              </a:spcBef>
+              <a:spcAft>
+                <a:spcPts val="0"/>
+              </a:spcAft>
+              <a:buSzPts val="1400"/>
+              <a:buChar char="●"/>
+            </a:pPr>
+            <a:r>
+              <a:rPr lang="es-EC" sz="1600" dirty="0" err="1"/>
+              <a:t>Cassandra</a:t>
+            </a:r>
+            <a:endParaRPr sz="1600" dirty="0"/>
+          </a:p>
+          <a:p>
+            <a:pPr marL="457200" lvl="0" indent="-317500" rtl="0">
+              <a:spcBef>
+                <a:spcPts val="0"/>
+              </a:spcBef>
+              <a:spcAft>
+                <a:spcPts val="0"/>
+              </a:spcAft>
+              <a:buSzPts val="1400"/>
+              <a:buChar char="●"/>
+            </a:pPr>
+            <a:r>
+              <a:rPr lang="es-EC" sz="1600" dirty="0"/>
+              <a:t>Mongo DB</a:t>
+            </a:r>
+            <a:endParaRPr sz="1600" dirty="0"/>
+          </a:p>
+          <a:p>
+            <a:pPr marL="457200" lvl="0" indent="-317500" rtl="0">
+              <a:spcBef>
+                <a:spcPts val="0"/>
+              </a:spcBef>
+              <a:spcAft>
+                <a:spcPts val="0"/>
+              </a:spcAft>
+              <a:buClr>
+                <a:schemeClr val="dk1"/>
+              </a:buClr>
+              <a:buSzPts val="1400"/>
+              <a:buChar char="●"/>
+            </a:pPr>
+            <a:r>
+              <a:rPr lang="es-EC" sz="1600" dirty="0" err="1">
+                <a:solidFill>
+                  <a:schemeClr val="dk1"/>
+                </a:solidFill>
+              </a:rPr>
+              <a:t>CouchDB</a:t>
+            </a:r>
+            <a:endParaRPr sz="1600" dirty="0"/>
+          </a:p>
+          <a:p>
+            <a:pPr marL="457200" lvl="0" indent="-317500">
+              <a:spcBef>
+                <a:spcPts val="0"/>
+              </a:spcBef>
+              <a:spcAft>
+                <a:spcPts val="0"/>
+              </a:spcAft>
+              <a:buSzPts val="1400"/>
+              <a:buChar char="●"/>
+            </a:pPr>
+            <a:r>
+              <a:rPr lang="es-EC" sz="1600" dirty="0" err="1"/>
+              <a:t>Redis</a:t>
+            </a:r>
+            <a:endParaRPr sz="1600" dirty="0"/>
+          </a:p>
+          <a:p>
+            <a:pPr marL="0" lvl="0" indent="0">
+              <a:spcBef>
+                <a:spcPts val="0"/>
+              </a:spcBef>
+              <a:spcAft>
+                <a:spcPts val="0"/>
+              </a:spcAft>
+              <a:buNone/>
+            </a:pPr>
+            <a:endParaRPr dirty="0"/>
+          </a:p>
+        </p:txBody>
+      </p:sp>
+    </p:spTree>
+    <p:extLst>
+      <p:ext uri="{BB962C8B-B14F-4D97-AF65-F5344CB8AC3E}">
+        <p14:creationId xmlns:p14="http://schemas.microsoft.com/office/powerpoint/2010/main" val="3910172411"/>
+      </p:ext>
+    </p:extLst>
+  </p:cSld>
+  <p:clrMapOvr>
+    <a:masterClrMapping/>
+  </p:clrMapOvr>
+</p:sld>
+</file>
+
+<file path=ppt/slides/slide5.xml><?xml version="1.0" encoding="utf-8"?>
+<p:sld xmlns:a="http://schemas.openxmlformats.org/drawingml/2006/main" xmlns:r="http://schemas.openxmlformats.org/officeDocument/2006/relationships" xmlns:p="http://schemas.openxmlformats.org/presentationml/2006/main">
+  <p:cSld>
+    <p:spTree>
+      <p:nvGrpSpPr>
+        <p:cNvPr id="1" name="Shape 87"/>
+        <p:cNvGrpSpPr/>
+        <p:nvPr/>
+      </p:nvGrpSpPr>
+      <p:grpSpPr>
+        <a:xfrm>
+          <a:off x="0" y="0"/>
+          <a:ext cx="0" cy="0"/>
+          <a:chOff x="0" y="0"/>
+          <a:chExt cx="0" cy="0"/>
+        </a:xfrm>
+      </p:grpSpPr>
+      <p:sp>
+        <p:nvSpPr>
+          <p:cNvPr id="88" name="Shape 88"/>
+          <p:cNvSpPr txBox="1">
+            <a:spLocks noGrp="1"/>
+          </p:cNvSpPr>
+          <p:nvPr>
+            <p:ph type="title"/>
+          </p:nvPr>
+        </p:nvSpPr>
+        <p:spPr>
+          <a:xfrm>
+            <a:off x="101600" y="216000"/>
+            <a:ext cx="7422400" cy="806400"/>
+          </a:xfrm>
+          <a:prstGeom prst="rect">
+            <a:avLst/>
+          </a:prstGeom>
+        </p:spPr>
+        <p:txBody>
+          <a:bodyPr spcFirstLastPara="1" wrap="square" lIns="91425" tIns="91425" rIns="91425" bIns="91425" anchor="ctr" anchorCtr="0">
+            <a:noAutofit/>
+          </a:bodyPr>
+          <a:lstStyle/>
+          <a:p>
+            <a:pPr marL="0" lvl="0" indent="0">
+              <a:spcBef>
+                <a:spcPts val="0"/>
+              </a:spcBef>
+              <a:spcAft>
+                <a:spcPts val="0"/>
+              </a:spcAft>
+              <a:buNone/>
+            </a:pPr>
+            <a:r>
+              <a:rPr lang="es-EC" sz="2800" dirty="0">
+                <a:solidFill>
+                  <a:srgbClr val="FFFFFF"/>
+                </a:solidFill>
+              </a:rPr>
+              <a:t>Rendimientos en las bases de SQL y </a:t>
+            </a:r>
+            <a:r>
+              <a:rPr lang="es-EC" sz="2800" dirty="0" err="1">
+                <a:solidFill>
+                  <a:srgbClr val="FFFFFF"/>
+                </a:solidFill>
+              </a:rPr>
+              <a:t>NoSQL</a:t>
+            </a:r>
+            <a:endParaRPr sz="2800" dirty="0">
+              <a:solidFill>
+                <a:srgbClr val="FFFFFF"/>
+              </a:solidFill>
+            </a:endParaRPr>
+          </a:p>
+        </p:txBody>
+      </p:sp>
+      <p:sp>
+        <p:nvSpPr>
+          <p:cNvPr id="89" name="Shape 89"/>
+          <p:cNvSpPr txBox="1">
+            <a:spLocks noGrp="1"/>
+          </p:cNvSpPr>
+          <p:nvPr>
+            <p:ph type="body" idx="4294967295"/>
+          </p:nvPr>
+        </p:nvSpPr>
+        <p:spPr>
+          <a:xfrm>
+            <a:off x="344750" y="1176900"/>
+            <a:ext cx="9391500" cy="4398600"/>
+          </a:xfrm>
+          <a:prstGeom prst="rect">
+            <a:avLst/>
+          </a:prstGeom>
+        </p:spPr>
+        <p:txBody>
+          <a:bodyPr spcFirstLastPara="1" wrap="square" lIns="91425" tIns="91425" rIns="91425" bIns="91425" anchor="t" anchorCtr="0">
+            <a:noAutofit/>
+          </a:bodyPr>
+          <a:lstStyle/>
+          <a:p>
+            <a:pPr marL="0" lvl="0" indent="0">
+              <a:spcBef>
+                <a:spcPts val="0"/>
+              </a:spcBef>
+              <a:spcAft>
+                <a:spcPts val="0"/>
+              </a:spcAft>
+              <a:buNone/>
+            </a:pPr>
+            <a:endParaRPr lang="es-EC" sz="1600" b="1" dirty="0" smtClean="0"/>
+          </a:p>
+          <a:p>
+            <a:pPr marL="0" lvl="0" indent="0">
+              <a:spcBef>
+                <a:spcPts val="0"/>
+              </a:spcBef>
+              <a:spcAft>
+                <a:spcPts val="0"/>
+              </a:spcAft>
+              <a:buNone/>
+            </a:pPr>
+            <a:r>
+              <a:rPr lang="es-EC" sz="1600" b="1" dirty="0" smtClean="0"/>
+              <a:t>Levantar </a:t>
+            </a:r>
+            <a:r>
+              <a:rPr lang="es-EC" sz="1600" b="1" dirty="0"/>
+              <a:t>instancias:</a:t>
+            </a:r>
+            <a:endParaRPr sz="1600" b="1" dirty="0"/>
+          </a:p>
+          <a:p>
+            <a:pPr marL="0" lvl="0" indent="0">
+              <a:spcBef>
+                <a:spcPts val="0"/>
+              </a:spcBef>
+              <a:spcAft>
+                <a:spcPts val="0"/>
+              </a:spcAft>
+              <a:buNone/>
+            </a:pPr>
+            <a:r>
+              <a:rPr lang="es-EC" sz="1600" dirty="0"/>
+              <a:t>	Mejor Tiempo: </a:t>
+            </a:r>
+            <a:r>
+              <a:rPr lang="es-EC" sz="1600" dirty="0" err="1"/>
+              <a:t>MongoDB</a:t>
+            </a:r>
+            <a:r>
+              <a:rPr lang="es-EC" sz="1600" dirty="0"/>
+              <a:t> (</a:t>
+            </a:r>
+            <a:r>
+              <a:rPr lang="es-EC" sz="1600" dirty="0" err="1"/>
+              <a:t>NoSql</a:t>
+            </a:r>
+            <a:r>
+              <a:rPr lang="es-EC" sz="1600" dirty="0"/>
+              <a:t>): Promedio </a:t>
+            </a:r>
+            <a:r>
+              <a:rPr lang="es-EC" sz="1600" dirty="0" err="1"/>
+              <a:t>aprox</a:t>
+            </a:r>
+            <a:r>
+              <a:rPr lang="es-EC" sz="1600" dirty="0"/>
+              <a:t> 30ms</a:t>
+            </a:r>
+            <a:endParaRPr sz="1600" dirty="0"/>
+          </a:p>
+          <a:p>
+            <a:pPr marL="0" lvl="0" indent="0">
+              <a:spcBef>
+                <a:spcPts val="0"/>
+              </a:spcBef>
+              <a:spcAft>
+                <a:spcPts val="0"/>
+              </a:spcAft>
+              <a:buNone/>
+            </a:pPr>
+            <a:r>
+              <a:rPr lang="es-EC" sz="1600" dirty="0"/>
+              <a:t>	Peor Tiempo: SQL Server (SQL): Promedio </a:t>
+            </a:r>
+            <a:r>
+              <a:rPr lang="es-EC" sz="1600" dirty="0" err="1"/>
+              <a:t>aprox</a:t>
+            </a:r>
+            <a:r>
+              <a:rPr lang="es-EC" sz="1600" dirty="0"/>
+              <a:t> 1700ms</a:t>
+            </a:r>
+            <a:endParaRPr sz="1600" dirty="0"/>
+          </a:p>
+          <a:p>
+            <a:pPr marL="0" lvl="0" indent="0">
+              <a:spcBef>
+                <a:spcPts val="0"/>
+              </a:spcBef>
+              <a:spcAft>
+                <a:spcPts val="0"/>
+              </a:spcAft>
+              <a:buNone/>
+            </a:pPr>
+            <a:r>
+              <a:rPr lang="es-EC" sz="1600" b="1" dirty="0"/>
+              <a:t>Tiempos de Lectura:</a:t>
+            </a:r>
+            <a:endParaRPr sz="1600" b="1" dirty="0"/>
+          </a:p>
+          <a:p>
+            <a:pPr marL="0" lvl="0" indent="457200">
+              <a:spcBef>
+                <a:spcPts val="0"/>
+              </a:spcBef>
+              <a:spcAft>
+                <a:spcPts val="0"/>
+              </a:spcAft>
+              <a:buClr>
+                <a:schemeClr val="dk1"/>
+              </a:buClr>
+              <a:buSzPts val="1100"/>
+              <a:buFont typeface="Arial"/>
+              <a:buNone/>
+            </a:pPr>
+            <a:r>
+              <a:rPr lang="es-EC" sz="1600" dirty="0">
+                <a:solidFill>
+                  <a:schemeClr val="dk1"/>
+                </a:solidFill>
+              </a:rPr>
+              <a:t>Mejor Tiempo: </a:t>
+            </a:r>
+            <a:r>
+              <a:rPr lang="es-EC" sz="1600" dirty="0" err="1">
+                <a:solidFill>
+                  <a:schemeClr val="dk1"/>
+                </a:solidFill>
+              </a:rPr>
+              <a:t>Couchbase</a:t>
+            </a:r>
+            <a:r>
+              <a:rPr lang="es-EC" sz="1600" dirty="0">
+                <a:solidFill>
+                  <a:schemeClr val="dk1"/>
+                </a:solidFill>
+              </a:rPr>
+              <a:t> (</a:t>
+            </a:r>
+            <a:r>
+              <a:rPr lang="es-EC" sz="1600" dirty="0" err="1">
+                <a:solidFill>
+                  <a:schemeClr val="dk1"/>
+                </a:solidFill>
+              </a:rPr>
+              <a:t>NoSql</a:t>
+            </a:r>
+            <a:r>
+              <a:rPr lang="es-EC" sz="1600" dirty="0">
+                <a:solidFill>
+                  <a:schemeClr val="dk1"/>
+                </a:solidFill>
+              </a:rPr>
+              <a:t>): Promedio </a:t>
+            </a:r>
+            <a:r>
+              <a:rPr lang="es-EC" sz="1600" dirty="0" err="1">
+                <a:solidFill>
+                  <a:schemeClr val="dk1"/>
+                </a:solidFill>
+              </a:rPr>
+              <a:t>aprox</a:t>
+            </a:r>
+            <a:r>
+              <a:rPr lang="es-EC" sz="1600" dirty="0">
+                <a:solidFill>
+                  <a:schemeClr val="dk1"/>
+                </a:solidFill>
+              </a:rPr>
+              <a:t> 7244ms en 100mil operaciones</a:t>
+            </a:r>
+            <a:endParaRPr sz="1600" dirty="0">
+              <a:solidFill>
+                <a:schemeClr val="dk1"/>
+              </a:solidFill>
+            </a:endParaRPr>
+          </a:p>
+          <a:p>
+            <a:pPr marL="0" lvl="0" indent="0">
+              <a:spcBef>
+                <a:spcPts val="0"/>
+              </a:spcBef>
+              <a:spcAft>
+                <a:spcPts val="0"/>
+              </a:spcAft>
+              <a:buClr>
+                <a:schemeClr val="dk1"/>
+              </a:buClr>
+              <a:buSzPts val="1100"/>
+              <a:buFont typeface="Arial"/>
+              <a:buNone/>
+            </a:pPr>
+            <a:r>
+              <a:rPr lang="es-EC" sz="1600" dirty="0">
+                <a:solidFill>
+                  <a:schemeClr val="dk1"/>
+                </a:solidFill>
+              </a:rPr>
+              <a:t>	Peor Tiempo: </a:t>
+            </a:r>
+            <a:r>
+              <a:rPr lang="es-EC" sz="1600" dirty="0" err="1">
+                <a:solidFill>
+                  <a:schemeClr val="dk1"/>
+                </a:solidFill>
+              </a:rPr>
+              <a:t>RavenDB</a:t>
+            </a:r>
+            <a:r>
+              <a:rPr lang="es-EC" sz="1600" dirty="0">
+                <a:solidFill>
+                  <a:schemeClr val="dk1"/>
+                </a:solidFill>
+              </a:rPr>
+              <a:t> (</a:t>
+            </a:r>
+            <a:r>
+              <a:rPr lang="es-EC" sz="1600" dirty="0" err="1">
+                <a:solidFill>
+                  <a:schemeClr val="dk1"/>
+                </a:solidFill>
+              </a:rPr>
+              <a:t>NoSql</a:t>
+            </a:r>
+            <a:r>
+              <a:rPr lang="es-EC" sz="1600" dirty="0">
+                <a:solidFill>
+                  <a:schemeClr val="dk1"/>
+                </a:solidFill>
+              </a:rPr>
+              <a:t>): Promedio </a:t>
+            </a:r>
+            <a:r>
+              <a:rPr lang="es-EC" sz="1600" dirty="0" err="1">
+                <a:solidFill>
+                  <a:schemeClr val="dk1"/>
+                </a:solidFill>
+              </a:rPr>
+              <a:t>aprox</a:t>
+            </a:r>
+            <a:r>
+              <a:rPr lang="es-EC" sz="1600" dirty="0">
+                <a:solidFill>
+                  <a:schemeClr val="dk1"/>
+                </a:solidFill>
+              </a:rPr>
+              <a:t> 426505ms en 100mil operaciones</a:t>
+            </a:r>
+            <a:endParaRPr sz="1600" dirty="0">
+              <a:solidFill>
+                <a:schemeClr val="dk1"/>
+              </a:solidFill>
+            </a:endParaRPr>
+          </a:p>
+          <a:p>
+            <a:pPr marL="0" lvl="0" indent="0">
+              <a:spcBef>
+                <a:spcPts val="0"/>
+              </a:spcBef>
+              <a:spcAft>
+                <a:spcPts val="0"/>
+              </a:spcAft>
+              <a:buNone/>
+            </a:pPr>
+            <a:r>
+              <a:rPr lang="es-EC" sz="1600" b="1" dirty="0"/>
+              <a:t>Tiempos de Escritura:</a:t>
+            </a:r>
+            <a:endParaRPr sz="1600" b="1" dirty="0"/>
+          </a:p>
+          <a:p>
+            <a:pPr marL="0" lvl="0" indent="0">
+              <a:spcBef>
+                <a:spcPts val="0"/>
+              </a:spcBef>
+              <a:spcAft>
+                <a:spcPts val="0"/>
+              </a:spcAft>
+              <a:buNone/>
+            </a:pPr>
+            <a:r>
+              <a:rPr lang="es-EC" sz="1600" b="1" dirty="0"/>
+              <a:t>	</a:t>
+            </a:r>
+            <a:r>
+              <a:rPr lang="es-EC" sz="1600" dirty="0">
+                <a:solidFill>
+                  <a:schemeClr val="dk1"/>
+                </a:solidFill>
+              </a:rPr>
+              <a:t>Mejor Tiempo: </a:t>
+            </a:r>
+            <a:r>
+              <a:rPr lang="es-EC" sz="1600" dirty="0" err="1">
+                <a:solidFill>
+                  <a:schemeClr val="dk1"/>
+                </a:solidFill>
+              </a:rPr>
+              <a:t>Couchbase</a:t>
+            </a:r>
+            <a:r>
+              <a:rPr lang="es-EC" sz="1600" dirty="0">
+                <a:solidFill>
+                  <a:schemeClr val="dk1"/>
+                </a:solidFill>
+              </a:rPr>
+              <a:t> (</a:t>
+            </a:r>
+            <a:r>
+              <a:rPr lang="es-EC" sz="1600" dirty="0" err="1">
+                <a:solidFill>
+                  <a:schemeClr val="dk1"/>
+                </a:solidFill>
+              </a:rPr>
+              <a:t>NoSql</a:t>
+            </a:r>
+            <a:r>
+              <a:rPr lang="es-EC" sz="1600" dirty="0">
+                <a:solidFill>
+                  <a:schemeClr val="dk1"/>
+                </a:solidFill>
+              </a:rPr>
+              <a:t>): Promedio </a:t>
+            </a:r>
+            <a:r>
+              <a:rPr lang="es-EC" sz="1600" dirty="0" err="1">
+                <a:solidFill>
+                  <a:schemeClr val="dk1"/>
+                </a:solidFill>
+              </a:rPr>
+              <a:t>aprox</a:t>
+            </a:r>
+            <a:r>
+              <a:rPr lang="es-EC" sz="1600" dirty="0">
+                <a:solidFill>
+                  <a:schemeClr val="dk1"/>
+                </a:solidFill>
+              </a:rPr>
+              <a:t> 8492ms en 100mil operaciones</a:t>
+            </a:r>
+            <a:endParaRPr sz="1600" dirty="0">
+              <a:solidFill>
+                <a:schemeClr val="dk1"/>
+              </a:solidFill>
+            </a:endParaRPr>
+          </a:p>
+          <a:p>
+            <a:pPr marL="0" lvl="0" indent="0">
+              <a:spcBef>
+                <a:spcPts val="0"/>
+              </a:spcBef>
+              <a:spcAft>
+                <a:spcPts val="0"/>
+              </a:spcAft>
+              <a:buClr>
+                <a:schemeClr val="dk1"/>
+              </a:buClr>
+              <a:buSzPts val="1100"/>
+              <a:buFont typeface="Arial"/>
+              <a:buNone/>
+            </a:pPr>
+            <a:r>
+              <a:rPr lang="es-EC" sz="1600" dirty="0">
+                <a:solidFill>
+                  <a:schemeClr val="dk1"/>
+                </a:solidFill>
+              </a:rPr>
+              <a:t>	Peor Tiempo: </a:t>
+            </a:r>
+            <a:r>
+              <a:rPr lang="es-EC" sz="1600" dirty="0" err="1">
+                <a:solidFill>
+                  <a:schemeClr val="dk1"/>
+                </a:solidFill>
+              </a:rPr>
+              <a:t>CouchDB</a:t>
+            </a:r>
+            <a:r>
+              <a:rPr lang="es-EC" sz="1600" dirty="0">
+                <a:solidFill>
+                  <a:schemeClr val="dk1"/>
+                </a:solidFill>
+              </a:rPr>
+              <a:t> (</a:t>
+            </a:r>
+            <a:r>
+              <a:rPr lang="es-EC" sz="1600" dirty="0" err="1">
+                <a:solidFill>
+                  <a:schemeClr val="dk1"/>
+                </a:solidFill>
+              </a:rPr>
+              <a:t>NoSql</a:t>
+            </a:r>
+            <a:r>
+              <a:rPr lang="es-EC" sz="1600" dirty="0">
+                <a:solidFill>
+                  <a:schemeClr val="dk1"/>
+                </a:solidFill>
+              </a:rPr>
+              <a:t>): Promedio </a:t>
+            </a:r>
+            <a:r>
+              <a:rPr lang="es-EC" sz="1600" dirty="0" err="1">
+                <a:solidFill>
+                  <a:schemeClr val="dk1"/>
+                </a:solidFill>
+              </a:rPr>
+              <a:t>aprox</a:t>
+            </a:r>
+            <a:r>
+              <a:rPr lang="es-EC" sz="1600" dirty="0">
+                <a:solidFill>
+                  <a:schemeClr val="dk1"/>
+                </a:solidFill>
+              </a:rPr>
+              <a:t> 932038ms en 100mil operaciones</a:t>
+            </a:r>
+            <a:endParaRPr sz="1600" b="1" dirty="0"/>
+          </a:p>
+          <a:p>
+            <a:pPr marL="0" lvl="0" indent="0">
+              <a:spcBef>
+                <a:spcPts val="0"/>
+              </a:spcBef>
+              <a:spcAft>
+                <a:spcPts val="0"/>
+              </a:spcAft>
+              <a:buNone/>
+            </a:pPr>
+            <a:r>
+              <a:rPr lang="es-EC" sz="1600" b="1" dirty="0"/>
+              <a:t>Tiempos para borrado:</a:t>
+            </a:r>
+            <a:endParaRPr sz="1600" b="1" dirty="0"/>
+          </a:p>
+          <a:p>
+            <a:pPr marL="0" lvl="0" indent="457200">
+              <a:spcBef>
+                <a:spcPts val="0"/>
+              </a:spcBef>
+              <a:spcAft>
+                <a:spcPts val="0"/>
+              </a:spcAft>
+              <a:buClr>
+                <a:schemeClr val="dk1"/>
+              </a:buClr>
+              <a:buSzPts val="1100"/>
+              <a:buFont typeface="Arial"/>
+              <a:buNone/>
+            </a:pPr>
+            <a:r>
+              <a:rPr lang="es-EC" sz="1600" dirty="0">
+                <a:solidFill>
+                  <a:schemeClr val="dk1"/>
+                </a:solidFill>
+              </a:rPr>
+              <a:t>Mejor Tiempo: </a:t>
+            </a:r>
+            <a:r>
+              <a:rPr lang="es-EC" sz="1600" dirty="0" err="1">
+                <a:solidFill>
+                  <a:schemeClr val="dk1"/>
+                </a:solidFill>
+              </a:rPr>
+              <a:t>Couchbase</a:t>
+            </a:r>
+            <a:r>
+              <a:rPr lang="es-EC" sz="1600" dirty="0">
+                <a:solidFill>
+                  <a:schemeClr val="dk1"/>
+                </a:solidFill>
+              </a:rPr>
+              <a:t> (</a:t>
+            </a:r>
+            <a:r>
+              <a:rPr lang="es-EC" sz="1600" dirty="0" err="1">
+                <a:solidFill>
+                  <a:schemeClr val="dk1"/>
+                </a:solidFill>
+              </a:rPr>
+              <a:t>NoSql</a:t>
+            </a:r>
+            <a:r>
+              <a:rPr lang="es-EC" sz="1600" dirty="0">
+                <a:solidFill>
+                  <a:schemeClr val="dk1"/>
+                </a:solidFill>
+              </a:rPr>
+              <a:t>): Promedio </a:t>
+            </a:r>
+            <a:r>
+              <a:rPr lang="es-EC" sz="1600" dirty="0" err="1">
+                <a:solidFill>
+                  <a:schemeClr val="dk1"/>
+                </a:solidFill>
+              </a:rPr>
+              <a:t>aprox</a:t>
+            </a:r>
+            <a:r>
+              <a:rPr lang="es-EC" sz="1600" dirty="0">
+                <a:solidFill>
+                  <a:schemeClr val="dk1"/>
+                </a:solidFill>
+              </a:rPr>
+              <a:t> 7634ms en 100mil operaciones</a:t>
+            </a:r>
+            <a:endParaRPr sz="1600" dirty="0">
+              <a:solidFill>
+                <a:schemeClr val="dk1"/>
+              </a:solidFill>
+            </a:endParaRPr>
+          </a:p>
+          <a:p>
+            <a:pPr marL="0" lvl="0" indent="0">
+              <a:spcBef>
+                <a:spcPts val="0"/>
+              </a:spcBef>
+              <a:spcAft>
+                <a:spcPts val="0"/>
+              </a:spcAft>
+              <a:buNone/>
+            </a:pPr>
+            <a:r>
+              <a:rPr lang="es-EC" sz="1600" dirty="0">
+                <a:solidFill>
+                  <a:schemeClr val="dk1"/>
+                </a:solidFill>
+              </a:rPr>
+              <a:t>	Peor Tiempo: </a:t>
+            </a:r>
+            <a:r>
+              <a:rPr lang="es-EC" sz="1600" dirty="0" err="1">
+                <a:solidFill>
+                  <a:schemeClr val="dk1"/>
+                </a:solidFill>
+              </a:rPr>
+              <a:t>RavenDB</a:t>
+            </a:r>
+            <a:r>
+              <a:rPr lang="es-EC" sz="1600" dirty="0">
+                <a:solidFill>
+                  <a:schemeClr val="dk1"/>
+                </a:solidFill>
+              </a:rPr>
+              <a:t> (</a:t>
+            </a:r>
+            <a:r>
+              <a:rPr lang="es-EC" sz="1600" dirty="0" err="1">
+                <a:solidFill>
+                  <a:schemeClr val="dk1"/>
+                </a:solidFill>
+              </a:rPr>
+              <a:t>NoSql</a:t>
+            </a:r>
+            <a:r>
+              <a:rPr lang="es-EC" sz="1600" dirty="0">
+                <a:solidFill>
+                  <a:schemeClr val="dk1"/>
+                </a:solidFill>
+              </a:rPr>
+              <a:t>): Promedio </a:t>
+            </a:r>
+            <a:r>
+              <a:rPr lang="es-EC" sz="1600" dirty="0" err="1">
+                <a:solidFill>
+                  <a:schemeClr val="dk1"/>
+                </a:solidFill>
+              </a:rPr>
+              <a:t>aprox</a:t>
+            </a:r>
+            <a:r>
+              <a:rPr lang="es-EC" sz="1600" dirty="0">
+                <a:solidFill>
+                  <a:schemeClr val="dk1"/>
+                </a:solidFill>
+              </a:rPr>
+              <a:t> 799409ms en 100mil operaciones</a:t>
+            </a:r>
+            <a:endParaRPr sz="1600" dirty="0">
+              <a:solidFill>
+                <a:schemeClr val="dk1"/>
+              </a:solidFill>
+            </a:endParaRPr>
+          </a:p>
+          <a:p>
+            <a:pPr marL="0" lvl="0" indent="0">
+              <a:spcBef>
+                <a:spcPts val="0"/>
+              </a:spcBef>
+              <a:spcAft>
+                <a:spcPts val="0"/>
+              </a:spcAft>
+              <a:buNone/>
+            </a:pPr>
+            <a:r>
+              <a:rPr lang="es-EC" sz="1600" b="1" dirty="0">
+                <a:solidFill>
+                  <a:schemeClr val="dk1"/>
+                </a:solidFill>
+              </a:rPr>
+              <a:t>Numero de “</a:t>
+            </a:r>
+            <a:r>
+              <a:rPr lang="es-EC" sz="1600" b="1" dirty="0" err="1">
+                <a:solidFill>
+                  <a:schemeClr val="dk1"/>
+                </a:solidFill>
+              </a:rPr>
+              <a:t>key</a:t>
+            </a:r>
+            <a:r>
+              <a:rPr lang="es-EC" sz="1600" b="1" dirty="0">
+                <a:solidFill>
+                  <a:schemeClr val="dk1"/>
+                </a:solidFill>
+              </a:rPr>
+              <a:t> to </a:t>
+            </a:r>
+            <a:r>
+              <a:rPr lang="es-EC" sz="1600" b="1" dirty="0" err="1">
+                <a:solidFill>
+                  <a:schemeClr val="dk1"/>
+                </a:solidFill>
+              </a:rPr>
+              <a:t>fetch</a:t>
+            </a:r>
+            <a:r>
+              <a:rPr lang="es-EC" sz="1600" b="1" dirty="0">
+                <a:solidFill>
+                  <a:schemeClr val="dk1"/>
+                </a:solidFill>
+              </a:rPr>
+              <a:t>”:</a:t>
+            </a:r>
+            <a:endParaRPr sz="1600" b="1" dirty="0">
+              <a:solidFill>
+                <a:schemeClr val="dk1"/>
+              </a:solidFill>
+            </a:endParaRPr>
+          </a:p>
+          <a:p>
+            <a:pPr marL="0" lvl="0" indent="457200" rtl="0">
+              <a:spcBef>
+                <a:spcPts val="0"/>
+              </a:spcBef>
+              <a:spcAft>
+                <a:spcPts val="0"/>
+              </a:spcAft>
+              <a:buNone/>
+            </a:pPr>
+            <a:r>
+              <a:rPr lang="es-EC" sz="1600" dirty="0">
+                <a:solidFill>
+                  <a:schemeClr val="dk1"/>
+                </a:solidFill>
+              </a:rPr>
+              <a:t>Mejor Tiempo: SQL server Express: Promedio </a:t>
+            </a:r>
+            <a:r>
+              <a:rPr lang="es-EC" sz="1600" dirty="0" err="1">
+                <a:solidFill>
+                  <a:schemeClr val="dk1"/>
+                </a:solidFill>
+              </a:rPr>
+              <a:t>aprox</a:t>
+            </a:r>
+            <a:r>
+              <a:rPr lang="es-EC" sz="1600" dirty="0">
+                <a:solidFill>
+                  <a:schemeClr val="dk1"/>
+                </a:solidFill>
+              </a:rPr>
+              <a:t> 76ms en 100mil operaciones</a:t>
+            </a:r>
+            <a:endParaRPr sz="1600" dirty="0">
+              <a:solidFill>
+                <a:schemeClr val="dk1"/>
+              </a:solidFill>
+            </a:endParaRPr>
+          </a:p>
+          <a:p>
+            <a:pPr marL="0" lvl="0" indent="0">
+              <a:spcBef>
+                <a:spcPts val="0"/>
+              </a:spcBef>
+              <a:spcAft>
+                <a:spcPts val="0"/>
+              </a:spcAft>
+              <a:buClr>
+                <a:schemeClr val="dk1"/>
+              </a:buClr>
+              <a:buSzPts val="1100"/>
+              <a:buFont typeface="Arial"/>
+              <a:buNone/>
+            </a:pPr>
+            <a:r>
+              <a:rPr lang="es-EC" sz="1600" dirty="0">
+                <a:solidFill>
+                  <a:schemeClr val="dk1"/>
+                </a:solidFill>
+              </a:rPr>
+              <a:t>	Peor Tiempo: </a:t>
+            </a:r>
+            <a:r>
+              <a:rPr lang="es-EC" sz="1600" dirty="0" err="1">
+                <a:solidFill>
+                  <a:schemeClr val="dk1"/>
+                </a:solidFill>
+              </a:rPr>
+              <a:t>CouchDB</a:t>
+            </a:r>
+            <a:r>
+              <a:rPr lang="es-EC" sz="1600" dirty="0">
+                <a:solidFill>
+                  <a:schemeClr val="dk1"/>
+                </a:solidFill>
+              </a:rPr>
+              <a:t> (</a:t>
+            </a:r>
+            <a:r>
+              <a:rPr lang="es-EC" sz="1600" dirty="0" err="1">
+                <a:solidFill>
+                  <a:schemeClr val="dk1"/>
+                </a:solidFill>
+              </a:rPr>
+              <a:t>NoSql</a:t>
+            </a:r>
+            <a:r>
+              <a:rPr lang="es-EC" sz="1600" dirty="0">
+                <a:solidFill>
+                  <a:schemeClr val="dk1"/>
+                </a:solidFill>
+              </a:rPr>
+              <a:t>): Promedio </a:t>
+            </a:r>
+            <a:r>
+              <a:rPr lang="es-EC" sz="1600" dirty="0" err="1">
+                <a:solidFill>
+                  <a:schemeClr val="dk1"/>
+                </a:solidFill>
+              </a:rPr>
+              <a:t>aprox</a:t>
+            </a:r>
+            <a:r>
+              <a:rPr lang="es-EC" sz="1600" dirty="0">
+                <a:solidFill>
+                  <a:schemeClr val="dk1"/>
+                </a:solidFill>
+              </a:rPr>
+              <a:t> 9512ms en 100mil operaciones</a:t>
+            </a:r>
+            <a:endParaRPr sz="1600" b="1" dirty="0">
+              <a:solidFill>
+                <a:schemeClr val="dk1"/>
+              </a:solidFill>
+            </a:endParaRPr>
+          </a:p>
+        </p:txBody>
+      </p:sp>
+    </p:spTree>
+    <p:extLst>
+      <p:ext uri="{BB962C8B-B14F-4D97-AF65-F5344CB8AC3E}">
+        <p14:creationId xmlns:p14="http://schemas.microsoft.com/office/powerpoint/2010/main" val="4160993625"/>
+      </p:ext>
+    </p:extLst>
+  </p:cSld>
+  <p:clrMapOvr>
+    <a:masterClrMapping/>
+  </p:clrMapOvr>
+</p:sld>
+</file>
+
+<file path=ppt/slides/slide6.xml><?xml version="1.0" encoding="utf-8"?>
+<p:sld xmlns:a="http://schemas.openxmlformats.org/drawingml/2006/main" xmlns:r="http://schemas.openxmlformats.org/officeDocument/2006/relationships" xmlns:p="http://schemas.openxmlformats.org/presentationml/2006/main">
+  <p:cSld>
+    <p:spTree>
+      <p:nvGrpSpPr>
+        <p:cNvPr id="1" name="Shape 93"/>
+        <p:cNvGrpSpPr/>
+        <p:nvPr/>
+      </p:nvGrpSpPr>
+      <p:grpSpPr>
+        <a:xfrm>
+          <a:off x="0" y="0"/>
+          <a:ext cx="0" cy="0"/>
+          <a:chOff x="0" y="0"/>
+          <a:chExt cx="0" cy="0"/>
+        </a:xfrm>
+      </p:grpSpPr>
+      <p:sp>
+        <p:nvSpPr>
+          <p:cNvPr id="94" name="Shape 94"/>
+          <p:cNvSpPr txBox="1">
+            <a:spLocks noGrp="1"/>
+          </p:cNvSpPr>
+          <p:nvPr>
+            <p:ph type="title"/>
+          </p:nvPr>
+        </p:nvSpPr>
+        <p:spPr>
+          <a:xfrm>
+            <a:off x="504000" y="216000"/>
+            <a:ext cx="7020000" cy="936000"/>
+          </a:xfrm>
+          <a:prstGeom prst="rect">
+            <a:avLst/>
+          </a:prstGeom>
+        </p:spPr>
+        <p:txBody>
+          <a:bodyPr spcFirstLastPara="1" wrap="square" lIns="91425" tIns="91425" rIns="91425" bIns="91425" anchor="ctr" anchorCtr="0">
+            <a:noAutofit/>
+          </a:bodyPr>
+          <a:lstStyle/>
+          <a:p>
+            <a:pPr marL="0" lvl="0" indent="0">
+              <a:spcBef>
+                <a:spcPts val="0"/>
+              </a:spcBef>
+              <a:spcAft>
+                <a:spcPts val="0"/>
+              </a:spcAft>
+              <a:buClr>
+                <a:schemeClr val="dk1"/>
+              </a:buClr>
+              <a:buFont typeface="Arial"/>
+              <a:buNone/>
+            </a:pPr>
+            <a:r>
+              <a:rPr lang="es-EC" sz="3570">
+                <a:solidFill>
+                  <a:schemeClr val="lt1"/>
+                </a:solidFill>
+              </a:rPr>
+              <a:t>Conclusión</a:t>
+            </a:r>
+            <a:endParaRPr sz="3570">
+              <a:solidFill>
+                <a:schemeClr val="lt1"/>
+              </a:solidFill>
+            </a:endParaRPr>
+          </a:p>
+          <a:p>
+            <a:pPr marL="0" lvl="0" indent="0">
+              <a:spcBef>
+                <a:spcPts val="0"/>
+              </a:spcBef>
+              <a:spcAft>
+                <a:spcPts val="0"/>
+              </a:spcAft>
+              <a:buNone/>
+            </a:pPr>
+            <a:endParaRPr/>
+          </a:p>
+        </p:txBody>
+      </p:sp>
+      <p:sp>
+        <p:nvSpPr>
+          <p:cNvPr id="95" name="Shape 95"/>
+          <p:cNvSpPr txBox="1">
+            <a:spLocks noGrp="1"/>
+          </p:cNvSpPr>
+          <p:nvPr>
+            <p:ph type="body" idx="4294967295"/>
+          </p:nvPr>
+        </p:nvSpPr>
+        <p:spPr>
+          <a:xfrm>
+            <a:off x="504000" y="1368000"/>
+            <a:ext cx="9072000" cy="4182900"/>
+          </a:xfrm>
+          <a:prstGeom prst="rect">
+            <a:avLst/>
+          </a:prstGeom>
+        </p:spPr>
+        <p:txBody>
+          <a:bodyPr spcFirstLastPara="1" wrap="square" lIns="91425" tIns="91425" rIns="91425" bIns="91425" anchor="t" anchorCtr="0">
+            <a:noAutofit/>
+          </a:bodyPr>
+          <a:lstStyle/>
+          <a:p>
+            <a:pPr marL="0" lvl="0" indent="0" algn="just" rtl="0">
+              <a:lnSpc>
+                <a:spcPct val="107916"/>
+              </a:lnSpc>
+              <a:spcBef>
+                <a:spcPts val="0"/>
+              </a:spcBef>
+              <a:spcAft>
+                <a:spcPts val="0"/>
+              </a:spcAft>
+              <a:buClr>
+                <a:schemeClr val="dk1"/>
+              </a:buClr>
+              <a:buSzPts val="1100"/>
+              <a:buFont typeface="Arial"/>
+              <a:buNone/>
+            </a:pPr>
+            <a:r>
+              <a:rPr lang="es-EC" sz="1600" dirty="0">
+                <a:solidFill>
+                  <a:srgbClr val="00000A"/>
+                </a:solidFill>
+                <a:latin typeface="Arial" panose="020B0604020202020204" pitchFamily="34" charset="0"/>
+                <a:ea typeface="Calibri"/>
+                <a:cs typeface="Arial" panose="020B0604020202020204" pitchFamily="34" charset="0"/>
+                <a:sym typeface="Calibri"/>
+              </a:rPr>
+              <a:t>Las bases de datos </a:t>
+            </a:r>
+            <a:r>
+              <a:rPr lang="es-EC" sz="1600" dirty="0" err="1">
+                <a:solidFill>
+                  <a:srgbClr val="00000A"/>
+                </a:solidFill>
+                <a:latin typeface="Arial" panose="020B0604020202020204" pitchFamily="34" charset="0"/>
+                <a:ea typeface="Calibri"/>
+                <a:cs typeface="Arial" panose="020B0604020202020204" pitchFamily="34" charset="0"/>
+                <a:sym typeface="Calibri"/>
+              </a:rPr>
+              <a:t>NoSQL</a:t>
+            </a:r>
+            <a:r>
+              <a:rPr lang="es-EC" sz="1600" dirty="0">
+                <a:solidFill>
+                  <a:srgbClr val="00000A"/>
+                </a:solidFill>
+                <a:latin typeface="Arial" panose="020B0604020202020204" pitchFamily="34" charset="0"/>
+                <a:ea typeface="Calibri"/>
+                <a:cs typeface="Arial" panose="020B0604020202020204" pitchFamily="34" charset="0"/>
+                <a:sym typeface="Calibri"/>
+              </a:rPr>
+              <a:t> presentan ciertas ventajas y desventajas respecto a las bases de datos relacionales o SQL como por ejemplo, la rapidez para procesar grandes cantidades de datos, sin embargo carece de un factor importante que es la atomicidad e integridad de los datos</a:t>
+            </a:r>
+            <a:r>
+              <a:rPr lang="es-EC" sz="1600" dirty="0" smtClean="0">
+                <a:solidFill>
+                  <a:srgbClr val="00000A"/>
+                </a:solidFill>
+                <a:latin typeface="Arial" panose="020B0604020202020204" pitchFamily="34" charset="0"/>
+                <a:ea typeface="Calibri"/>
+                <a:cs typeface="Arial" panose="020B0604020202020204" pitchFamily="34" charset="0"/>
+                <a:sym typeface="Calibri"/>
+              </a:rPr>
+              <a:t>.</a:t>
+            </a:r>
+          </a:p>
+          <a:p>
+            <a:pPr marL="0" lvl="0" indent="0" algn="just" rtl="0">
+              <a:lnSpc>
+                <a:spcPct val="107916"/>
+              </a:lnSpc>
+              <a:spcBef>
+                <a:spcPts val="0"/>
+              </a:spcBef>
+              <a:spcAft>
+                <a:spcPts val="0"/>
+              </a:spcAft>
+              <a:buClr>
+                <a:schemeClr val="dk1"/>
+              </a:buClr>
+              <a:buSzPts val="1100"/>
+              <a:buFont typeface="Arial"/>
+              <a:buNone/>
+            </a:pPr>
+            <a:endParaRPr sz="1600" dirty="0">
+              <a:solidFill>
+                <a:srgbClr val="00000A"/>
+              </a:solidFill>
+              <a:latin typeface="Arial" panose="020B0604020202020204" pitchFamily="34" charset="0"/>
+              <a:ea typeface="Calibri"/>
+              <a:cs typeface="Arial" panose="020B0604020202020204" pitchFamily="34" charset="0"/>
+              <a:sym typeface="Calibri"/>
+            </a:endParaRPr>
+          </a:p>
+          <a:p>
+            <a:pPr marL="0" lvl="0" indent="0" algn="just" rtl="0">
+              <a:lnSpc>
+                <a:spcPct val="107916"/>
+              </a:lnSpc>
+              <a:spcBef>
+                <a:spcPts val="800"/>
+              </a:spcBef>
+              <a:spcAft>
+                <a:spcPts val="0"/>
+              </a:spcAft>
+              <a:buClr>
+                <a:schemeClr val="dk1"/>
+              </a:buClr>
+              <a:buSzPts val="1100"/>
+              <a:buFont typeface="Arial"/>
+              <a:buNone/>
+            </a:pPr>
+            <a:r>
+              <a:rPr lang="es-EC" sz="1600" dirty="0">
+                <a:solidFill>
+                  <a:srgbClr val="00000A"/>
+                </a:solidFill>
+                <a:latin typeface="Arial" panose="020B0604020202020204" pitchFamily="34" charset="0"/>
+                <a:ea typeface="Calibri"/>
+                <a:cs typeface="Arial" panose="020B0604020202020204" pitchFamily="34" charset="0"/>
+                <a:sym typeface="Calibri"/>
+              </a:rPr>
+              <a:t>Los criterios clave a considerar cuando se evalúan las tecnologías son: el modelo de datos, el modelo de consulta, el modelo de consistencia y las API, así como el respaldo comercial y la fortaleza de la comunidad. </a:t>
+            </a:r>
+            <a:endParaRPr lang="es-EC" sz="1600" dirty="0" smtClean="0">
+              <a:solidFill>
+                <a:srgbClr val="00000A"/>
+              </a:solidFill>
+              <a:latin typeface="Arial" panose="020B0604020202020204" pitchFamily="34" charset="0"/>
+              <a:ea typeface="Calibri"/>
+              <a:cs typeface="Arial" panose="020B0604020202020204" pitchFamily="34" charset="0"/>
+              <a:sym typeface="Calibri"/>
+            </a:endParaRPr>
+          </a:p>
+          <a:p>
+            <a:pPr marL="0" lvl="0" indent="0" algn="just" rtl="0">
+              <a:lnSpc>
+                <a:spcPct val="107916"/>
+              </a:lnSpc>
+              <a:spcBef>
+                <a:spcPts val="800"/>
+              </a:spcBef>
+              <a:spcAft>
+                <a:spcPts val="0"/>
+              </a:spcAft>
+              <a:buClr>
+                <a:schemeClr val="dk1"/>
+              </a:buClr>
+              <a:buSzPts val="1100"/>
+              <a:buFont typeface="Arial"/>
+              <a:buNone/>
+            </a:pPr>
+            <a:endParaRPr sz="1600" dirty="0">
+              <a:solidFill>
+                <a:srgbClr val="00000A"/>
+              </a:solidFill>
+              <a:latin typeface="Arial" panose="020B0604020202020204" pitchFamily="34" charset="0"/>
+              <a:ea typeface="Calibri"/>
+              <a:cs typeface="Arial" panose="020B0604020202020204" pitchFamily="34" charset="0"/>
+              <a:sym typeface="Calibri"/>
+            </a:endParaRPr>
+          </a:p>
+          <a:p>
+            <a:pPr marL="0" lvl="0" indent="0" algn="just" rtl="0">
+              <a:lnSpc>
+                <a:spcPct val="107916"/>
+              </a:lnSpc>
+              <a:spcBef>
+                <a:spcPts val="800"/>
+              </a:spcBef>
+              <a:spcAft>
+                <a:spcPts val="0"/>
+              </a:spcAft>
+              <a:buClr>
+                <a:schemeClr val="dk1"/>
+              </a:buClr>
+              <a:buSzPts val="1100"/>
+              <a:buFont typeface="Arial"/>
+              <a:buNone/>
+            </a:pPr>
+            <a:r>
+              <a:rPr lang="es-EC" sz="1600" dirty="0" err="1">
+                <a:solidFill>
+                  <a:srgbClr val="00000A"/>
+                </a:solidFill>
+                <a:latin typeface="Arial" panose="020B0604020202020204" pitchFamily="34" charset="0"/>
+                <a:ea typeface="Calibri"/>
+                <a:cs typeface="Arial" panose="020B0604020202020204" pitchFamily="34" charset="0"/>
+                <a:sym typeface="Calibri"/>
+              </a:rPr>
+              <a:t>MongoDB</a:t>
+            </a:r>
+            <a:r>
+              <a:rPr lang="es-EC" sz="1600" dirty="0">
+                <a:solidFill>
+                  <a:srgbClr val="00000A"/>
+                </a:solidFill>
+                <a:latin typeface="Arial" panose="020B0604020202020204" pitchFamily="34" charset="0"/>
+                <a:ea typeface="Calibri"/>
+                <a:cs typeface="Arial" panose="020B0604020202020204" pitchFamily="34" charset="0"/>
+                <a:sym typeface="Calibri"/>
+              </a:rPr>
+              <a:t> es una de las bases de datos </a:t>
+            </a:r>
+            <a:r>
+              <a:rPr lang="es-EC" sz="1600" dirty="0" err="1">
+                <a:solidFill>
+                  <a:srgbClr val="00000A"/>
+                </a:solidFill>
+                <a:latin typeface="Arial" panose="020B0604020202020204" pitchFamily="34" charset="0"/>
+                <a:ea typeface="Calibri"/>
+                <a:cs typeface="Arial" panose="020B0604020202020204" pitchFamily="34" charset="0"/>
+                <a:sym typeface="Calibri"/>
+              </a:rPr>
+              <a:t>NoSQL</a:t>
+            </a:r>
+            <a:r>
+              <a:rPr lang="es-EC" sz="1600" dirty="0">
+                <a:solidFill>
+                  <a:srgbClr val="00000A"/>
+                </a:solidFill>
+                <a:latin typeface="Arial" panose="020B0604020202020204" pitchFamily="34" charset="0"/>
+                <a:ea typeface="Calibri"/>
+                <a:cs typeface="Arial" panose="020B0604020202020204" pitchFamily="34" charset="0"/>
+                <a:sym typeface="Calibri"/>
+              </a:rPr>
+              <a:t> que cumple con la mayoría de criterios de evaluación</a:t>
+            </a:r>
+            <a:r>
+              <a:rPr lang="es-EC" sz="1600" dirty="0" smtClean="0">
+                <a:solidFill>
+                  <a:srgbClr val="00000A"/>
+                </a:solidFill>
+                <a:latin typeface="Arial" panose="020B0604020202020204" pitchFamily="34" charset="0"/>
+                <a:ea typeface="Calibri"/>
+                <a:cs typeface="Arial" panose="020B0604020202020204" pitchFamily="34" charset="0"/>
+                <a:sym typeface="Calibri"/>
+              </a:rPr>
+              <a:t>.</a:t>
+            </a:r>
+          </a:p>
+          <a:p>
+            <a:pPr marL="0" lvl="0" indent="0" algn="just" rtl="0">
+              <a:lnSpc>
+                <a:spcPct val="107916"/>
+              </a:lnSpc>
+              <a:spcBef>
+                <a:spcPts val="800"/>
+              </a:spcBef>
+              <a:spcAft>
+                <a:spcPts val="0"/>
+              </a:spcAft>
+              <a:buClr>
+                <a:schemeClr val="dk1"/>
+              </a:buClr>
+              <a:buSzPts val="1100"/>
+              <a:buFont typeface="Arial"/>
+              <a:buNone/>
+            </a:pPr>
+            <a:endParaRPr lang="es-EC" sz="1600" dirty="0">
+              <a:solidFill>
+                <a:srgbClr val="00000A"/>
+              </a:solidFill>
+              <a:latin typeface="Arial" panose="020B0604020202020204" pitchFamily="34" charset="0"/>
+              <a:ea typeface="Calibri"/>
+              <a:cs typeface="Arial" panose="020B0604020202020204" pitchFamily="34" charset="0"/>
+              <a:sym typeface="Calibri"/>
+            </a:endParaRPr>
+          </a:p>
+          <a:p>
+            <a:pPr marL="0" lvl="0" indent="0" algn="just" rtl="0">
+              <a:lnSpc>
+                <a:spcPct val="107916"/>
+              </a:lnSpc>
+              <a:spcBef>
+                <a:spcPts val="800"/>
+              </a:spcBef>
+              <a:spcAft>
+                <a:spcPts val="0"/>
+              </a:spcAft>
+              <a:buClr>
+                <a:schemeClr val="dk1"/>
+              </a:buClr>
+              <a:buSzPts val="1100"/>
+              <a:buFont typeface="Arial"/>
+              <a:buNone/>
+            </a:pPr>
+            <a:r>
+              <a:rPr lang="es-EC" sz="1600" dirty="0" smtClean="0">
+                <a:solidFill>
+                  <a:srgbClr val="00000A"/>
+                </a:solidFill>
+                <a:latin typeface="Arial" panose="020B0604020202020204" pitchFamily="34" charset="0"/>
+                <a:ea typeface="Calibri"/>
+                <a:cs typeface="Arial" panose="020B0604020202020204" pitchFamily="34" charset="0"/>
+                <a:sym typeface="Calibri"/>
+              </a:rPr>
+              <a:t>No </a:t>
+            </a:r>
+            <a:r>
+              <a:rPr lang="es-EC" sz="1600" dirty="0">
+                <a:solidFill>
+                  <a:srgbClr val="00000A"/>
+                </a:solidFill>
+                <a:latin typeface="Arial" panose="020B0604020202020204" pitchFamily="34" charset="0"/>
+                <a:ea typeface="Calibri"/>
+                <a:cs typeface="Arial" panose="020B0604020202020204" pitchFamily="34" charset="0"/>
+                <a:sym typeface="Calibri"/>
+              </a:rPr>
+              <a:t>se puede definir cuál de las bases de datos es la mejor, ya que ambas son importantes y se pueden usar dependiendo para que se lo va a usar. </a:t>
+            </a:r>
+            <a:endParaRPr sz="1600" dirty="0">
+              <a:solidFill>
+                <a:srgbClr val="00000A"/>
+              </a:solidFill>
+              <a:latin typeface="Arial" panose="020B0604020202020204" pitchFamily="34" charset="0"/>
+              <a:ea typeface="Calibri"/>
+              <a:cs typeface="Arial" panose="020B0604020202020204" pitchFamily="34" charset="0"/>
+              <a:sym typeface="Calibri"/>
+            </a:endParaRPr>
+          </a:p>
+          <a:p>
+            <a:pPr marL="0" lvl="0" indent="0" rtl="0">
+              <a:lnSpc>
+                <a:spcPct val="107916"/>
+              </a:lnSpc>
+              <a:spcBef>
+                <a:spcPts val="800"/>
+              </a:spcBef>
+              <a:spcAft>
+                <a:spcPts val="0"/>
+              </a:spcAft>
+              <a:buClr>
+                <a:schemeClr val="dk1"/>
+              </a:buClr>
+              <a:buSzPts val="1100"/>
+              <a:buFont typeface="Arial"/>
+              <a:buNone/>
+            </a:pPr>
+            <a:endParaRPr sz="1100" b="1" dirty="0">
+              <a:solidFill>
+                <a:srgbClr val="00000A"/>
+              </a:solidFill>
+              <a:latin typeface="Calibri"/>
+              <a:ea typeface="Calibri"/>
+              <a:cs typeface="Calibri"/>
+              <a:sym typeface="Calibri"/>
+            </a:endParaRPr>
+          </a:p>
+          <a:p>
+            <a:pPr marL="0" lvl="0" indent="0">
+              <a:spcBef>
+                <a:spcPts val="800"/>
+              </a:spcBef>
+              <a:spcAft>
+                <a:spcPts val="0"/>
+              </a:spcAft>
+              <a:buNone/>
+            </a:pPr>
+            <a:endParaRPr dirty="0"/>
+          </a:p>
+        </p:txBody>
+      </p:sp>
+    </p:spTree>
+    <p:extLst>
+      <p:ext uri="{BB962C8B-B14F-4D97-AF65-F5344CB8AC3E}">
+        <p14:creationId xmlns:p14="http://schemas.microsoft.com/office/powerpoint/2010/main" val="2694805067"/>
+      </p:ext>
+    </p:extLst>
+  </p:cSld>
+  <p:clrMapOvr>
+    <a:masterClrMapping/>
+  </p:clrMapOvr>
 </p:sld>
 </file>
 
@@ -2195,31 +6087,31 @@
         <a:sysClr val="window" lastClr="FFFFFF"/>
       </a:lt1>
       <a:dk2>
-        <a:srgbClr val="1f497d"/>
+        <a:srgbClr val="1F497D"/>
       </a:dk2>
       <a:lt2>
-        <a:srgbClr val="eeece1"/>
+        <a:srgbClr val="EEECE1"/>
       </a:lt2>
       <a:accent1>
-        <a:srgbClr val="4f81bd"/>
+        <a:srgbClr val="4F81BD"/>
       </a:accent1>
       <a:accent2>
-        <a:srgbClr val="c0504d"/>
+        <a:srgbClr val="C0504D"/>
       </a:accent2>
       <a:accent3>
-        <a:srgbClr val="9bbb59"/>
+        <a:srgbClr val="9BBB59"/>
       </a:accent3>
       <a:accent4>
-        <a:srgbClr val="8064a2"/>
+        <a:srgbClr val="8064A2"/>
       </a:accent4>
       <a:accent5>
-        <a:srgbClr val="4bacc6"/>
+        <a:srgbClr val="4BACC6"/>
       </a:accent5>
       <a:accent6>
-        <a:srgbClr val="f79646"/>
+        <a:srgbClr val="F79646"/>
       </a:accent6>
       <a:hlink>
-        <a:srgbClr val="0000ff"/>
+        <a:srgbClr val="0000FF"/>
       </a:hlink>
       <a:folHlink>
         <a:srgbClr val="800080"/>
@@ -2404,5 +6296,268 @@
       </a:bgFillStyleLst>
     </a:fmtScheme>
   </a:themeElements>
+  <a:objectDefaults/>
+  <a:extraClrSchemeLst/>
+</a:theme>
+</file>
+
+<file path=ppt/theme/theme2.xml><?xml version="1.0" encoding="utf-8"?>
+<a:theme xmlns:a="http://schemas.openxmlformats.org/drawingml/2006/main" name="Tema de Office">
+  <a:themeElements>
+    <a:clrScheme name="Office">
+      <a:dk1>
+        <a:sysClr val="windowText" lastClr="000000"/>
+      </a:dk1>
+      <a:lt1>
+        <a:sysClr val="window" lastClr="FFFFFF"/>
+      </a:lt1>
+      <a:dk2>
+        <a:srgbClr val="44546A"/>
+      </a:dk2>
+      <a:lt2>
+        <a:srgbClr val="E7E6E6"/>
+      </a:lt2>
+      <a:accent1>
+        <a:srgbClr val="5B9BD5"/>
+      </a:accent1>
+      <a:accent2>
+        <a:srgbClr val="ED7D31"/>
+      </a:accent2>
+      <a:accent3>
+        <a:srgbClr val="A5A5A5"/>
+      </a:accent3>
+      <a:accent4>
+        <a:srgbClr val="FFC000"/>
+      </a:accent4>
+      <a:accent5>
+        <a:srgbClr val="4472C4"/>
+      </a:accent5>
+      <a:accent6>
+        <a:srgbClr val="70AD47"/>
+      </a:accent6>
+      <a:hlink>
+        <a:srgbClr val="0563C1"/>
+      </a:hlink>
+      <a:folHlink>
+        <a:srgbClr val="954F72"/>
+      </a:folHlink>
+    </a:clrScheme>
+    <a:fontScheme name="Office">
+      <a:majorFont>
+        <a:latin typeface="Calibri Light" panose="020F0302020204030204"/>
+        <a:ea typeface=""/>
+        <a:cs typeface=""/>
+        <a:font script="Jpan" typeface="游ゴシック Light"/>
+        <a:font script="Hang" typeface="맑은 고딕"/>
+        <a:font script="Hans" typeface="等线 Light"/>
+        <a:font script="Hant" typeface="新細明體"/>
+        <a:font script="Arab" typeface="Times New Roman"/>
+        <a:font script="Hebr" typeface="Times New Roman"/>
+        <a:font script="Thai" typeface="Angsana New"/>
+        <a:font script="Ethi" typeface="Nyala"/>
+        <a:font script="Beng" typeface="Vrinda"/>
+        <a:font script="Gujr" typeface="Shruti"/>
+        <a:font script="Khmr" typeface="MoolBoran"/>
+        <a:font script="Knda" typeface="Tunga"/>
+        <a:font script="Guru" typeface="Raavi"/>
+        <a:font script="Cans" typeface="Euphemia"/>
+        <a:font script="Cher" typeface="Plantagenet Cherokee"/>
+        <a:font script="Yiii" typeface="Microsoft Yi Baiti"/>
+        <a:font script="Tibt" typeface="Microsoft Himalaya"/>
+        <a:font script="Thaa" typeface="MV Boli"/>
+        <a:font script="Deva" typeface="Mangal"/>
+        <a:font script="Telu" typeface="Gautami"/>
+        <a:font script="Taml" typeface="Latha"/>
+        <a:font script="Syrc" typeface="Estrangelo Edessa"/>
+        <a:font script="Orya" typeface="Kalinga"/>
+        <a:font script="Mlym" typeface="Kartika"/>
+        <a:font script="Laoo" typeface="DokChampa"/>
+        <a:font script="Sinh" typeface="Iskoola Pota"/>
+        <a:font script="Mong" typeface="Mongolian Baiti"/>
+        <a:font script="Viet" typeface="Times New Roman"/>
+        <a:font script="Uigh" typeface="Microsoft Uighur"/>
+        <a:font script="Geor" typeface="Sylfaen"/>
+      </a:majorFont>
+      <a:minorFont>
+        <a:latin typeface="Calibri" panose="020F0502020204030204"/>
+        <a:ea typeface=""/>
+        <a:cs typeface=""/>
+        <a:font script="Jpan" typeface="游ゴシック"/>
+        <a:font script="Hang" typeface="맑은 고딕"/>
+        <a:font script="Hans" typeface="等线"/>
+        <a:font script="Hant" typeface="新細明體"/>
+        <a:font script="Arab" typeface="Arial"/>
+        <a:font script="Hebr" typeface="Arial"/>
+        <a:font script="Thai" typeface="Cordia New"/>
+        <a:font script="Ethi" typeface="Nyala"/>
+        <a:font script="Beng" typeface="Vrinda"/>
+        <a:font script="Gujr" typeface="Shruti"/>
+        <a:font script="Khmr" typeface="DaunPenh"/>
+        <a:font script="Knda" typeface="Tunga"/>
+        <a:font script="Guru" typeface="Raavi"/>
+        <a:font script="Cans" typeface="Euphemia"/>
+        <a:font script="Cher" typeface="Plantagenet Cherokee"/>
+        <a:font script="Yiii" typeface="Microsoft Yi Baiti"/>
+        <a:font script="Tibt" typeface="Microsoft Himalaya"/>
+        <a:font script="Thaa" typeface="MV Boli"/>
+        <a:font script="Deva" typeface="Mangal"/>
+        <a:font script="Telu" typeface="Gautami"/>
+        <a:font script="Taml" typeface="Latha"/>
+        <a:font script="Syrc" typeface="Estrangelo Edessa"/>
+        <a:font script="Orya" typeface="Kalinga"/>
+        <a:font script="Mlym" typeface="Kartika"/>
+        <a:font script="Laoo" typeface="DokChampa"/>
+        <a:font script="Sinh" typeface="Iskoola Pota"/>
+        <a:font script="Mong" typeface="Mongolian Baiti"/>
+        <a:font script="Viet" typeface="Arial"/>
+        <a:font script="Uigh" typeface="Microsoft Uighur"/>
+        <a:font script="Geor" typeface="Sylfaen"/>
+      </a:minorFont>
+    </a:fontScheme>
+    <a:fmtScheme name="Office">
+      <a:fillStyleLst>
+        <a:solidFill>
+          <a:schemeClr val="phClr"/>
+        </a:solidFill>
+        <a:gradFill rotWithShape="1">
+          <a:gsLst>
+            <a:gs pos="0">
+              <a:schemeClr val="phClr">
+                <a:lumMod val="110000"/>
+                <a:satMod val="105000"/>
+                <a:tint val="67000"/>
+              </a:schemeClr>
+            </a:gs>
+            <a:gs pos="50000">
+              <a:schemeClr val="phClr">
+                <a:lumMod val="105000"/>
+                <a:satMod val="103000"/>
+                <a:tint val="73000"/>
+              </a:schemeClr>
+            </a:gs>
+            <a:gs pos="100000">
+              <a:schemeClr val="phClr">
+                <a:lumMod val="105000"/>
+                <a:satMod val="109000"/>
+                <a:tint val="81000"/>
+              </a:schemeClr>
+            </a:gs>
+          </a:gsLst>
+          <a:lin ang="5400000" scaled="0"/>
+        </a:gradFill>
+        <a:gradFill rotWithShape="1">
+          <a:gsLst>
+            <a:gs pos="0">
+              <a:schemeClr val="phClr">
+                <a:satMod val="103000"/>
+                <a:lumMod val="102000"/>
+                <a:tint val="94000"/>
+              </a:schemeClr>
+            </a:gs>
+            <a:gs pos="50000">
+              <a:schemeClr val="phClr">
+                <a:satMod val="110000"/>
+                <a:lumMod val="100000"/>
+                <a:shade val="100000"/>
+              </a:schemeClr>
+            </a:gs>
+            <a:gs pos="100000">
+              <a:schemeClr val="phClr">
+                <a:lumMod val="99000"/>
+                <a:satMod val="120000"/>
+                <a:shade val="78000"/>
+              </a:schemeClr>
+            </a:gs>
+          </a:gsLst>
+          <a:lin ang="5400000" scaled="0"/>
+        </a:gradFill>
+      </a:fillStyleLst>
+      <a:lnStyleLst>
+        <a:ln w="6350" cap="flat" cmpd="sng" algn="ctr">
+          <a:solidFill>
+            <a:schemeClr val="phClr"/>
+          </a:solidFill>
+          <a:prstDash val="solid"/>
+          <a:miter lim="800000"/>
+        </a:ln>
+        <a:ln w="12700" cap="flat" cmpd="sng" algn="ctr">
+          <a:solidFill>
+            <a:schemeClr val="phClr"/>
+          </a:solidFill>
+          <a:prstDash val="solid"/>
+          <a:miter lim="800000"/>
+        </a:ln>
+        <a:ln w="19050" cap="flat" cmpd="sng" algn="ctr">
+          <a:solidFill>
+            <a:schemeClr val="phClr"/>
+          </a:solidFill>
+          <a:prstDash val="solid"/>
+          <a:miter lim="800000"/>
+        </a:ln>
+      </a:lnStyleLst>
+      <a:effectStyleLst>
+        <a:effectStyle>
+          <a:effectLst/>
+        </a:effectStyle>
+        <a:effectStyle>
+          <a:effectLst/>
+        </a:effectStyle>
+        <a:effectStyle>
+          <a:effectLst>
+            <a:outerShdw blurRad="57150" dist="19050" dir="5400000" algn="ctr" rotWithShape="0">
+              <a:srgbClr val="000000">
+                <a:alpha val="63000"/>
+              </a:srgbClr>
+            </a:outerShdw>
+          </a:effectLst>
+        </a:effectStyle>
+      </a:effectStyleLst>
+      <a:bgFillStyleLst>
+        <a:solidFill>
+          <a:schemeClr val="phClr"/>
+        </a:solidFill>
+        <a:solidFill>
+          <a:schemeClr val="phClr">
+            <a:tint val="95000"/>
+            <a:satMod val="170000"/>
+          </a:schemeClr>
+        </a:solidFill>
+        <a:gradFill rotWithShape="1">
+          <a:gsLst>
+            <a:gs pos="0">
+              <a:schemeClr val="phClr">
+                <a:tint val="93000"/>
+                <a:satMod val="150000"/>
+                <a:shade val="98000"/>
+                <a:lumMod val="102000"/>
+              </a:schemeClr>
+            </a:gs>
+            <a:gs pos="50000">
+              <a:schemeClr val="phClr">
+                <a:tint val="98000"/>
+                <a:satMod val="130000"/>
+                <a:shade val="90000"/>
+                <a:lumMod val="103000"/>
+              </a:schemeClr>
+            </a:gs>
+            <a:gs pos="100000">
+              <a:schemeClr val="phClr">
+                <a:shade val="63000"/>
+                <a:satMod val="120000"/>
+              </a:schemeClr>
+            </a:gs>
+          </a:gsLst>
+          <a:lin ang="5400000" scaled="0"/>
+        </a:gradFill>
+      </a:bgFillStyleLst>
+    </a:fmtScheme>
+  </a:themeElements>
+  <a:objectDefaults/>
+  <a:extraClrSchemeLst/>
+  <a:extLst>
+    <a:ext uri="{05A4C25C-085E-4340-85A3-A5531E510DB2}">
+      <thm15:themeFamily xmlns:thm15="http://schemas.microsoft.com/office/thememl/2012/main" name="Office Theme" id="{62F939B6-93AF-4DB8-9C6B-D6C7DFDC589F}" vid="{4A3C46E8-61CC-4603-A589-7422A47A8E4A}"/>
+    </a:ext>
+  </a:extLst>
 </a:theme>
 </file>